--- a/pptx/chap14.pptx
+++ b/pptx/chap14.pptx
@@ -2,23 +2,23 @@
 <file path=ppt/presentation.xml><?xml version="1.0" encoding="utf-8"?>
 <p:presentation xmlns:a="http://schemas.openxmlformats.org/drawingml/2006/main" xmlns:r="http://schemas.openxmlformats.org/officeDocument/2006/relationships" xmlns:p="http://schemas.openxmlformats.org/presentationml/2006/main" saveSubsetFonts="1">
   <p:sldMasterIdLst>
-    <p:sldMasterId id="2147483648" r:id="rId1"/>
+    <p:sldMasterId id="2147483660" r:id="rId1"/>
   </p:sldMasterIdLst>
   <p:sldIdLst>
-    <p:sldId id="268" r:id="rId2"/>
+    <p:sldId id="287" r:id="rId2"/>
     <p:sldId id="269" r:id="rId3"/>
     <p:sldId id="270" r:id="rId4"/>
     <p:sldId id="271" r:id="rId5"/>
     <p:sldId id="272" r:id="rId6"/>
   </p:sldIdLst>
-  <p:sldSz cx="9144000" cy="6858000" type="screen4x3"/>
+  <p:sldSz cx="12192000" cy="6858000"/>
   <p:notesSz cx="6858000" cy="9144000"/>
   <p:defaultTextStyle>
     <a:defPPr>
-      <a:defRPr lang="ja-JP"/>
+      <a:defRPr lang="en-US"/>
     </a:defPPr>
-    <a:lvl1pPr marL="0" algn="l" defTabSz="914400" rtl="0" eaLnBrk="1" latinLnBrk="0" hangingPunct="1">
-      <a:defRPr kumimoji="1" sz="1800" kern="1200">
+    <a:lvl1pPr marL="0" algn="l" defTabSz="457200" rtl="0" eaLnBrk="1" latinLnBrk="0" hangingPunct="1">
+      <a:defRPr sz="1800" kern="1200">
         <a:solidFill>
           <a:schemeClr val="tx1"/>
         </a:solidFill>
@@ -27,8 +27,8 @@
         <a:cs typeface="+mn-cs"/>
       </a:defRPr>
     </a:lvl1pPr>
-    <a:lvl2pPr marL="457200" algn="l" defTabSz="914400" rtl="0" eaLnBrk="1" latinLnBrk="0" hangingPunct="1">
-      <a:defRPr kumimoji="1" sz="1800" kern="1200">
+    <a:lvl2pPr marL="457200" algn="l" defTabSz="457200" rtl="0" eaLnBrk="1" latinLnBrk="0" hangingPunct="1">
+      <a:defRPr sz="1800" kern="1200">
         <a:solidFill>
           <a:schemeClr val="tx1"/>
         </a:solidFill>
@@ -37,8 +37,8 @@
         <a:cs typeface="+mn-cs"/>
       </a:defRPr>
     </a:lvl2pPr>
-    <a:lvl3pPr marL="914400" algn="l" defTabSz="914400" rtl="0" eaLnBrk="1" latinLnBrk="0" hangingPunct="1">
-      <a:defRPr kumimoji="1" sz="1800" kern="1200">
+    <a:lvl3pPr marL="914400" algn="l" defTabSz="457200" rtl="0" eaLnBrk="1" latinLnBrk="0" hangingPunct="1">
+      <a:defRPr sz="1800" kern="1200">
         <a:solidFill>
           <a:schemeClr val="tx1"/>
         </a:solidFill>
@@ -47,8 +47,8 @@
         <a:cs typeface="+mn-cs"/>
       </a:defRPr>
     </a:lvl3pPr>
-    <a:lvl4pPr marL="1371600" algn="l" defTabSz="914400" rtl="0" eaLnBrk="1" latinLnBrk="0" hangingPunct="1">
-      <a:defRPr kumimoji="1" sz="1800" kern="1200">
+    <a:lvl4pPr marL="1371600" algn="l" defTabSz="457200" rtl="0" eaLnBrk="1" latinLnBrk="0" hangingPunct="1">
+      <a:defRPr sz="1800" kern="1200">
         <a:solidFill>
           <a:schemeClr val="tx1"/>
         </a:solidFill>
@@ -57,8 +57,8 @@
         <a:cs typeface="+mn-cs"/>
       </a:defRPr>
     </a:lvl4pPr>
-    <a:lvl5pPr marL="1828800" algn="l" defTabSz="914400" rtl="0" eaLnBrk="1" latinLnBrk="0" hangingPunct="1">
-      <a:defRPr kumimoji="1" sz="1800" kern="1200">
+    <a:lvl5pPr marL="1828800" algn="l" defTabSz="457200" rtl="0" eaLnBrk="1" latinLnBrk="0" hangingPunct="1">
+      <a:defRPr sz="1800" kern="1200">
         <a:solidFill>
           <a:schemeClr val="tx1"/>
         </a:solidFill>
@@ -67,8 +67,8 @@
         <a:cs typeface="+mn-cs"/>
       </a:defRPr>
     </a:lvl5pPr>
-    <a:lvl6pPr marL="2286000" algn="l" defTabSz="914400" rtl="0" eaLnBrk="1" latinLnBrk="0" hangingPunct="1">
-      <a:defRPr kumimoji="1" sz="1800" kern="1200">
+    <a:lvl6pPr marL="2286000" algn="l" defTabSz="457200" rtl="0" eaLnBrk="1" latinLnBrk="0" hangingPunct="1">
+      <a:defRPr sz="1800" kern="1200">
         <a:solidFill>
           <a:schemeClr val="tx1"/>
         </a:solidFill>
@@ -77,8 +77,8 @@
         <a:cs typeface="+mn-cs"/>
       </a:defRPr>
     </a:lvl6pPr>
-    <a:lvl7pPr marL="2743200" algn="l" defTabSz="914400" rtl="0" eaLnBrk="1" latinLnBrk="0" hangingPunct="1">
-      <a:defRPr kumimoji="1" sz="1800" kern="1200">
+    <a:lvl7pPr marL="2743200" algn="l" defTabSz="457200" rtl="0" eaLnBrk="1" latinLnBrk="0" hangingPunct="1">
+      <a:defRPr sz="1800" kern="1200">
         <a:solidFill>
           <a:schemeClr val="tx1"/>
         </a:solidFill>
@@ -87,8 +87,8 @@
         <a:cs typeface="+mn-cs"/>
       </a:defRPr>
     </a:lvl7pPr>
-    <a:lvl8pPr marL="3200400" algn="l" defTabSz="914400" rtl="0" eaLnBrk="1" latinLnBrk="0" hangingPunct="1">
-      <a:defRPr kumimoji="1" sz="1800" kern="1200">
+    <a:lvl8pPr marL="3200400" algn="l" defTabSz="457200" rtl="0" eaLnBrk="1" latinLnBrk="0" hangingPunct="1">
+      <a:defRPr sz="1800" kern="1200">
         <a:solidFill>
           <a:schemeClr val="tx1"/>
         </a:solidFill>
@@ -97,8 +97,8 @@
         <a:cs typeface="+mn-cs"/>
       </a:defRPr>
     </a:lvl8pPr>
-    <a:lvl9pPr marL="3657600" algn="l" defTabSz="914400" rtl="0" eaLnBrk="1" latinLnBrk="0" hangingPunct="1">
-      <a:defRPr kumimoji="1" sz="1800" kern="1200">
+    <a:lvl9pPr marL="3657600" algn="l" defTabSz="457200" rtl="0" eaLnBrk="1" latinLnBrk="0" hangingPunct="1">
+      <a:defRPr sz="1800" kern="1200">
         <a:solidFill>
           <a:schemeClr val="tx1"/>
         </a:solidFill>
@@ -114,10 +114,6 @@
     </p:ext>
   </p:extLst>
 </p:presentation>
-</file>
-
-<file path=ppt/revisionInfo.xml><?xml version="1.0" encoding="utf-8"?>
-<p1510:revInfo xmlns:a="http://schemas.openxmlformats.org/drawingml/2006/main" xmlns:r="http://schemas.openxmlformats.org/officeDocument/2006/relationships" xmlns:p1510="http://schemas.microsoft.com/office/powerpoint/2015/10/main"/>
 </file>
 
 <file path=ppt/slideLayouts/slideLayout1.xml><?xml version="1.0" encoding="utf-8"?>
@@ -139,13 +135,7 @@
       </p:grpSpPr>
       <p:sp>
         <p:nvSpPr>
-          <p:cNvPr id="2" name="タイトル 1">
-            <a:extLst>
-              <a:ext uri="{FF2B5EF4-FFF2-40B4-BE49-F238E27FC236}">
-                <a16:creationId xmlns:a16="http://schemas.microsoft.com/office/drawing/2014/main" id="{490F5702-5D73-444E-8951-B738CBD0E5BE}"/>
-              </a:ext>
-            </a:extLst>
-          </p:cNvPr>
+          <p:cNvPr id="2" name="Title 1"/>
           <p:cNvSpPr>
             <a:spLocks noGrp="1"/>
           </p:cNvSpPr>
@@ -155,8 +145,8 @@
         </p:nvSpPr>
         <p:spPr>
           <a:xfrm>
-            <a:off x="1143000" y="1122363"/>
-            <a:ext cx="6858000" cy="2387600"/>
+            <a:off x="1524000" y="1122363"/>
+            <a:ext cx="9144000" cy="2387600"/>
           </a:xfrm>
         </p:spPr>
         <p:txBody>
@@ -168,21 +158,16 @@
           </a:lstStyle>
           <a:p>
             <a:r>
-              <a:rPr kumimoji="1" lang="ja-JP" altLang="en-US"/>
+              <a:rPr lang="ja-JP" altLang="en-US"/>
               <a:t>マスター タイトルの書式設定</a:t>
             </a:r>
-          </a:p>
-        </p:txBody>
-      </p:sp>
-      <p:sp>
-        <p:nvSpPr>
-          <p:cNvPr id="3" name="サブタイトル 2">
-            <a:extLst>
-              <a:ext uri="{FF2B5EF4-FFF2-40B4-BE49-F238E27FC236}">
-                <a16:creationId xmlns:a16="http://schemas.microsoft.com/office/drawing/2014/main" id="{92151FC2-914A-40A1-AFA3-889561BB0D24}"/>
-              </a:ext>
-            </a:extLst>
-          </p:cNvPr>
+            <a:endParaRPr lang="en-US" dirty="0"/>
+          </a:p>
+        </p:txBody>
+      </p:sp>
+      <p:sp>
+        <p:nvSpPr>
+          <p:cNvPr id="3" name="Subtitle 2"/>
           <p:cNvSpPr>
             <a:spLocks noGrp="1"/>
           </p:cNvSpPr>
@@ -192,8 +177,8 @@
         </p:nvSpPr>
         <p:spPr>
           <a:xfrm>
-            <a:off x="1143000" y="3602038"/>
-            <a:ext cx="6858000" cy="1655762"/>
+            <a:off x="1524000" y="3602038"/>
+            <a:ext cx="9144000" cy="1655762"/>
           </a:xfrm>
         </p:spPr>
         <p:txBody>
@@ -238,21 +223,16 @@
           </a:lstStyle>
           <a:p>
             <a:r>
-              <a:rPr kumimoji="1" lang="ja-JP" altLang="en-US"/>
+              <a:rPr lang="ja-JP" altLang="en-US"/>
               <a:t>マスター サブタイトルの書式設定</a:t>
             </a:r>
-          </a:p>
-        </p:txBody>
-      </p:sp>
-      <p:sp>
-        <p:nvSpPr>
-          <p:cNvPr id="4" name="日付プレースホルダー 3">
-            <a:extLst>
-              <a:ext uri="{FF2B5EF4-FFF2-40B4-BE49-F238E27FC236}">
-                <a16:creationId xmlns:a16="http://schemas.microsoft.com/office/drawing/2014/main" id="{A5871356-BBC6-4101-A899-68ED57221D85}"/>
-              </a:ext>
-            </a:extLst>
-          </p:cNvPr>
+            <a:endParaRPr lang="en-US" dirty="0"/>
+          </a:p>
+        </p:txBody>
+      </p:sp>
+      <p:sp>
+        <p:nvSpPr>
+          <p:cNvPr id="4" name="Date Placeholder 3"/>
           <p:cNvSpPr>
             <a:spLocks noGrp="1"/>
           </p:cNvSpPr>
@@ -267,7 +247,7 @@
           <a:p>
             <a:fld id="{BCC3470B-979D-4AC3-9CEF-E2615858CE2E}" type="datetimeFigureOut">
               <a:rPr kumimoji="1" lang="ja-JP" altLang="en-US" smtClean="0"/>
-              <a:t>2017/8/31</a:t>
+              <a:t>2023/8/25</a:t>
             </a:fld>
             <a:endParaRPr kumimoji="1" lang="ja-JP" altLang="en-US"/>
           </a:p>
@@ -275,13 +255,7 @@
       </p:sp>
       <p:sp>
         <p:nvSpPr>
-          <p:cNvPr id="5" name="フッター プレースホルダー 4">
-            <a:extLst>
-              <a:ext uri="{FF2B5EF4-FFF2-40B4-BE49-F238E27FC236}">
-                <a16:creationId xmlns:a16="http://schemas.microsoft.com/office/drawing/2014/main" id="{1A645758-572A-4888-B100-B96321DE5302}"/>
-              </a:ext>
-            </a:extLst>
-          </p:cNvPr>
+          <p:cNvPr id="5" name="Footer Placeholder 4"/>
           <p:cNvSpPr>
             <a:spLocks noGrp="1"/>
           </p:cNvSpPr>
@@ -300,13 +274,7 @@
       </p:sp>
       <p:sp>
         <p:nvSpPr>
-          <p:cNvPr id="6" name="スライド番号プレースホルダー 5">
-            <a:extLst>
-              <a:ext uri="{FF2B5EF4-FFF2-40B4-BE49-F238E27FC236}">
-                <a16:creationId xmlns:a16="http://schemas.microsoft.com/office/drawing/2014/main" id="{EDAF273E-F96B-4748-B86E-108E6C4C6FD0}"/>
-              </a:ext>
-            </a:extLst>
-          </p:cNvPr>
+          <p:cNvPr id="6" name="Slide Number Placeholder 5"/>
           <p:cNvSpPr>
             <a:spLocks noGrp="1"/>
           </p:cNvSpPr>
@@ -330,7 +298,7 @@
     </p:spTree>
     <p:extLst>
       <p:ext uri="{BB962C8B-B14F-4D97-AF65-F5344CB8AC3E}">
-        <p14:creationId xmlns:p14="http://schemas.microsoft.com/office/powerpoint/2010/main" val="816187851"/>
+        <p14:creationId xmlns:p14="http://schemas.microsoft.com/office/powerpoint/2010/main" val="831036656"/>
       </p:ext>
     </p:extLst>
   </p:cSld>
@@ -359,13 +327,7 @@
       </p:grpSpPr>
       <p:sp>
         <p:nvSpPr>
-          <p:cNvPr id="2" name="タイトル 1">
-            <a:extLst>
-              <a:ext uri="{FF2B5EF4-FFF2-40B4-BE49-F238E27FC236}">
-                <a16:creationId xmlns:a16="http://schemas.microsoft.com/office/drawing/2014/main" id="{19326C56-05B2-4045-A427-F214C2579896}"/>
-              </a:ext>
-            </a:extLst>
-          </p:cNvPr>
+          <p:cNvPr id="2" name="Title 1"/>
           <p:cNvSpPr>
             <a:spLocks noGrp="1"/>
           </p:cNvSpPr>
@@ -379,21 +341,16 @@
           <a:lstStyle/>
           <a:p>
             <a:r>
-              <a:rPr kumimoji="1" lang="ja-JP" altLang="en-US"/>
+              <a:rPr lang="ja-JP" altLang="en-US"/>
               <a:t>マスター タイトルの書式設定</a:t>
             </a:r>
-          </a:p>
-        </p:txBody>
-      </p:sp>
-      <p:sp>
-        <p:nvSpPr>
-          <p:cNvPr id="3" name="縦書きテキスト プレースホルダー 2">
-            <a:extLst>
-              <a:ext uri="{FF2B5EF4-FFF2-40B4-BE49-F238E27FC236}">
-                <a16:creationId xmlns:a16="http://schemas.microsoft.com/office/drawing/2014/main" id="{CF53802B-347E-4462-8C96-469EB0800092}"/>
-              </a:ext>
-            </a:extLst>
-          </p:cNvPr>
+            <a:endParaRPr lang="en-US" dirty="0"/>
+          </a:p>
+        </p:txBody>
+      </p:sp>
+      <p:sp>
+        <p:nvSpPr>
+          <p:cNvPr id="3" name="Vertical Text Placeholder 2"/>
           <p:cNvSpPr>
             <a:spLocks noGrp="1"/>
           </p:cNvSpPr>
@@ -408,81 +365,76 @@
           <a:p>
             <a:pPr lvl="0"/>
             <a:r>
-              <a:rPr kumimoji="1" lang="ja-JP" altLang="en-US"/>
+              <a:rPr lang="ja-JP" altLang="en-US"/>
               <a:t>マスター テキストの書式設定</a:t>
             </a:r>
           </a:p>
           <a:p>
             <a:pPr lvl="1"/>
             <a:r>
-              <a:rPr kumimoji="1" lang="ja-JP" altLang="en-US"/>
+              <a:rPr lang="ja-JP" altLang="en-US"/>
               <a:t>第 </a:t>
             </a:r>
             <a:r>
-              <a:rPr kumimoji="1" lang="en-US" altLang="ja-JP"/>
+              <a:rPr lang="en-US" altLang="ja-JP"/>
               <a:t>2 </a:t>
             </a:r>
             <a:r>
-              <a:rPr kumimoji="1" lang="ja-JP" altLang="en-US"/>
+              <a:rPr lang="ja-JP" altLang="en-US"/>
               <a:t>レベル</a:t>
             </a:r>
           </a:p>
           <a:p>
             <a:pPr lvl="2"/>
             <a:r>
-              <a:rPr kumimoji="1" lang="ja-JP" altLang="en-US"/>
+              <a:rPr lang="ja-JP" altLang="en-US"/>
               <a:t>第 </a:t>
             </a:r>
             <a:r>
-              <a:rPr kumimoji="1" lang="en-US" altLang="ja-JP"/>
+              <a:rPr lang="en-US" altLang="ja-JP"/>
               <a:t>3 </a:t>
             </a:r>
             <a:r>
-              <a:rPr kumimoji="1" lang="ja-JP" altLang="en-US"/>
+              <a:rPr lang="ja-JP" altLang="en-US"/>
               <a:t>レベル</a:t>
             </a:r>
           </a:p>
           <a:p>
             <a:pPr lvl="3"/>
             <a:r>
-              <a:rPr kumimoji="1" lang="ja-JP" altLang="en-US"/>
+              <a:rPr lang="ja-JP" altLang="en-US"/>
               <a:t>第 </a:t>
             </a:r>
             <a:r>
-              <a:rPr kumimoji="1" lang="en-US" altLang="ja-JP"/>
+              <a:rPr lang="en-US" altLang="ja-JP"/>
               <a:t>4 </a:t>
             </a:r>
             <a:r>
-              <a:rPr kumimoji="1" lang="ja-JP" altLang="en-US"/>
+              <a:rPr lang="ja-JP" altLang="en-US"/>
               <a:t>レベル</a:t>
             </a:r>
           </a:p>
           <a:p>
             <a:pPr lvl="4"/>
             <a:r>
-              <a:rPr kumimoji="1" lang="ja-JP" altLang="en-US"/>
+              <a:rPr lang="ja-JP" altLang="en-US"/>
               <a:t>第 </a:t>
             </a:r>
             <a:r>
-              <a:rPr kumimoji="1" lang="en-US" altLang="ja-JP"/>
+              <a:rPr lang="en-US" altLang="ja-JP"/>
               <a:t>5 </a:t>
             </a:r>
             <a:r>
-              <a:rPr kumimoji="1" lang="ja-JP" altLang="en-US"/>
+              <a:rPr lang="ja-JP" altLang="en-US"/>
               <a:t>レベル</a:t>
             </a:r>
-          </a:p>
-        </p:txBody>
-      </p:sp>
-      <p:sp>
-        <p:nvSpPr>
-          <p:cNvPr id="4" name="日付プレースホルダー 3">
-            <a:extLst>
-              <a:ext uri="{FF2B5EF4-FFF2-40B4-BE49-F238E27FC236}">
-                <a16:creationId xmlns:a16="http://schemas.microsoft.com/office/drawing/2014/main" id="{8784DDE4-33A8-4813-93FC-E4AD3B1CE7AD}"/>
-              </a:ext>
-            </a:extLst>
-          </p:cNvPr>
+            <a:endParaRPr lang="en-US" dirty="0"/>
+          </a:p>
+        </p:txBody>
+      </p:sp>
+      <p:sp>
+        <p:nvSpPr>
+          <p:cNvPr id="4" name="Date Placeholder 3"/>
           <p:cNvSpPr>
             <a:spLocks noGrp="1"/>
           </p:cNvSpPr>
@@ -497,7 +449,7 @@
           <a:p>
             <a:fld id="{BCC3470B-979D-4AC3-9CEF-E2615858CE2E}" type="datetimeFigureOut">
               <a:rPr kumimoji="1" lang="ja-JP" altLang="en-US" smtClean="0"/>
-              <a:t>2017/8/31</a:t>
+              <a:t>2023/8/25</a:t>
             </a:fld>
             <a:endParaRPr kumimoji="1" lang="ja-JP" altLang="en-US"/>
           </a:p>
@@ -505,13 +457,7 @@
       </p:sp>
       <p:sp>
         <p:nvSpPr>
-          <p:cNvPr id="5" name="フッター プレースホルダー 4">
-            <a:extLst>
-              <a:ext uri="{FF2B5EF4-FFF2-40B4-BE49-F238E27FC236}">
-                <a16:creationId xmlns:a16="http://schemas.microsoft.com/office/drawing/2014/main" id="{E3502423-BA24-4C5A-B6C2-E8442A0053D1}"/>
-              </a:ext>
-            </a:extLst>
-          </p:cNvPr>
+          <p:cNvPr id="5" name="Footer Placeholder 4"/>
           <p:cNvSpPr>
             <a:spLocks noGrp="1"/>
           </p:cNvSpPr>
@@ -530,13 +476,7 @@
       </p:sp>
       <p:sp>
         <p:nvSpPr>
-          <p:cNvPr id="6" name="スライド番号プレースホルダー 5">
-            <a:extLst>
-              <a:ext uri="{FF2B5EF4-FFF2-40B4-BE49-F238E27FC236}">
-                <a16:creationId xmlns:a16="http://schemas.microsoft.com/office/drawing/2014/main" id="{F2781BD3-6ED3-44FD-8E72-04E946C69C01}"/>
-              </a:ext>
-            </a:extLst>
-          </p:cNvPr>
+          <p:cNvPr id="6" name="Slide Number Placeholder 5"/>
           <p:cNvSpPr>
             <a:spLocks noGrp="1"/>
           </p:cNvSpPr>
@@ -560,7 +500,7 @@
     </p:spTree>
     <p:extLst>
       <p:ext uri="{BB962C8B-B14F-4D97-AF65-F5344CB8AC3E}">
-        <p14:creationId xmlns:p14="http://schemas.microsoft.com/office/powerpoint/2010/main" val="397647011"/>
+        <p14:creationId xmlns:p14="http://schemas.microsoft.com/office/powerpoint/2010/main" val="1817512095"/>
       </p:ext>
     </p:extLst>
   </p:cSld>
@@ -589,13 +529,7 @@
       </p:grpSpPr>
       <p:sp>
         <p:nvSpPr>
-          <p:cNvPr id="2" name="縦書きタイトル 1">
-            <a:extLst>
-              <a:ext uri="{FF2B5EF4-FFF2-40B4-BE49-F238E27FC236}">
-                <a16:creationId xmlns:a16="http://schemas.microsoft.com/office/drawing/2014/main" id="{017A9D40-9D15-450D-82F8-D655384016D5}"/>
-              </a:ext>
-            </a:extLst>
-          </p:cNvPr>
+          <p:cNvPr id="2" name="Vertical Title 1"/>
           <p:cNvSpPr>
             <a:spLocks noGrp="1"/>
           </p:cNvSpPr>
@@ -605,8 +539,8 @@
         </p:nvSpPr>
         <p:spPr>
           <a:xfrm>
-            <a:off x="6543675" y="365125"/>
-            <a:ext cx="1971675" cy="5811838"/>
+            <a:off x="8724900" y="365125"/>
+            <a:ext cx="2628900" cy="5811838"/>
           </a:xfrm>
         </p:spPr>
         <p:txBody>
@@ -614,21 +548,16 @@
           <a:lstStyle/>
           <a:p>
             <a:r>
-              <a:rPr kumimoji="1" lang="ja-JP" altLang="en-US"/>
+              <a:rPr lang="ja-JP" altLang="en-US"/>
               <a:t>マスター タイトルの書式設定</a:t>
             </a:r>
-          </a:p>
-        </p:txBody>
-      </p:sp>
-      <p:sp>
-        <p:nvSpPr>
-          <p:cNvPr id="3" name="縦書きテキスト プレースホルダー 2">
-            <a:extLst>
-              <a:ext uri="{FF2B5EF4-FFF2-40B4-BE49-F238E27FC236}">
-                <a16:creationId xmlns:a16="http://schemas.microsoft.com/office/drawing/2014/main" id="{5DAC8398-BD6E-46E7-9AD6-7AFEC6690000}"/>
-              </a:ext>
-            </a:extLst>
-          </p:cNvPr>
+            <a:endParaRPr lang="en-US" dirty="0"/>
+          </a:p>
+        </p:txBody>
+      </p:sp>
+      <p:sp>
+        <p:nvSpPr>
+          <p:cNvPr id="3" name="Vertical Text Placeholder 2"/>
           <p:cNvSpPr>
             <a:spLocks noGrp="1"/>
           </p:cNvSpPr>
@@ -638,8 +567,8 @@
         </p:nvSpPr>
         <p:spPr>
           <a:xfrm>
-            <a:off x="628650" y="365125"/>
-            <a:ext cx="5800725" cy="5811838"/>
+            <a:off x="838200" y="365125"/>
+            <a:ext cx="7734300" cy="5811838"/>
           </a:xfrm>
         </p:spPr>
         <p:txBody>
@@ -648,81 +577,76 @@
           <a:p>
             <a:pPr lvl="0"/>
             <a:r>
-              <a:rPr kumimoji="1" lang="ja-JP" altLang="en-US"/>
+              <a:rPr lang="ja-JP" altLang="en-US"/>
               <a:t>マスター テキストの書式設定</a:t>
             </a:r>
           </a:p>
           <a:p>
             <a:pPr lvl="1"/>
             <a:r>
-              <a:rPr kumimoji="1" lang="ja-JP" altLang="en-US"/>
+              <a:rPr lang="ja-JP" altLang="en-US"/>
               <a:t>第 </a:t>
             </a:r>
             <a:r>
-              <a:rPr kumimoji="1" lang="en-US" altLang="ja-JP"/>
+              <a:rPr lang="en-US" altLang="ja-JP"/>
               <a:t>2 </a:t>
             </a:r>
             <a:r>
-              <a:rPr kumimoji="1" lang="ja-JP" altLang="en-US"/>
+              <a:rPr lang="ja-JP" altLang="en-US"/>
               <a:t>レベル</a:t>
             </a:r>
           </a:p>
           <a:p>
             <a:pPr lvl="2"/>
             <a:r>
-              <a:rPr kumimoji="1" lang="ja-JP" altLang="en-US"/>
+              <a:rPr lang="ja-JP" altLang="en-US"/>
               <a:t>第 </a:t>
             </a:r>
             <a:r>
-              <a:rPr kumimoji="1" lang="en-US" altLang="ja-JP"/>
+              <a:rPr lang="en-US" altLang="ja-JP"/>
               <a:t>3 </a:t>
             </a:r>
             <a:r>
-              <a:rPr kumimoji="1" lang="ja-JP" altLang="en-US"/>
+              <a:rPr lang="ja-JP" altLang="en-US"/>
               <a:t>レベル</a:t>
             </a:r>
           </a:p>
           <a:p>
             <a:pPr lvl="3"/>
             <a:r>
-              <a:rPr kumimoji="1" lang="ja-JP" altLang="en-US"/>
+              <a:rPr lang="ja-JP" altLang="en-US"/>
               <a:t>第 </a:t>
             </a:r>
             <a:r>
-              <a:rPr kumimoji="1" lang="en-US" altLang="ja-JP"/>
+              <a:rPr lang="en-US" altLang="ja-JP"/>
               <a:t>4 </a:t>
             </a:r>
             <a:r>
-              <a:rPr kumimoji="1" lang="ja-JP" altLang="en-US"/>
+              <a:rPr lang="ja-JP" altLang="en-US"/>
               <a:t>レベル</a:t>
             </a:r>
           </a:p>
           <a:p>
             <a:pPr lvl="4"/>
             <a:r>
-              <a:rPr kumimoji="1" lang="ja-JP" altLang="en-US"/>
+              <a:rPr lang="ja-JP" altLang="en-US"/>
               <a:t>第 </a:t>
             </a:r>
             <a:r>
-              <a:rPr kumimoji="1" lang="en-US" altLang="ja-JP"/>
+              <a:rPr lang="en-US" altLang="ja-JP"/>
               <a:t>5 </a:t>
             </a:r>
             <a:r>
-              <a:rPr kumimoji="1" lang="ja-JP" altLang="en-US"/>
+              <a:rPr lang="ja-JP" altLang="en-US"/>
               <a:t>レベル</a:t>
             </a:r>
-          </a:p>
-        </p:txBody>
-      </p:sp>
-      <p:sp>
-        <p:nvSpPr>
-          <p:cNvPr id="4" name="日付プレースホルダー 3">
-            <a:extLst>
-              <a:ext uri="{FF2B5EF4-FFF2-40B4-BE49-F238E27FC236}">
-                <a16:creationId xmlns:a16="http://schemas.microsoft.com/office/drawing/2014/main" id="{6FDBFB86-749B-427D-A94D-7E724F8A4B87}"/>
-              </a:ext>
-            </a:extLst>
-          </p:cNvPr>
+            <a:endParaRPr lang="en-US" dirty="0"/>
+          </a:p>
+        </p:txBody>
+      </p:sp>
+      <p:sp>
+        <p:nvSpPr>
+          <p:cNvPr id="4" name="Date Placeholder 3"/>
           <p:cNvSpPr>
             <a:spLocks noGrp="1"/>
           </p:cNvSpPr>
@@ -737,7 +661,7 @@
           <a:p>
             <a:fld id="{BCC3470B-979D-4AC3-9CEF-E2615858CE2E}" type="datetimeFigureOut">
               <a:rPr kumimoji="1" lang="ja-JP" altLang="en-US" smtClean="0"/>
-              <a:t>2017/8/31</a:t>
+              <a:t>2023/8/25</a:t>
             </a:fld>
             <a:endParaRPr kumimoji="1" lang="ja-JP" altLang="en-US"/>
           </a:p>
@@ -745,13 +669,7 @@
       </p:sp>
       <p:sp>
         <p:nvSpPr>
-          <p:cNvPr id="5" name="フッター プレースホルダー 4">
-            <a:extLst>
-              <a:ext uri="{FF2B5EF4-FFF2-40B4-BE49-F238E27FC236}">
-                <a16:creationId xmlns:a16="http://schemas.microsoft.com/office/drawing/2014/main" id="{46D97FC8-D55E-481F-831E-8B0923FAC4A8}"/>
-              </a:ext>
-            </a:extLst>
-          </p:cNvPr>
+          <p:cNvPr id="5" name="Footer Placeholder 4"/>
           <p:cNvSpPr>
             <a:spLocks noGrp="1"/>
           </p:cNvSpPr>
@@ -770,13 +688,7 @@
       </p:sp>
       <p:sp>
         <p:nvSpPr>
-          <p:cNvPr id="6" name="スライド番号プレースホルダー 5">
-            <a:extLst>
-              <a:ext uri="{FF2B5EF4-FFF2-40B4-BE49-F238E27FC236}">
-                <a16:creationId xmlns:a16="http://schemas.microsoft.com/office/drawing/2014/main" id="{00D79B48-AC5C-4428-AC16-9C5205B7981C}"/>
-              </a:ext>
-            </a:extLst>
-          </p:cNvPr>
+          <p:cNvPr id="6" name="Slide Number Placeholder 5"/>
           <p:cNvSpPr>
             <a:spLocks noGrp="1"/>
           </p:cNvSpPr>
@@ -800,7 +712,7 @@
     </p:spTree>
     <p:extLst>
       <p:ext uri="{BB962C8B-B14F-4D97-AF65-F5344CB8AC3E}">
-        <p14:creationId xmlns:p14="http://schemas.microsoft.com/office/powerpoint/2010/main" val="1659054291"/>
+        <p14:creationId xmlns:p14="http://schemas.microsoft.com/office/powerpoint/2010/main" val="1185118433"/>
       </p:ext>
     </p:extLst>
   </p:cSld>
@@ -829,13 +741,7 @@
       </p:grpSpPr>
       <p:sp>
         <p:nvSpPr>
-          <p:cNvPr id="2" name="タイトル 1">
-            <a:extLst>
-              <a:ext uri="{FF2B5EF4-FFF2-40B4-BE49-F238E27FC236}">
-                <a16:creationId xmlns:a16="http://schemas.microsoft.com/office/drawing/2014/main" id="{758DFCA2-5DB0-4083-8B4C-8DE6F01C0D39}"/>
-              </a:ext>
-            </a:extLst>
-          </p:cNvPr>
+          <p:cNvPr id="2" name="Title 1"/>
           <p:cNvSpPr>
             <a:spLocks noGrp="1"/>
           </p:cNvSpPr>
@@ -849,21 +755,16 @@
           <a:lstStyle/>
           <a:p>
             <a:r>
-              <a:rPr kumimoji="1" lang="ja-JP" altLang="en-US"/>
+              <a:rPr lang="ja-JP" altLang="en-US"/>
               <a:t>マスター タイトルの書式設定</a:t>
             </a:r>
-          </a:p>
-        </p:txBody>
-      </p:sp>
-      <p:sp>
-        <p:nvSpPr>
-          <p:cNvPr id="3" name="コンテンツ プレースホルダー 2">
-            <a:extLst>
-              <a:ext uri="{FF2B5EF4-FFF2-40B4-BE49-F238E27FC236}">
-                <a16:creationId xmlns:a16="http://schemas.microsoft.com/office/drawing/2014/main" id="{FFBDDB16-CBD2-4229-9A15-50C8AE44729F}"/>
-              </a:ext>
-            </a:extLst>
-          </p:cNvPr>
+            <a:endParaRPr lang="en-US" dirty="0"/>
+          </a:p>
+        </p:txBody>
+      </p:sp>
+      <p:sp>
+        <p:nvSpPr>
+          <p:cNvPr id="3" name="Content Placeholder 2"/>
           <p:cNvSpPr>
             <a:spLocks noGrp="1"/>
           </p:cNvSpPr>
@@ -878,81 +779,76 @@
           <a:p>
             <a:pPr lvl="0"/>
             <a:r>
-              <a:rPr kumimoji="1" lang="ja-JP" altLang="en-US"/>
+              <a:rPr lang="ja-JP" altLang="en-US"/>
               <a:t>マスター テキストの書式設定</a:t>
             </a:r>
           </a:p>
           <a:p>
             <a:pPr lvl="1"/>
             <a:r>
-              <a:rPr kumimoji="1" lang="ja-JP" altLang="en-US"/>
+              <a:rPr lang="ja-JP" altLang="en-US"/>
               <a:t>第 </a:t>
             </a:r>
             <a:r>
-              <a:rPr kumimoji="1" lang="en-US" altLang="ja-JP"/>
+              <a:rPr lang="en-US" altLang="ja-JP"/>
               <a:t>2 </a:t>
             </a:r>
             <a:r>
-              <a:rPr kumimoji="1" lang="ja-JP" altLang="en-US"/>
+              <a:rPr lang="ja-JP" altLang="en-US"/>
               <a:t>レベル</a:t>
             </a:r>
           </a:p>
           <a:p>
             <a:pPr lvl="2"/>
             <a:r>
-              <a:rPr kumimoji="1" lang="ja-JP" altLang="en-US"/>
+              <a:rPr lang="ja-JP" altLang="en-US"/>
               <a:t>第 </a:t>
             </a:r>
             <a:r>
-              <a:rPr kumimoji="1" lang="en-US" altLang="ja-JP"/>
+              <a:rPr lang="en-US" altLang="ja-JP"/>
               <a:t>3 </a:t>
             </a:r>
             <a:r>
-              <a:rPr kumimoji="1" lang="ja-JP" altLang="en-US"/>
+              <a:rPr lang="ja-JP" altLang="en-US"/>
               <a:t>レベル</a:t>
             </a:r>
           </a:p>
           <a:p>
             <a:pPr lvl="3"/>
             <a:r>
-              <a:rPr kumimoji="1" lang="ja-JP" altLang="en-US"/>
+              <a:rPr lang="ja-JP" altLang="en-US"/>
               <a:t>第 </a:t>
             </a:r>
             <a:r>
-              <a:rPr kumimoji="1" lang="en-US" altLang="ja-JP"/>
+              <a:rPr lang="en-US" altLang="ja-JP"/>
               <a:t>4 </a:t>
             </a:r>
             <a:r>
-              <a:rPr kumimoji="1" lang="ja-JP" altLang="en-US"/>
+              <a:rPr lang="ja-JP" altLang="en-US"/>
               <a:t>レベル</a:t>
             </a:r>
           </a:p>
           <a:p>
             <a:pPr lvl="4"/>
             <a:r>
-              <a:rPr kumimoji="1" lang="ja-JP" altLang="en-US"/>
+              <a:rPr lang="ja-JP" altLang="en-US"/>
               <a:t>第 </a:t>
             </a:r>
             <a:r>
-              <a:rPr kumimoji="1" lang="en-US" altLang="ja-JP"/>
+              <a:rPr lang="en-US" altLang="ja-JP"/>
               <a:t>5 </a:t>
             </a:r>
             <a:r>
-              <a:rPr kumimoji="1" lang="ja-JP" altLang="en-US"/>
+              <a:rPr lang="ja-JP" altLang="en-US"/>
               <a:t>レベル</a:t>
             </a:r>
-          </a:p>
-        </p:txBody>
-      </p:sp>
-      <p:sp>
-        <p:nvSpPr>
-          <p:cNvPr id="4" name="日付プレースホルダー 3">
-            <a:extLst>
-              <a:ext uri="{FF2B5EF4-FFF2-40B4-BE49-F238E27FC236}">
-                <a16:creationId xmlns:a16="http://schemas.microsoft.com/office/drawing/2014/main" id="{66DBD40E-5A76-4B4A-929F-470B9C12BFEE}"/>
-              </a:ext>
-            </a:extLst>
-          </p:cNvPr>
+            <a:endParaRPr lang="en-US" dirty="0"/>
+          </a:p>
+        </p:txBody>
+      </p:sp>
+      <p:sp>
+        <p:nvSpPr>
+          <p:cNvPr id="4" name="Date Placeholder 3"/>
           <p:cNvSpPr>
             <a:spLocks noGrp="1"/>
           </p:cNvSpPr>
@@ -967,7 +863,7 @@
           <a:p>
             <a:fld id="{BCC3470B-979D-4AC3-9CEF-E2615858CE2E}" type="datetimeFigureOut">
               <a:rPr kumimoji="1" lang="ja-JP" altLang="en-US" smtClean="0"/>
-              <a:t>2017/8/31</a:t>
+              <a:t>2023/8/25</a:t>
             </a:fld>
             <a:endParaRPr kumimoji="1" lang="ja-JP" altLang="en-US"/>
           </a:p>
@@ -975,13 +871,7 @@
       </p:sp>
       <p:sp>
         <p:nvSpPr>
-          <p:cNvPr id="5" name="フッター プレースホルダー 4">
-            <a:extLst>
-              <a:ext uri="{FF2B5EF4-FFF2-40B4-BE49-F238E27FC236}">
-                <a16:creationId xmlns:a16="http://schemas.microsoft.com/office/drawing/2014/main" id="{C4CE8CE3-F56A-499A-9503-84B870215EF8}"/>
-              </a:ext>
-            </a:extLst>
-          </p:cNvPr>
+          <p:cNvPr id="5" name="Footer Placeholder 4"/>
           <p:cNvSpPr>
             <a:spLocks noGrp="1"/>
           </p:cNvSpPr>
@@ -1000,13 +890,7 @@
       </p:sp>
       <p:sp>
         <p:nvSpPr>
-          <p:cNvPr id="6" name="スライド番号プレースホルダー 5">
-            <a:extLst>
-              <a:ext uri="{FF2B5EF4-FFF2-40B4-BE49-F238E27FC236}">
-                <a16:creationId xmlns:a16="http://schemas.microsoft.com/office/drawing/2014/main" id="{D922B388-1193-4540-9148-7A8F8D10B037}"/>
-              </a:ext>
-            </a:extLst>
-          </p:cNvPr>
+          <p:cNvPr id="6" name="Slide Number Placeholder 5"/>
           <p:cNvSpPr>
             <a:spLocks noGrp="1"/>
           </p:cNvSpPr>
@@ -1030,7 +914,7 @@
     </p:spTree>
     <p:extLst>
       <p:ext uri="{BB962C8B-B14F-4D97-AF65-F5344CB8AC3E}">
-        <p14:creationId xmlns:p14="http://schemas.microsoft.com/office/powerpoint/2010/main" val="3885293980"/>
+        <p14:creationId xmlns:p14="http://schemas.microsoft.com/office/powerpoint/2010/main" val="1419154016"/>
       </p:ext>
     </p:extLst>
   </p:cSld>
@@ -1059,13 +943,7 @@
       </p:grpSpPr>
       <p:sp>
         <p:nvSpPr>
-          <p:cNvPr id="2" name="タイトル 1">
-            <a:extLst>
-              <a:ext uri="{FF2B5EF4-FFF2-40B4-BE49-F238E27FC236}">
-                <a16:creationId xmlns:a16="http://schemas.microsoft.com/office/drawing/2014/main" id="{08E6B0ED-6C85-42C7-A913-4B82433E7B70}"/>
-              </a:ext>
-            </a:extLst>
-          </p:cNvPr>
+          <p:cNvPr id="2" name="Title 1"/>
           <p:cNvSpPr>
             <a:spLocks noGrp="1"/>
           </p:cNvSpPr>
@@ -1075,8 +953,8 @@
         </p:nvSpPr>
         <p:spPr>
           <a:xfrm>
-            <a:off x="623888" y="1709739"/>
-            <a:ext cx="7886700" cy="2852737"/>
+            <a:off x="831850" y="1709738"/>
+            <a:ext cx="10515600" cy="2852737"/>
           </a:xfrm>
         </p:spPr>
         <p:txBody>
@@ -1088,21 +966,16 @@
           </a:lstStyle>
           <a:p>
             <a:r>
-              <a:rPr kumimoji="1" lang="ja-JP" altLang="en-US"/>
+              <a:rPr lang="ja-JP" altLang="en-US"/>
               <a:t>マスター タイトルの書式設定</a:t>
             </a:r>
-          </a:p>
-        </p:txBody>
-      </p:sp>
-      <p:sp>
-        <p:nvSpPr>
-          <p:cNvPr id="3" name="テキスト プレースホルダー 2">
-            <a:extLst>
-              <a:ext uri="{FF2B5EF4-FFF2-40B4-BE49-F238E27FC236}">
-                <a16:creationId xmlns:a16="http://schemas.microsoft.com/office/drawing/2014/main" id="{246121B5-1DE4-4D5A-91F2-C7E49C42F30B}"/>
-              </a:ext>
-            </a:extLst>
-          </p:cNvPr>
+            <a:endParaRPr lang="en-US" dirty="0"/>
+          </a:p>
+        </p:txBody>
+      </p:sp>
+      <p:sp>
+        <p:nvSpPr>
+          <p:cNvPr id="3" name="Text Placeholder 2"/>
           <p:cNvSpPr>
             <a:spLocks noGrp="1"/>
           </p:cNvSpPr>
@@ -1112,8 +985,8 @@
         </p:nvSpPr>
         <p:spPr>
           <a:xfrm>
-            <a:off x="623888" y="4589464"/>
-            <a:ext cx="7886700" cy="1500187"/>
+            <a:off x="831850" y="4589463"/>
+            <a:ext cx="10515600" cy="1500187"/>
           </a:xfrm>
         </p:spPr>
         <p:txBody>
@@ -1213,7 +1086,7 @@
           <a:p>
             <a:pPr lvl="0"/>
             <a:r>
-              <a:rPr kumimoji="1" lang="ja-JP" altLang="en-US"/>
+              <a:rPr lang="ja-JP" altLang="en-US"/>
               <a:t>マスター テキストの書式設定</a:t>
             </a:r>
           </a:p>
@@ -1221,13 +1094,7 @@
       </p:sp>
       <p:sp>
         <p:nvSpPr>
-          <p:cNvPr id="4" name="日付プレースホルダー 3">
-            <a:extLst>
-              <a:ext uri="{FF2B5EF4-FFF2-40B4-BE49-F238E27FC236}">
-                <a16:creationId xmlns:a16="http://schemas.microsoft.com/office/drawing/2014/main" id="{554E865C-62F8-48F9-B5FF-DA5BC3EF1A2F}"/>
-              </a:ext>
-            </a:extLst>
-          </p:cNvPr>
+          <p:cNvPr id="4" name="Date Placeholder 3"/>
           <p:cNvSpPr>
             <a:spLocks noGrp="1"/>
           </p:cNvSpPr>
@@ -1242,7 +1109,7 @@
           <a:p>
             <a:fld id="{BCC3470B-979D-4AC3-9CEF-E2615858CE2E}" type="datetimeFigureOut">
               <a:rPr kumimoji="1" lang="ja-JP" altLang="en-US" smtClean="0"/>
-              <a:t>2017/8/31</a:t>
+              <a:t>2023/8/25</a:t>
             </a:fld>
             <a:endParaRPr kumimoji="1" lang="ja-JP" altLang="en-US"/>
           </a:p>
@@ -1250,13 +1117,7 @@
       </p:sp>
       <p:sp>
         <p:nvSpPr>
-          <p:cNvPr id="5" name="フッター プレースホルダー 4">
-            <a:extLst>
-              <a:ext uri="{FF2B5EF4-FFF2-40B4-BE49-F238E27FC236}">
-                <a16:creationId xmlns:a16="http://schemas.microsoft.com/office/drawing/2014/main" id="{01BA77F4-B8A8-433C-946F-4ABCE1772AC8}"/>
-              </a:ext>
-            </a:extLst>
-          </p:cNvPr>
+          <p:cNvPr id="5" name="Footer Placeholder 4"/>
           <p:cNvSpPr>
             <a:spLocks noGrp="1"/>
           </p:cNvSpPr>
@@ -1275,13 +1136,7 @@
       </p:sp>
       <p:sp>
         <p:nvSpPr>
-          <p:cNvPr id="6" name="スライド番号プレースホルダー 5">
-            <a:extLst>
-              <a:ext uri="{FF2B5EF4-FFF2-40B4-BE49-F238E27FC236}">
-                <a16:creationId xmlns:a16="http://schemas.microsoft.com/office/drawing/2014/main" id="{9E6B1CEE-CC91-4610-81F7-D40D5BF90C69}"/>
-              </a:ext>
-            </a:extLst>
-          </p:cNvPr>
+          <p:cNvPr id="6" name="Slide Number Placeholder 5"/>
           <p:cNvSpPr>
             <a:spLocks noGrp="1"/>
           </p:cNvSpPr>
@@ -1305,7 +1160,7 @@
     </p:spTree>
     <p:extLst>
       <p:ext uri="{BB962C8B-B14F-4D97-AF65-F5344CB8AC3E}">
-        <p14:creationId xmlns:p14="http://schemas.microsoft.com/office/powerpoint/2010/main" val="3050166243"/>
+        <p14:creationId xmlns:p14="http://schemas.microsoft.com/office/powerpoint/2010/main" val="1774061959"/>
       </p:ext>
     </p:extLst>
   </p:cSld>
@@ -1334,13 +1189,7 @@
       </p:grpSpPr>
       <p:sp>
         <p:nvSpPr>
-          <p:cNvPr id="2" name="タイトル 1">
-            <a:extLst>
-              <a:ext uri="{FF2B5EF4-FFF2-40B4-BE49-F238E27FC236}">
-                <a16:creationId xmlns:a16="http://schemas.microsoft.com/office/drawing/2014/main" id="{6DF9C5A6-3160-47E1-9F76-C0517AE74B65}"/>
-              </a:ext>
-            </a:extLst>
-          </p:cNvPr>
+          <p:cNvPr id="2" name="Title 1"/>
           <p:cNvSpPr>
             <a:spLocks noGrp="1"/>
           </p:cNvSpPr>
@@ -1354,21 +1203,16 @@
           <a:lstStyle/>
           <a:p>
             <a:r>
-              <a:rPr kumimoji="1" lang="ja-JP" altLang="en-US"/>
+              <a:rPr lang="ja-JP" altLang="en-US"/>
               <a:t>マスター タイトルの書式設定</a:t>
             </a:r>
-          </a:p>
-        </p:txBody>
-      </p:sp>
-      <p:sp>
-        <p:nvSpPr>
-          <p:cNvPr id="3" name="コンテンツ プレースホルダー 2">
-            <a:extLst>
-              <a:ext uri="{FF2B5EF4-FFF2-40B4-BE49-F238E27FC236}">
-                <a16:creationId xmlns:a16="http://schemas.microsoft.com/office/drawing/2014/main" id="{E1CFB188-D041-4220-AC8D-BC555D2B95A5}"/>
-              </a:ext>
-            </a:extLst>
-          </p:cNvPr>
+            <a:endParaRPr lang="en-US" dirty="0"/>
+          </a:p>
+        </p:txBody>
+      </p:sp>
+      <p:sp>
+        <p:nvSpPr>
+          <p:cNvPr id="3" name="Content Placeholder 2"/>
           <p:cNvSpPr>
             <a:spLocks noGrp="1"/>
           </p:cNvSpPr>
@@ -1378,8 +1222,8 @@
         </p:nvSpPr>
         <p:spPr>
           <a:xfrm>
-            <a:off x="628650" y="1825625"/>
-            <a:ext cx="3886200" cy="4351338"/>
+            <a:off x="838200" y="1825625"/>
+            <a:ext cx="5181600" cy="4351338"/>
           </a:xfrm>
         </p:spPr>
         <p:txBody>
@@ -1388,81 +1232,76 @@
           <a:p>
             <a:pPr lvl="0"/>
             <a:r>
-              <a:rPr kumimoji="1" lang="ja-JP" altLang="en-US"/>
+              <a:rPr lang="ja-JP" altLang="en-US"/>
               <a:t>マスター テキストの書式設定</a:t>
             </a:r>
           </a:p>
           <a:p>
             <a:pPr lvl="1"/>
             <a:r>
-              <a:rPr kumimoji="1" lang="ja-JP" altLang="en-US"/>
+              <a:rPr lang="ja-JP" altLang="en-US"/>
               <a:t>第 </a:t>
             </a:r>
             <a:r>
-              <a:rPr kumimoji="1" lang="en-US" altLang="ja-JP"/>
+              <a:rPr lang="en-US" altLang="ja-JP"/>
               <a:t>2 </a:t>
             </a:r>
             <a:r>
-              <a:rPr kumimoji="1" lang="ja-JP" altLang="en-US"/>
+              <a:rPr lang="ja-JP" altLang="en-US"/>
               <a:t>レベル</a:t>
             </a:r>
           </a:p>
           <a:p>
             <a:pPr lvl="2"/>
             <a:r>
-              <a:rPr kumimoji="1" lang="ja-JP" altLang="en-US"/>
+              <a:rPr lang="ja-JP" altLang="en-US"/>
               <a:t>第 </a:t>
             </a:r>
             <a:r>
-              <a:rPr kumimoji="1" lang="en-US" altLang="ja-JP"/>
+              <a:rPr lang="en-US" altLang="ja-JP"/>
               <a:t>3 </a:t>
             </a:r>
             <a:r>
-              <a:rPr kumimoji="1" lang="ja-JP" altLang="en-US"/>
+              <a:rPr lang="ja-JP" altLang="en-US"/>
               <a:t>レベル</a:t>
             </a:r>
           </a:p>
           <a:p>
             <a:pPr lvl="3"/>
             <a:r>
-              <a:rPr kumimoji="1" lang="ja-JP" altLang="en-US"/>
+              <a:rPr lang="ja-JP" altLang="en-US"/>
               <a:t>第 </a:t>
             </a:r>
             <a:r>
-              <a:rPr kumimoji="1" lang="en-US" altLang="ja-JP"/>
+              <a:rPr lang="en-US" altLang="ja-JP"/>
               <a:t>4 </a:t>
             </a:r>
             <a:r>
-              <a:rPr kumimoji="1" lang="ja-JP" altLang="en-US"/>
+              <a:rPr lang="ja-JP" altLang="en-US"/>
               <a:t>レベル</a:t>
             </a:r>
           </a:p>
           <a:p>
             <a:pPr lvl="4"/>
             <a:r>
-              <a:rPr kumimoji="1" lang="ja-JP" altLang="en-US"/>
+              <a:rPr lang="ja-JP" altLang="en-US"/>
               <a:t>第 </a:t>
             </a:r>
             <a:r>
-              <a:rPr kumimoji="1" lang="en-US" altLang="ja-JP"/>
+              <a:rPr lang="en-US" altLang="ja-JP"/>
               <a:t>5 </a:t>
             </a:r>
             <a:r>
-              <a:rPr kumimoji="1" lang="ja-JP" altLang="en-US"/>
+              <a:rPr lang="ja-JP" altLang="en-US"/>
               <a:t>レベル</a:t>
             </a:r>
-          </a:p>
-        </p:txBody>
-      </p:sp>
-      <p:sp>
-        <p:nvSpPr>
-          <p:cNvPr id="4" name="コンテンツ プレースホルダー 3">
-            <a:extLst>
-              <a:ext uri="{FF2B5EF4-FFF2-40B4-BE49-F238E27FC236}">
-                <a16:creationId xmlns:a16="http://schemas.microsoft.com/office/drawing/2014/main" id="{BB0DA848-D05A-4CC8-88F9-8978C8AEF3F2}"/>
-              </a:ext>
-            </a:extLst>
-          </p:cNvPr>
+            <a:endParaRPr lang="en-US" dirty="0"/>
+          </a:p>
+        </p:txBody>
+      </p:sp>
+      <p:sp>
+        <p:nvSpPr>
+          <p:cNvPr id="4" name="Content Placeholder 3"/>
           <p:cNvSpPr>
             <a:spLocks noGrp="1"/>
           </p:cNvSpPr>
@@ -1472,8 +1311,8 @@
         </p:nvSpPr>
         <p:spPr>
           <a:xfrm>
-            <a:off x="4629150" y="1825625"/>
-            <a:ext cx="3886200" cy="4351338"/>
+            <a:off x="6172200" y="1825625"/>
+            <a:ext cx="5181600" cy="4351338"/>
           </a:xfrm>
         </p:spPr>
         <p:txBody>
@@ -1482,81 +1321,76 @@
           <a:p>
             <a:pPr lvl="0"/>
             <a:r>
-              <a:rPr kumimoji="1" lang="ja-JP" altLang="en-US"/>
+              <a:rPr lang="ja-JP" altLang="en-US"/>
               <a:t>マスター テキストの書式設定</a:t>
             </a:r>
           </a:p>
           <a:p>
             <a:pPr lvl="1"/>
             <a:r>
-              <a:rPr kumimoji="1" lang="ja-JP" altLang="en-US"/>
+              <a:rPr lang="ja-JP" altLang="en-US"/>
               <a:t>第 </a:t>
             </a:r>
             <a:r>
-              <a:rPr kumimoji="1" lang="en-US" altLang="ja-JP"/>
+              <a:rPr lang="en-US" altLang="ja-JP"/>
               <a:t>2 </a:t>
             </a:r>
             <a:r>
-              <a:rPr kumimoji="1" lang="ja-JP" altLang="en-US"/>
+              <a:rPr lang="ja-JP" altLang="en-US"/>
               <a:t>レベル</a:t>
             </a:r>
           </a:p>
           <a:p>
             <a:pPr lvl="2"/>
             <a:r>
-              <a:rPr kumimoji="1" lang="ja-JP" altLang="en-US"/>
+              <a:rPr lang="ja-JP" altLang="en-US"/>
               <a:t>第 </a:t>
             </a:r>
             <a:r>
-              <a:rPr kumimoji="1" lang="en-US" altLang="ja-JP"/>
+              <a:rPr lang="en-US" altLang="ja-JP"/>
               <a:t>3 </a:t>
             </a:r>
             <a:r>
-              <a:rPr kumimoji="1" lang="ja-JP" altLang="en-US"/>
+              <a:rPr lang="ja-JP" altLang="en-US"/>
               <a:t>レベル</a:t>
             </a:r>
           </a:p>
           <a:p>
             <a:pPr lvl="3"/>
             <a:r>
-              <a:rPr kumimoji="1" lang="ja-JP" altLang="en-US"/>
+              <a:rPr lang="ja-JP" altLang="en-US"/>
               <a:t>第 </a:t>
             </a:r>
             <a:r>
-              <a:rPr kumimoji="1" lang="en-US" altLang="ja-JP"/>
+              <a:rPr lang="en-US" altLang="ja-JP"/>
               <a:t>4 </a:t>
             </a:r>
             <a:r>
-              <a:rPr kumimoji="1" lang="ja-JP" altLang="en-US"/>
+              <a:rPr lang="ja-JP" altLang="en-US"/>
               <a:t>レベル</a:t>
             </a:r>
           </a:p>
           <a:p>
             <a:pPr lvl="4"/>
             <a:r>
-              <a:rPr kumimoji="1" lang="ja-JP" altLang="en-US"/>
+              <a:rPr lang="ja-JP" altLang="en-US"/>
               <a:t>第 </a:t>
             </a:r>
             <a:r>
-              <a:rPr kumimoji="1" lang="en-US" altLang="ja-JP"/>
+              <a:rPr lang="en-US" altLang="ja-JP"/>
               <a:t>5 </a:t>
             </a:r>
             <a:r>
-              <a:rPr kumimoji="1" lang="ja-JP" altLang="en-US"/>
+              <a:rPr lang="ja-JP" altLang="en-US"/>
               <a:t>レベル</a:t>
             </a:r>
-          </a:p>
-        </p:txBody>
-      </p:sp>
-      <p:sp>
-        <p:nvSpPr>
-          <p:cNvPr id="5" name="日付プレースホルダー 4">
-            <a:extLst>
-              <a:ext uri="{FF2B5EF4-FFF2-40B4-BE49-F238E27FC236}">
-                <a16:creationId xmlns:a16="http://schemas.microsoft.com/office/drawing/2014/main" id="{840C054F-E256-4364-8C3B-BC6BBFAFEAC5}"/>
-              </a:ext>
-            </a:extLst>
-          </p:cNvPr>
+            <a:endParaRPr lang="en-US" dirty="0"/>
+          </a:p>
+        </p:txBody>
+      </p:sp>
+      <p:sp>
+        <p:nvSpPr>
+          <p:cNvPr id="5" name="Date Placeholder 4"/>
           <p:cNvSpPr>
             <a:spLocks noGrp="1"/>
           </p:cNvSpPr>
@@ -1571,7 +1405,7 @@
           <a:p>
             <a:fld id="{BCC3470B-979D-4AC3-9CEF-E2615858CE2E}" type="datetimeFigureOut">
               <a:rPr kumimoji="1" lang="ja-JP" altLang="en-US" smtClean="0"/>
-              <a:t>2017/8/31</a:t>
+              <a:t>2023/8/25</a:t>
             </a:fld>
             <a:endParaRPr kumimoji="1" lang="ja-JP" altLang="en-US"/>
           </a:p>
@@ -1579,13 +1413,7 @@
       </p:sp>
       <p:sp>
         <p:nvSpPr>
-          <p:cNvPr id="6" name="フッター プレースホルダー 5">
-            <a:extLst>
-              <a:ext uri="{FF2B5EF4-FFF2-40B4-BE49-F238E27FC236}">
-                <a16:creationId xmlns:a16="http://schemas.microsoft.com/office/drawing/2014/main" id="{F04279D4-EDFB-458F-8F75-2B792679193B}"/>
-              </a:ext>
-            </a:extLst>
-          </p:cNvPr>
+          <p:cNvPr id="6" name="Footer Placeholder 5"/>
           <p:cNvSpPr>
             <a:spLocks noGrp="1"/>
           </p:cNvSpPr>
@@ -1604,13 +1432,7 @@
       </p:sp>
       <p:sp>
         <p:nvSpPr>
-          <p:cNvPr id="7" name="スライド番号プレースホルダー 6">
-            <a:extLst>
-              <a:ext uri="{FF2B5EF4-FFF2-40B4-BE49-F238E27FC236}">
-                <a16:creationId xmlns:a16="http://schemas.microsoft.com/office/drawing/2014/main" id="{330EFC22-26C8-43E2-9D75-36E84925B9F2}"/>
-              </a:ext>
-            </a:extLst>
-          </p:cNvPr>
+          <p:cNvPr id="7" name="Slide Number Placeholder 6"/>
           <p:cNvSpPr>
             <a:spLocks noGrp="1"/>
           </p:cNvSpPr>
@@ -1634,7 +1456,7 @@
     </p:spTree>
     <p:extLst>
       <p:ext uri="{BB962C8B-B14F-4D97-AF65-F5344CB8AC3E}">
-        <p14:creationId xmlns:p14="http://schemas.microsoft.com/office/powerpoint/2010/main" val="3052735013"/>
+        <p14:creationId xmlns:p14="http://schemas.microsoft.com/office/powerpoint/2010/main" val="1814865715"/>
       </p:ext>
     </p:extLst>
   </p:cSld>
@@ -1663,13 +1485,7 @@
       </p:grpSpPr>
       <p:sp>
         <p:nvSpPr>
-          <p:cNvPr id="2" name="タイトル 1">
-            <a:extLst>
-              <a:ext uri="{FF2B5EF4-FFF2-40B4-BE49-F238E27FC236}">
-                <a16:creationId xmlns:a16="http://schemas.microsoft.com/office/drawing/2014/main" id="{1F5067ED-0838-4E65-BD26-8B88ADE57E81}"/>
-              </a:ext>
-            </a:extLst>
-          </p:cNvPr>
+          <p:cNvPr id="2" name="Title 1"/>
           <p:cNvSpPr>
             <a:spLocks noGrp="1"/>
           </p:cNvSpPr>
@@ -1679,8 +1495,8 @@
         </p:nvSpPr>
         <p:spPr>
           <a:xfrm>
-            <a:off x="629841" y="365126"/>
-            <a:ext cx="7886700" cy="1325563"/>
+            <a:off x="839788" y="365125"/>
+            <a:ext cx="10515600" cy="1325563"/>
           </a:xfrm>
         </p:spPr>
         <p:txBody>
@@ -1688,21 +1504,16 @@
           <a:lstStyle/>
           <a:p>
             <a:r>
-              <a:rPr kumimoji="1" lang="ja-JP" altLang="en-US"/>
+              <a:rPr lang="ja-JP" altLang="en-US"/>
               <a:t>マスター タイトルの書式設定</a:t>
             </a:r>
-          </a:p>
-        </p:txBody>
-      </p:sp>
-      <p:sp>
-        <p:nvSpPr>
-          <p:cNvPr id="3" name="テキスト プレースホルダー 2">
-            <a:extLst>
-              <a:ext uri="{FF2B5EF4-FFF2-40B4-BE49-F238E27FC236}">
-                <a16:creationId xmlns:a16="http://schemas.microsoft.com/office/drawing/2014/main" id="{9CE39B44-D81E-4092-8FCA-BD64DB707D9B}"/>
-              </a:ext>
-            </a:extLst>
-          </p:cNvPr>
+            <a:endParaRPr lang="en-US" dirty="0"/>
+          </a:p>
+        </p:txBody>
+      </p:sp>
+      <p:sp>
+        <p:nvSpPr>
+          <p:cNvPr id="3" name="Text Placeholder 2"/>
           <p:cNvSpPr>
             <a:spLocks noGrp="1"/>
           </p:cNvSpPr>
@@ -1712,8 +1523,8 @@
         </p:nvSpPr>
         <p:spPr>
           <a:xfrm>
-            <a:off x="629842" y="1681163"/>
-            <a:ext cx="3868340" cy="823912"/>
+            <a:off x="839788" y="1681163"/>
+            <a:ext cx="5157787" cy="823912"/>
           </a:xfrm>
         </p:spPr>
         <p:txBody>
@@ -1759,7 +1570,7 @@
           <a:p>
             <a:pPr lvl="0"/>
             <a:r>
-              <a:rPr kumimoji="1" lang="ja-JP" altLang="en-US"/>
+              <a:rPr lang="ja-JP" altLang="en-US"/>
               <a:t>マスター テキストの書式設定</a:t>
             </a:r>
           </a:p>
@@ -1767,13 +1578,7 @@
       </p:sp>
       <p:sp>
         <p:nvSpPr>
-          <p:cNvPr id="4" name="コンテンツ プレースホルダー 3">
-            <a:extLst>
-              <a:ext uri="{FF2B5EF4-FFF2-40B4-BE49-F238E27FC236}">
-                <a16:creationId xmlns:a16="http://schemas.microsoft.com/office/drawing/2014/main" id="{F964C5E1-E238-4DB8-831C-92C909C7BBD6}"/>
-              </a:ext>
-            </a:extLst>
-          </p:cNvPr>
+          <p:cNvPr id="4" name="Content Placeholder 3"/>
           <p:cNvSpPr>
             <a:spLocks noGrp="1"/>
           </p:cNvSpPr>
@@ -1783,8 +1588,8 @@
         </p:nvSpPr>
         <p:spPr>
           <a:xfrm>
-            <a:off x="629842" y="2505075"/>
-            <a:ext cx="3868340" cy="3684588"/>
+            <a:off x="839788" y="2505075"/>
+            <a:ext cx="5157787" cy="3684588"/>
           </a:xfrm>
         </p:spPr>
         <p:txBody>
@@ -1793,81 +1598,76 @@
           <a:p>
             <a:pPr lvl="0"/>
             <a:r>
-              <a:rPr kumimoji="1" lang="ja-JP" altLang="en-US"/>
+              <a:rPr lang="ja-JP" altLang="en-US"/>
               <a:t>マスター テキストの書式設定</a:t>
             </a:r>
           </a:p>
           <a:p>
             <a:pPr lvl="1"/>
             <a:r>
-              <a:rPr kumimoji="1" lang="ja-JP" altLang="en-US"/>
+              <a:rPr lang="ja-JP" altLang="en-US"/>
               <a:t>第 </a:t>
             </a:r>
             <a:r>
-              <a:rPr kumimoji="1" lang="en-US" altLang="ja-JP"/>
+              <a:rPr lang="en-US" altLang="ja-JP"/>
               <a:t>2 </a:t>
             </a:r>
             <a:r>
-              <a:rPr kumimoji="1" lang="ja-JP" altLang="en-US"/>
+              <a:rPr lang="ja-JP" altLang="en-US"/>
               <a:t>レベル</a:t>
             </a:r>
           </a:p>
           <a:p>
             <a:pPr lvl="2"/>
             <a:r>
-              <a:rPr kumimoji="1" lang="ja-JP" altLang="en-US"/>
+              <a:rPr lang="ja-JP" altLang="en-US"/>
               <a:t>第 </a:t>
             </a:r>
             <a:r>
-              <a:rPr kumimoji="1" lang="en-US" altLang="ja-JP"/>
+              <a:rPr lang="en-US" altLang="ja-JP"/>
               <a:t>3 </a:t>
             </a:r>
             <a:r>
-              <a:rPr kumimoji="1" lang="ja-JP" altLang="en-US"/>
+              <a:rPr lang="ja-JP" altLang="en-US"/>
               <a:t>レベル</a:t>
             </a:r>
           </a:p>
           <a:p>
             <a:pPr lvl="3"/>
             <a:r>
-              <a:rPr kumimoji="1" lang="ja-JP" altLang="en-US"/>
+              <a:rPr lang="ja-JP" altLang="en-US"/>
               <a:t>第 </a:t>
             </a:r>
             <a:r>
-              <a:rPr kumimoji="1" lang="en-US" altLang="ja-JP"/>
+              <a:rPr lang="en-US" altLang="ja-JP"/>
               <a:t>4 </a:t>
             </a:r>
             <a:r>
-              <a:rPr kumimoji="1" lang="ja-JP" altLang="en-US"/>
+              <a:rPr lang="ja-JP" altLang="en-US"/>
               <a:t>レベル</a:t>
             </a:r>
           </a:p>
           <a:p>
             <a:pPr lvl="4"/>
             <a:r>
-              <a:rPr kumimoji="1" lang="ja-JP" altLang="en-US"/>
+              <a:rPr lang="ja-JP" altLang="en-US"/>
               <a:t>第 </a:t>
             </a:r>
             <a:r>
-              <a:rPr kumimoji="1" lang="en-US" altLang="ja-JP"/>
+              <a:rPr lang="en-US" altLang="ja-JP"/>
               <a:t>5 </a:t>
             </a:r>
             <a:r>
-              <a:rPr kumimoji="1" lang="ja-JP" altLang="en-US"/>
+              <a:rPr lang="ja-JP" altLang="en-US"/>
               <a:t>レベル</a:t>
             </a:r>
-          </a:p>
-        </p:txBody>
-      </p:sp>
-      <p:sp>
-        <p:nvSpPr>
-          <p:cNvPr id="5" name="テキスト プレースホルダー 4">
-            <a:extLst>
-              <a:ext uri="{FF2B5EF4-FFF2-40B4-BE49-F238E27FC236}">
-                <a16:creationId xmlns:a16="http://schemas.microsoft.com/office/drawing/2014/main" id="{50A464FE-14E8-4CD3-A5FB-3E837627C2B7}"/>
-              </a:ext>
-            </a:extLst>
-          </p:cNvPr>
+            <a:endParaRPr lang="en-US" dirty="0"/>
+          </a:p>
+        </p:txBody>
+      </p:sp>
+      <p:sp>
+        <p:nvSpPr>
+          <p:cNvPr id="5" name="Text Placeholder 4"/>
           <p:cNvSpPr>
             <a:spLocks noGrp="1"/>
           </p:cNvSpPr>
@@ -1877,8 +1677,8 @@
         </p:nvSpPr>
         <p:spPr>
           <a:xfrm>
-            <a:off x="4629150" y="1681163"/>
-            <a:ext cx="3887391" cy="823912"/>
+            <a:off x="6172200" y="1681163"/>
+            <a:ext cx="5183188" cy="823912"/>
           </a:xfrm>
         </p:spPr>
         <p:txBody>
@@ -1924,7 +1724,7 @@
           <a:p>
             <a:pPr lvl="0"/>
             <a:r>
-              <a:rPr kumimoji="1" lang="ja-JP" altLang="en-US"/>
+              <a:rPr lang="ja-JP" altLang="en-US"/>
               <a:t>マスター テキストの書式設定</a:t>
             </a:r>
           </a:p>
@@ -1932,13 +1732,7 @@
       </p:sp>
       <p:sp>
         <p:nvSpPr>
-          <p:cNvPr id="6" name="コンテンツ プレースホルダー 5">
-            <a:extLst>
-              <a:ext uri="{FF2B5EF4-FFF2-40B4-BE49-F238E27FC236}">
-                <a16:creationId xmlns:a16="http://schemas.microsoft.com/office/drawing/2014/main" id="{FD529878-3AA1-495B-AF8C-2446DFB6BD0A}"/>
-              </a:ext>
-            </a:extLst>
-          </p:cNvPr>
+          <p:cNvPr id="6" name="Content Placeholder 5"/>
           <p:cNvSpPr>
             <a:spLocks noGrp="1"/>
           </p:cNvSpPr>
@@ -1948,8 +1742,8 @@
         </p:nvSpPr>
         <p:spPr>
           <a:xfrm>
-            <a:off x="4629150" y="2505075"/>
-            <a:ext cx="3887391" cy="3684588"/>
+            <a:off x="6172200" y="2505075"/>
+            <a:ext cx="5183188" cy="3684588"/>
           </a:xfrm>
         </p:spPr>
         <p:txBody>
@@ -1958,81 +1752,76 @@
           <a:p>
             <a:pPr lvl="0"/>
             <a:r>
-              <a:rPr kumimoji="1" lang="ja-JP" altLang="en-US"/>
+              <a:rPr lang="ja-JP" altLang="en-US"/>
               <a:t>マスター テキストの書式設定</a:t>
             </a:r>
           </a:p>
           <a:p>
             <a:pPr lvl="1"/>
             <a:r>
-              <a:rPr kumimoji="1" lang="ja-JP" altLang="en-US"/>
+              <a:rPr lang="ja-JP" altLang="en-US"/>
               <a:t>第 </a:t>
             </a:r>
             <a:r>
-              <a:rPr kumimoji="1" lang="en-US" altLang="ja-JP"/>
+              <a:rPr lang="en-US" altLang="ja-JP"/>
               <a:t>2 </a:t>
             </a:r>
             <a:r>
-              <a:rPr kumimoji="1" lang="ja-JP" altLang="en-US"/>
+              <a:rPr lang="ja-JP" altLang="en-US"/>
               <a:t>レベル</a:t>
             </a:r>
           </a:p>
           <a:p>
             <a:pPr lvl="2"/>
             <a:r>
-              <a:rPr kumimoji="1" lang="ja-JP" altLang="en-US"/>
+              <a:rPr lang="ja-JP" altLang="en-US"/>
               <a:t>第 </a:t>
             </a:r>
             <a:r>
-              <a:rPr kumimoji="1" lang="en-US" altLang="ja-JP"/>
+              <a:rPr lang="en-US" altLang="ja-JP"/>
               <a:t>3 </a:t>
             </a:r>
             <a:r>
-              <a:rPr kumimoji="1" lang="ja-JP" altLang="en-US"/>
+              <a:rPr lang="ja-JP" altLang="en-US"/>
               <a:t>レベル</a:t>
             </a:r>
           </a:p>
           <a:p>
             <a:pPr lvl="3"/>
             <a:r>
-              <a:rPr kumimoji="1" lang="ja-JP" altLang="en-US"/>
+              <a:rPr lang="ja-JP" altLang="en-US"/>
               <a:t>第 </a:t>
             </a:r>
             <a:r>
-              <a:rPr kumimoji="1" lang="en-US" altLang="ja-JP"/>
+              <a:rPr lang="en-US" altLang="ja-JP"/>
               <a:t>4 </a:t>
             </a:r>
             <a:r>
-              <a:rPr kumimoji="1" lang="ja-JP" altLang="en-US"/>
+              <a:rPr lang="ja-JP" altLang="en-US"/>
               <a:t>レベル</a:t>
             </a:r>
           </a:p>
           <a:p>
             <a:pPr lvl="4"/>
             <a:r>
-              <a:rPr kumimoji="1" lang="ja-JP" altLang="en-US"/>
+              <a:rPr lang="ja-JP" altLang="en-US"/>
               <a:t>第 </a:t>
             </a:r>
             <a:r>
-              <a:rPr kumimoji="1" lang="en-US" altLang="ja-JP"/>
+              <a:rPr lang="en-US" altLang="ja-JP"/>
               <a:t>5 </a:t>
             </a:r>
             <a:r>
-              <a:rPr kumimoji="1" lang="ja-JP" altLang="en-US"/>
+              <a:rPr lang="ja-JP" altLang="en-US"/>
               <a:t>レベル</a:t>
             </a:r>
-          </a:p>
-        </p:txBody>
-      </p:sp>
-      <p:sp>
-        <p:nvSpPr>
-          <p:cNvPr id="7" name="日付プレースホルダー 6">
-            <a:extLst>
-              <a:ext uri="{FF2B5EF4-FFF2-40B4-BE49-F238E27FC236}">
-                <a16:creationId xmlns:a16="http://schemas.microsoft.com/office/drawing/2014/main" id="{FA5144D1-CDBF-4195-AECA-AD06E108486E}"/>
-              </a:ext>
-            </a:extLst>
-          </p:cNvPr>
+            <a:endParaRPr lang="en-US" dirty="0"/>
+          </a:p>
+        </p:txBody>
+      </p:sp>
+      <p:sp>
+        <p:nvSpPr>
+          <p:cNvPr id="7" name="Date Placeholder 6"/>
           <p:cNvSpPr>
             <a:spLocks noGrp="1"/>
           </p:cNvSpPr>
@@ -2047,7 +1836,7 @@
           <a:p>
             <a:fld id="{BCC3470B-979D-4AC3-9CEF-E2615858CE2E}" type="datetimeFigureOut">
               <a:rPr kumimoji="1" lang="ja-JP" altLang="en-US" smtClean="0"/>
-              <a:t>2017/8/31</a:t>
+              <a:t>2023/8/25</a:t>
             </a:fld>
             <a:endParaRPr kumimoji="1" lang="ja-JP" altLang="en-US"/>
           </a:p>
@@ -2055,13 +1844,7 @@
       </p:sp>
       <p:sp>
         <p:nvSpPr>
-          <p:cNvPr id="8" name="フッター プレースホルダー 7">
-            <a:extLst>
-              <a:ext uri="{FF2B5EF4-FFF2-40B4-BE49-F238E27FC236}">
-                <a16:creationId xmlns:a16="http://schemas.microsoft.com/office/drawing/2014/main" id="{A4CC6E82-D470-49A1-B2E2-2F0CE2B1A445}"/>
-              </a:ext>
-            </a:extLst>
-          </p:cNvPr>
+          <p:cNvPr id="8" name="Footer Placeholder 7"/>
           <p:cNvSpPr>
             <a:spLocks noGrp="1"/>
           </p:cNvSpPr>
@@ -2080,13 +1863,7 @@
       </p:sp>
       <p:sp>
         <p:nvSpPr>
-          <p:cNvPr id="9" name="スライド番号プレースホルダー 8">
-            <a:extLst>
-              <a:ext uri="{FF2B5EF4-FFF2-40B4-BE49-F238E27FC236}">
-                <a16:creationId xmlns:a16="http://schemas.microsoft.com/office/drawing/2014/main" id="{62C52876-658A-42FB-9DD7-77BCB77F43CC}"/>
-              </a:ext>
-            </a:extLst>
-          </p:cNvPr>
+          <p:cNvPr id="9" name="Slide Number Placeholder 8"/>
           <p:cNvSpPr>
             <a:spLocks noGrp="1"/>
           </p:cNvSpPr>
@@ -2110,7 +1887,7 @@
     </p:spTree>
     <p:extLst>
       <p:ext uri="{BB962C8B-B14F-4D97-AF65-F5344CB8AC3E}">
-        <p14:creationId xmlns:p14="http://schemas.microsoft.com/office/powerpoint/2010/main" val="2498931311"/>
+        <p14:creationId xmlns:p14="http://schemas.microsoft.com/office/powerpoint/2010/main" val="2882008889"/>
       </p:ext>
     </p:extLst>
   </p:cSld>
@@ -2139,13 +1916,7 @@
       </p:grpSpPr>
       <p:sp>
         <p:nvSpPr>
-          <p:cNvPr id="2" name="タイトル 1">
-            <a:extLst>
-              <a:ext uri="{FF2B5EF4-FFF2-40B4-BE49-F238E27FC236}">
-                <a16:creationId xmlns:a16="http://schemas.microsoft.com/office/drawing/2014/main" id="{79FF38F5-536E-47BE-9249-EE31E17A586F}"/>
-              </a:ext>
-            </a:extLst>
-          </p:cNvPr>
+          <p:cNvPr id="2" name="Title 1"/>
           <p:cNvSpPr>
             <a:spLocks noGrp="1"/>
           </p:cNvSpPr>
@@ -2159,21 +1930,16 @@
           <a:lstStyle/>
           <a:p>
             <a:r>
-              <a:rPr kumimoji="1" lang="ja-JP" altLang="en-US"/>
+              <a:rPr lang="ja-JP" altLang="en-US"/>
               <a:t>マスター タイトルの書式設定</a:t>
             </a:r>
-          </a:p>
-        </p:txBody>
-      </p:sp>
-      <p:sp>
-        <p:nvSpPr>
-          <p:cNvPr id="3" name="日付プレースホルダー 2">
-            <a:extLst>
-              <a:ext uri="{FF2B5EF4-FFF2-40B4-BE49-F238E27FC236}">
-                <a16:creationId xmlns:a16="http://schemas.microsoft.com/office/drawing/2014/main" id="{07CB3045-FB54-46B7-B046-4F9A3B847F2B}"/>
-              </a:ext>
-            </a:extLst>
-          </p:cNvPr>
+            <a:endParaRPr lang="en-US" dirty="0"/>
+          </a:p>
+        </p:txBody>
+      </p:sp>
+      <p:sp>
+        <p:nvSpPr>
+          <p:cNvPr id="3" name="Date Placeholder 2"/>
           <p:cNvSpPr>
             <a:spLocks noGrp="1"/>
           </p:cNvSpPr>
@@ -2188,7 +1954,7 @@
           <a:p>
             <a:fld id="{BCC3470B-979D-4AC3-9CEF-E2615858CE2E}" type="datetimeFigureOut">
               <a:rPr kumimoji="1" lang="ja-JP" altLang="en-US" smtClean="0"/>
-              <a:t>2017/8/31</a:t>
+              <a:t>2023/8/25</a:t>
             </a:fld>
             <a:endParaRPr kumimoji="1" lang="ja-JP" altLang="en-US"/>
           </a:p>
@@ -2196,13 +1962,7 @@
       </p:sp>
       <p:sp>
         <p:nvSpPr>
-          <p:cNvPr id="4" name="フッター プレースホルダー 3">
-            <a:extLst>
-              <a:ext uri="{FF2B5EF4-FFF2-40B4-BE49-F238E27FC236}">
-                <a16:creationId xmlns:a16="http://schemas.microsoft.com/office/drawing/2014/main" id="{5ECED15D-9C74-469C-8E3C-B91843A74D4B}"/>
-              </a:ext>
-            </a:extLst>
-          </p:cNvPr>
+          <p:cNvPr id="4" name="Footer Placeholder 3"/>
           <p:cNvSpPr>
             <a:spLocks noGrp="1"/>
           </p:cNvSpPr>
@@ -2221,13 +1981,7 @@
       </p:sp>
       <p:sp>
         <p:nvSpPr>
-          <p:cNvPr id="5" name="スライド番号プレースホルダー 4">
-            <a:extLst>
-              <a:ext uri="{FF2B5EF4-FFF2-40B4-BE49-F238E27FC236}">
-                <a16:creationId xmlns:a16="http://schemas.microsoft.com/office/drawing/2014/main" id="{AAF8A85A-1042-46F4-93FA-E8F4AB4AB7F6}"/>
-              </a:ext>
-            </a:extLst>
-          </p:cNvPr>
+          <p:cNvPr id="5" name="Slide Number Placeholder 4"/>
           <p:cNvSpPr>
             <a:spLocks noGrp="1"/>
           </p:cNvSpPr>
@@ -2251,7 +2005,7 @@
     </p:spTree>
     <p:extLst>
       <p:ext uri="{BB962C8B-B14F-4D97-AF65-F5344CB8AC3E}">
-        <p14:creationId xmlns:p14="http://schemas.microsoft.com/office/powerpoint/2010/main" val="732835344"/>
+        <p14:creationId xmlns:p14="http://schemas.microsoft.com/office/powerpoint/2010/main" val="3896702680"/>
       </p:ext>
     </p:extLst>
   </p:cSld>
@@ -2280,13 +2034,7 @@
       </p:grpSpPr>
       <p:sp>
         <p:nvSpPr>
-          <p:cNvPr id="2" name="日付プレースホルダー 1">
-            <a:extLst>
-              <a:ext uri="{FF2B5EF4-FFF2-40B4-BE49-F238E27FC236}">
-                <a16:creationId xmlns:a16="http://schemas.microsoft.com/office/drawing/2014/main" id="{FCB3A632-2E6D-47AA-9D41-B542EB614177}"/>
-              </a:ext>
-            </a:extLst>
-          </p:cNvPr>
+          <p:cNvPr id="2" name="Date Placeholder 1"/>
           <p:cNvSpPr>
             <a:spLocks noGrp="1"/>
           </p:cNvSpPr>
@@ -2301,7 +2049,7 @@
           <a:p>
             <a:fld id="{BCC3470B-979D-4AC3-9CEF-E2615858CE2E}" type="datetimeFigureOut">
               <a:rPr kumimoji="1" lang="ja-JP" altLang="en-US" smtClean="0"/>
-              <a:t>2017/8/31</a:t>
+              <a:t>2023/8/25</a:t>
             </a:fld>
             <a:endParaRPr kumimoji="1" lang="ja-JP" altLang="en-US"/>
           </a:p>
@@ -2309,13 +2057,7 @@
       </p:sp>
       <p:sp>
         <p:nvSpPr>
-          <p:cNvPr id="3" name="フッター プレースホルダー 2">
-            <a:extLst>
-              <a:ext uri="{FF2B5EF4-FFF2-40B4-BE49-F238E27FC236}">
-                <a16:creationId xmlns:a16="http://schemas.microsoft.com/office/drawing/2014/main" id="{51DE58E0-D604-44D9-AB0A-579CF23A7F38}"/>
-              </a:ext>
-            </a:extLst>
-          </p:cNvPr>
+          <p:cNvPr id="3" name="Footer Placeholder 2"/>
           <p:cNvSpPr>
             <a:spLocks noGrp="1"/>
           </p:cNvSpPr>
@@ -2334,13 +2076,7 @@
       </p:sp>
       <p:sp>
         <p:nvSpPr>
-          <p:cNvPr id="4" name="スライド番号プレースホルダー 3">
-            <a:extLst>
-              <a:ext uri="{FF2B5EF4-FFF2-40B4-BE49-F238E27FC236}">
-                <a16:creationId xmlns:a16="http://schemas.microsoft.com/office/drawing/2014/main" id="{8E3B1122-36C1-4EF6-B192-4791749ADDC8}"/>
-              </a:ext>
-            </a:extLst>
-          </p:cNvPr>
+          <p:cNvPr id="4" name="Slide Number Placeholder 3"/>
           <p:cNvSpPr>
             <a:spLocks noGrp="1"/>
           </p:cNvSpPr>
@@ -2364,7 +2100,7 @@
     </p:spTree>
     <p:extLst>
       <p:ext uri="{BB962C8B-B14F-4D97-AF65-F5344CB8AC3E}">
-        <p14:creationId xmlns:p14="http://schemas.microsoft.com/office/powerpoint/2010/main" val="2554930808"/>
+        <p14:creationId xmlns:p14="http://schemas.microsoft.com/office/powerpoint/2010/main" val="2922164696"/>
       </p:ext>
     </p:extLst>
   </p:cSld>
@@ -2393,13 +2129,7 @@
       </p:grpSpPr>
       <p:sp>
         <p:nvSpPr>
-          <p:cNvPr id="2" name="タイトル 1">
-            <a:extLst>
-              <a:ext uri="{FF2B5EF4-FFF2-40B4-BE49-F238E27FC236}">
-                <a16:creationId xmlns:a16="http://schemas.microsoft.com/office/drawing/2014/main" id="{32EB93E2-742C-40DA-A8F0-09D81B36FCED}"/>
-              </a:ext>
-            </a:extLst>
-          </p:cNvPr>
+          <p:cNvPr id="2" name="Title 1"/>
           <p:cNvSpPr>
             <a:spLocks noGrp="1"/>
           </p:cNvSpPr>
@@ -2409,8 +2139,8 @@
         </p:nvSpPr>
         <p:spPr>
           <a:xfrm>
-            <a:off x="629841" y="457200"/>
-            <a:ext cx="2949178" cy="1600200"/>
+            <a:off x="839788" y="457200"/>
+            <a:ext cx="3932237" cy="1600200"/>
           </a:xfrm>
         </p:spPr>
         <p:txBody>
@@ -2422,21 +2152,16 @@
           </a:lstStyle>
           <a:p>
             <a:r>
-              <a:rPr kumimoji="1" lang="ja-JP" altLang="en-US"/>
+              <a:rPr lang="ja-JP" altLang="en-US"/>
               <a:t>マスター タイトルの書式設定</a:t>
             </a:r>
-          </a:p>
-        </p:txBody>
-      </p:sp>
-      <p:sp>
-        <p:nvSpPr>
-          <p:cNvPr id="3" name="コンテンツ プレースホルダー 2">
-            <a:extLst>
-              <a:ext uri="{FF2B5EF4-FFF2-40B4-BE49-F238E27FC236}">
-                <a16:creationId xmlns:a16="http://schemas.microsoft.com/office/drawing/2014/main" id="{AC474D4D-1C0D-458D-9FF6-A1A57723BB58}"/>
-              </a:ext>
-            </a:extLst>
-          </p:cNvPr>
+            <a:endParaRPr lang="en-US" dirty="0"/>
+          </a:p>
+        </p:txBody>
+      </p:sp>
+      <p:sp>
+        <p:nvSpPr>
+          <p:cNvPr id="3" name="Content Placeholder 2"/>
           <p:cNvSpPr>
             <a:spLocks noGrp="1"/>
           </p:cNvSpPr>
@@ -2446,8 +2171,8 @@
         </p:nvSpPr>
         <p:spPr>
           <a:xfrm>
-            <a:off x="3887391" y="987426"/>
-            <a:ext cx="4629150" cy="4873625"/>
+            <a:off x="5183188" y="987425"/>
+            <a:ext cx="6172200" cy="4873625"/>
           </a:xfrm>
         </p:spPr>
         <p:txBody>
@@ -2484,81 +2209,76 @@
           <a:p>
             <a:pPr lvl="0"/>
             <a:r>
-              <a:rPr kumimoji="1" lang="ja-JP" altLang="en-US"/>
+              <a:rPr lang="ja-JP" altLang="en-US"/>
               <a:t>マスター テキストの書式設定</a:t>
             </a:r>
           </a:p>
           <a:p>
             <a:pPr lvl="1"/>
             <a:r>
-              <a:rPr kumimoji="1" lang="ja-JP" altLang="en-US"/>
+              <a:rPr lang="ja-JP" altLang="en-US"/>
               <a:t>第 </a:t>
             </a:r>
             <a:r>
-              <a:rPr kumimoji="1" lang="en-US" altLang="ja-JP"/>
+              <a:rPr lang="en-US" altLang="ja-JP"/>
               <a:t>2 </a:t>
             </a:r>
             <a:r>
-              <a:rPr kumimoji="1" lang="ja-JP" altLang="en-US"/>
+              <a:rPr lang="ja-JP" altLang="en-US"/>
               <a:t>レベル</a:t>
             </a:r>
           </a:p>
           <a:p>
             <a:pPr lvl="2"/>
             <a:r>
-              <a:rPr kumimoji="1" lang="ja-JP" altLang="en-US"/>
+              <a:rPr lang="ja-JP" altLang="en-US"/>
               <a:t>第 </a:t>
             </a:r>
             <a:r>
-              <a:rPr kumimoji="1" lang="en-US" altLang="ja-JP"/>
+              <a:rPr lang="en-US" altLang="ja-JP"/>
               <a:t>3 </a:t>
             </a:r>
             <a:r>
-              <a:rPr kumimoji="1" lang="ja-JP" altLang="en-US"/>
+              <a:rPr lang="ja-JP" altLang="en-US"/>
               <a:t>レベル</a:t>
             </a:r>
           </a:p>
           <a:p>
             <a:pPr lvl="3"/>
             <a:r>
-              <a:rPr kumimoji="1" lang="ja-JP" altLang="en-US"/>
+              <a:rPr lang="ja-JP" altLang="en-US"/>
               <a:t>第 </a:t>
             </a:r>
             <a:r>
-              <a:rPr kumimoji="1" lang="en-US" altLang="ja-JP"/>
+              <a:rPr lang="en-US" altLang="ja-JP"/>
               <a:t>4 </a:t>
             </a:r>
             <a:r>
-              <a:rPr kumimoji="1" lang="ja-JP" altLang="en-US"/>
+              <a:rPr lang="ja-JP" altLang="en-US"/>
               <a:t>レベル</a:t>
             </a:r>
           </a:p>
           <a:p>
             <a:pPr lvl="4"/>
             <a:r>
-              <a:rPr kumimoji="1" lang="ja-JP" altLang="en-US"/>
+              <a:rPr lang="ja-JP" altLang="en-US"/>
               <a:t>第 </a:t>
             </a:r>
             <a:r>
-              <a:rPr kumimoji="1" lang="en-US" altLang="ja-JP"/>
+              <a:rPr lang="en-US" altLang="ja-JP"/>
               <a:t>5 </a:t>
             </a:r>
             <a:r>
-              <a:rPr kumimoji="1" lang="ja-JP" altLang="en-US"/>
+              <a:rPr lang="ja-JP" altLang="en-US"/>
               <a:t>レベル</a:t>
             </a:r>
-          </a:p>
-        </p:txBody>
-      </p:sp>
-      <p:sp>
-        <p:nvSpPr>
-          <p:cNvPr id="4" name="テキスト プレースホルダー 3">
-            <a:extLst>
-              <a:ext uri="{FF2B5EF4-FFF2-40B4-BE49-F238E27FC236}">
-                <a16:creationId xmlns:a16="http://schemas.microsoft.com/office/drawing/2014/main" id="{D59A0723-E6D5-4A19-818C-2CC237DCE793}"/>
-              </a:ext>
-            </a:extLst>
-          </p:cNvPr>
+            <a:endParaRPr lang="en-US" dirty="0"/>
+          </a:p>
+        </p:txBody>
+      </p:sp>
+      <p:sp>
+        <p:nvSpPr>
+          <p:cNvPr id="4" name="Text Placeholder 3"/>
           <p:cNvSpPr>
             <a:spLocks noGrp="1"/>
           </p:cNvSpPr>
@@ -2568,8 +2288,8 @@
         </p:nvSpPr>
         <p:spPr>
           <a:xfrm>
-            <a:off x="629841" y="2057400"/>
-            <a:ext cx="2949178" cy="3811588"/>
+            <a:off x="839788" y="2057400"/>
+            <a:ext cx="3932237" cy="3811588"/>
           </a:xfrm>
         </p:spPr>
         <p:txBody>
@@ -2615,7 +2335,7 @@
           <a:p>
             <a:pPr lvl="0"/>
             <a:r>
-              <a:rPr kumimoji="1" lang="ja-JP" altLang="en-US"/>
+              <a:rPr lang="ja-JP" altLang="en-US"/>
               <a:t>マスター テキストの書式設定</a:t>
             </a:r>
           </a:p>
@@ -2623,13 +2343,7 @@
       </p:sp>
       <p:sp>
         <p:nvSpPr>
-          <p:cNvPr id="5" name="日付プレースホルダー 4">
-            <a:extLst>
-              <a:ext uri="{FF2B5EF4-FFF2-40B4-BE49-F238E27FC236}">
-                <a16:creationId xmlns:a16="http://schemas.microsoft.com/office/drawing/2014/main" id="{EC8AFEC2-77A9-4086-B939-E2C58F4BF6C5}"/>
-              </a:ext>
-            </a:extLst>
-          </p:cNvPr>
+          <p:cNvPr id="5" name="Date Placeholder 4"/>
           <p:cNvSpPr>
             <a:spLocks noGrp="1"/>
           </p:cNvSpPr>
@@ -2644,7 +2358,7 @@
           <a:p>
             <a:fld id="{BCC3470B-979D-4AC3-9CEF-E2615858CE2E}" type="datetimeFigureOut">
               <a:rPr kumimoji="1" lang="ja-JP" altLang="en-US" smtClean="0"/>
-              <a:t>2017/8/31</a:t>
+              <a:t>2023/8/25</a:t>
             </a:fld>
             <a:endParaRPr kumimoji="1" lang="ja-JP" altLang="en-US"/>
           </a:p>
@@ -2652,13 +2366,7 @@
       </p:sp>
       <p:sp>
         <p:nvSpPr>
-          <p:cNvPr id="6" name="フッター プレースホルダー 5">
-            <a:extLst>
-              <a:ext uri="{FF2B5EF4-FFF2-40B4-BE49-F238E27FC236}">
-                <a16:creationId xmlns:a16="http://schemas.microsoft.com/office/drawing/2014/main" id="{CCCE669C-F3A1-498F-87BB-AFC7E57A09BB}"/>
-              </a:ext>
-            </a:extLst>
-          </p:cNvPr>
+          <p:cNvPr id="6" name="Footer Placeholder 5"/>
           <p:cNvSpPr>
             <a:spLocks noGrp="1"/>
           </p:cNvSpPr>
@@ -2677,13 +2385,7 @@
       </p:sp>
       <p:sp>
         <p:nvSpPr>
-          <p:cNvPr id="7" name="スライド番号プレースホルダー 6">
-            <a:extLst>
-              <a:ext uri="{FF2B5EF4-FFF2-40B4-BE49-F238E27FC236}">
-                <a16:creationId xmlns:a16="http://schemas.microsoft.com/office/drawing/2014/main" id="{D25A9716-FF4B-4EE9-93B4-F37325C18E42}"/>
-              </a:ext>
-            </a:extLst>
-          </p:cNvPr>
+          <p:cNvPr id="7" name="Slide Number Placeholder 6"/>
           <p:cNvSpPr>
             <a:spLocks noGrp="1"/>
           </p:cNvSpPr>
@@ -2707,7 +2409,7 @@
     </p:spTree>
     <p:extLst>
       <p:ext uri="{BB962C8B-B14F-4D97-AF65-F5344CB8AC3E}">
-        <p14:creationId xmlns:p14="http://schemas.microsoft.com/office/powerpoint/2010/main" val="1651372392"/>
+        <p14:creationId xmlns:p14="http://schemas.microsoft.com/office/powerpoint/2010/main" val="1558668717"/>
       </p:ext>
     </p:extLst>
   </p:cSld>
@@ -2736,13 +2438,7 @@
       </p:grpSpPr>
       <p:sp>
         <p:nvSpPr>
-          <p:cNvPr id="2" name="タイトル 1">
-            <a:extLst>
-              <a:ext uri="{FF2B5EF4-FFF2-40B4-BE49-F238E27FC236}">
-                <a16:creationId xmlns:a16="http://schemas.microsoft.com/office/drawing/2014/main" id="{F6BE48DE-0EBA-4D97-9DBF-1EC753EBE759}"/>
-              </a:ext>
-            </a:extLst>
-          </p:cNvPr>
+          <p:cNvPr id="2" name="Title 1"/>
           <p:cNvSpPr>
             <a:spLocks noGrp="1"/>
           </p:cNvSpPr>
@@ -2752,8 +2448,8 @@
         </p:nvSpPr>
         <p:spPr>
           <a:xfrm>
-            <a:off x="629841" y="457200"/>
-            <a:ext cx="2949178" cy="1600200"/>
+            <a:off x="839788" y="457200"/>
+            <a:ext cx="3932237" cy="1600200"/>
           </a:xfrm>
         </p:spPr>
         <p:txBody>
@@ -2765,23 +2461,18 @@
           </a:lstStyle>
           <a:p>
             <a:r>
-              <a:rPr kumimoji="1" lang="ja-JP" altLang="en-US"/>
+              <a:rPr lang="ja-JP" altLang="en-US"/>
               <a:t>マスター タイトルの書式設定</a:t>
             </a:r>
-          </a:p>
-        </p:txBody>
-      </p:sp>
-      <p:sp>
-        <p:nvSpPr>
-          <p:cNvPr id="3" name="図プレースホルダー 2">
-            <a:extLst>
-              <a:ext uri="{FF2B5EF4-FFF2-40B4-BE49-F238E27FC236}">
-                <a16:creationId xmlns:a16="http://schemas.microsoft.com/office/drawing/2014/main" id="{2B35F2B9-EF3E-4AC9-8F35-B559A54EBBA6}"/>
-              </a:ext>
-            </a:extLst>
-          </p:cNvPr>
-          <p:cNvSpPr>
-            <a:spLocks noGrp="1"/>
+            <a:endParaRPr lang="en-US" dirty="0"/>
+          </a:p>
+        </p:txBody>
+      </p:sp>
+      <p:sp>
+        <p:nvSpPr>
+          <p:cNvPr id="3" name="Picture Placeholder 2"/>
+          <p:cNvSpPr>
+            <a:spLocks noGrp="1" noChangeAspect="1"/>
           </p:cNvSpPr>
           <p:nvPr>
             <p:ph type="pic" idx="1"/>
@@ -2789,8 +2480,73 @@
         </p:nvSpPr>
         <p:spPr>
           <a:xfrm>
-            <a:off x="3887391" y="987426"/>
-            <a:ext cx="4629150" cy="4873625"/>
+            <a:off x="5183188" y="987425"/>
+            <a:ext cx="6172200" cy="4873625"/>
+          </a:xfrm>
+        </p:spPr>
+        <p:txBody>
+          <a:bodyPr anchor="t"/>
+          <a:lstStyle>
+            <a:lvl1pPr marL="0" indent="0">
+              <a:buNone/>
+              <a:defRPr sz="3200"/>
+            </a:lvl1pPr>
+            <a:lvl2pPr marL="457200" indent="0">
+              <a:buNone/>
+              <a:defRPr sz="2800"/>
+            </a:lvl2pPr>
+            <a:lvl3pPr marL="914400" indent="0">
+              <a:buNone/>
+              <a:defRPr sz="2400"/>
+            </a:lvl3pPr>
+            <a:lvl4pPr marL="1371600" indent="0">
+              <a:buNone/>
+              <a:defRPr sz="2000"/>
+            </a:lvl4pPr>
+            <a:lvl5pPr marL="1828800" indent="0">
+              <a:buNone/>
+              <a:defRPr sz="2000"/>
+            </a:lvl5pPr>
+            <a:lvl6pPr marL="2286000" indent="0">
+              <a:buNone/>
+              <a:defRPr sz="2000"/>
+            </a:lvl6pPr>
+            <a:lvl7pPr marL="2743200" indent="0">
+              <a:buNone/>
+              <a:defRPr sz="2000"/>
+            </a:lvl7pPr>
+            <a:lvl8pPr marL="3200400" indent="0">
+              <a:buNone/>
+              <a:defRPr sz="2000"/>
+            </a:lvl8pPr>
+            <a:lvl9pPr marL="3657600" indent="0">
+              <a:buNone/>
+              <a:defRPr sz="2000"/>
+            </a:lvl9pPr>
+          </a:lstStyle>
+          <a:p>
+            <a:r>
+              <a:rPr lang="ja-JP" altLang="en-US"/>
+              <a:t>アイコンをクリックして図を追加</a:t>
+            </a:r>
+            <a:endParaRPr lang="en-US" dirty="0"/>
+          </a:p>
+        </p:txBody>
+      </p:sp>
+      <p:sp>
+        <p:nvSpPr>
+          <p:cNvPr id="4" name="Text Placeholder 3"/>
+          <p:cNvSpPr>
+            <a:spLocks noGrp="1"/>
+          </p:cNvSpPr>
+          <p:nvPr>
+            <p:ph type="body" sz="half" idx="2"/>
+          </p:nvPr>
+        </p:nvSpPr>
+        <p:spPr>
+          <a:xfrm>
+            <a:off x="839788" y="2057400"/>
+            <a:ext cx="3932237" cy="3811588"/>
           </a:xfrm>
         </p:spPr>
         <p:txBody>
@@ -2798,73 +2554,6 @@
           <a:lstStyle>
             <a:lvl1pPr marL="0" indent="0">
               <a:buNone/>
-              <a:defRPr sz="3200"/>
-            </a:lvl1pPr>
-            <a:lvl2pPr marL="457200" indent="0">
-              <a:buNone/>
-              <a:defRPr sz="2800"/>
-            </a:lvl2pPr>
-            <a:lvl3pPr marL="914400" indent="0">
-              <a:buNone/>
-              <a:defRPr sz="2400"/>
-            </a:lvl3pPr>
-            <a:lvl4pPr marL="1371600" indent="0">
-              <a:buNone/>
-              <a:defRPr sz="2000"/>
-            </a:lvl4pPr>
-            <a:lvl5pPr marL="1828800" indent="0">
-              <a:buNone/>
-              <a:defRPr sz="2000"/>
-            </a:lvl5pPr>
-            <a:lvl6pPr marL="2286000" indent="0">
-              <a:buNone/>
-              <a:defRPr sz="2000"/>
-            </a:lvl6pPr>
-            <a:lvl7pPr marL="2743200" indent="0">
-              <a:buNone/>
-              <a:defRPr sz="2000"/>
-            </a:lvl7pPr>
-            <a:lvl8pPr marL="3200400" indent="0">
-              <a:buNone/>
-              <a:defRPr sz="2000"/>
-            </a:lvl8pPr>
-            <a:lvl9pPr marL="3657600" indent="0">
-              <a:buNone/>
-              <a:defRPr sz="2000"/>
-            </a:lvl9pPr>
-          </a:lstStyle>
-          <a:p>
-            <a:endParaRPr kumimoji="1" lang="ja-JP" altLang="en-US"/>
-          </a:p>
-        </p:txBody>
-      </p:sp>
-      <p:sp>
-        <p:nvSpPr>
-          <p:cNvPr id="4" name="テキスト プレースホルダー 3">
-            <a:extLst>
-              <a:ext uri="{FF2B5EF4-FFF2-40B4-BE49-F238E27FC236}">
-                <a16:creationId xmlns:a16="http://schemas.microsoft.com/office/drawing/2014/main" id="{C7480445-5168-40B5-ABFE-461FF3C35C05}"/>
-              </a:ext>
-            </a:extLst>
-          </p:cNvPr>
-          <p:cNvSpPr>
-            <a:spLocks noGrp="1"/>
-          </p:cNvSpPr>
-          <p:nvPr>
-            <p:ph type="body" sz="half" idx="2"/>
-          </p:nvPr>
-        </p:nvSpPr>
-        <p:spPr>
-          <a:xfrm>
-            <a:off x="629841" y="2057400"/>
-            <a:ext cx="2949178" cy="3811588"/>
-          </a:xfrm>
-        </p:spPr>
-        <p:txBody>
-          <a:bodyPr/>
-          <a:lstStyle>
-            <a:lvl1pPr marL="0" indent="0">
-              <a:buNone/>
               <a:defRPr sz="1600"/>
             </a:lvl1pPr>
             <a:lvl2pPr marL="457200" indent="0">
@@ -2903,7 +2592,7 @@
           <a:p>
             <a:pPr lvl="0"/>
             <a:r>
-              <a:rPr kumimoji="1" lang="ja-JP" altLang="en-US"/>
+              <a:rPr lang="ja-JP" altLang="en-US"/>
               <a:t>マスター テキストの書式設定</a:t>
             </a:r>
           </a:p>
@@ -2911,13 +2600,7 @@
       </p:sp>
       <p:sp>
         <p:nvSpPr>
-          <p:cNvPr id="5" name="日付プレースホルダー 4">
-            <a:extLst>
-              <a:ext uri="{FF2B5EF4-FFF2-40B4-BE49-F238E27FC236}">
-                <a16:creationId xmlns:a16="http://schemas.microsoft.com/office/drawing/2014/main" id="{521ECF7E-BD91-4A78-BA11-C7AA653C7969}"/>
-              </a:ext>
-            </a:extLst>
-          </p:cNvPr>
+          <p:cNvPr id="5" name="Date Placeholder 4"/>
           <p:cNvSpPr>
             <a:spLocks noGrp="1"/>
           </p:cNvSpPr>
@@ -2932,7 +2615,7 @@
           <a:p>
             <a:fld id="{BCC3470B-979D-4AC3-9CEF-E2615858CE2E}" type="datetimeFigureOut">
               <a:rPr kumimoji="1" lang="ja-JP" altLang="en-US" smtClean="0"/>
-              <a:t>2017/8/31</a:t>
+              <a:t>2023/8/25</a:t>
             </a:fld>
             <a:endParaRPr kumimoji="1" lang="ja-JP" altLang="en-US"/>
           </a:p>
@@ -2940,13 +2623,7 @@
       </p:sp>
       <p:sp>
         <p:nvSpPr>
-          <p:cNvPr id="6" name="フッター プレースホルダー 5">
-            <a:extLst>
-              <a:ext uri="{FF2B5EF4-FFF2-40B4-BE49-F238E27FC236}">
-                <a16:creationId xmlns:a16="http://schemas.microsoft.com/office/drawing/2014/main" id="{837EC663-4A4A-43E3-884F-DFCBF1673EEA}"/>
-              </a:ext>
-            </a:extLst>
-          </p:cNvPr>
+          <p:cNvPr id="6" name="Footer Placeholder 5"/>
           <p:cNvSpPr>
             <a:spLocks noGrp="1"/>
           </p:cNvSpPr>
@@ -2965,13 +2642,7 @@
       </p:sp>
       <p:sp>
         <p:nvSpPr>
-          <p:cNvPr id="7" name="スライド番号プレースホルダー 6">
-            <a:extLst>
-              <a:ext uri="{FF2B5EF4-FFF2-40B4-BE49-F238E27FC236}">
-                <a16:creationId xmlns:a16="http://schemas.microsoft.com/office/drawing/2014/main" id="{C39F6F37-892C-4014-A0C6-77EF3492C846}"/>
-              </a:ext>
-            </a:extLst>
-          </p:cNvPr>
+          <p:cNvPr id="7" name="Slide Number Placeholder 6"/>
           <p:cNvSpPr>
             <a:spLocks noGrp="1"/>
           </p:cNvSpPr>
@@ -2995,7 +2666,7 @@
     </p:spTree>
     <p:extLst>
       <p:ext uri="{BB962C8B-B14F-4D97-AF65-F5344CB8AC3E}">
-        <p14:creationId xmlns:p14="http://schemas.microsoft.com/office/powerpoint/2010/main" val="764307389"/>
+        <p14:creationId xmlns:p14="http://schemas.microsoft.com/office/powerpoint/2010/main" val="3837218044"/>
       </p:ext>
     </p:extLst>
   </p:cSld>
@@ -3029,13 +2700,7 @@
       </p:grpSpPr>
       <p:sp>
         <p:nvSpPr>
-          <p:cNvPr id="2" name="タイトル プレースホルダー 1">
-            <a:extLst>
-              <a:ext uri="{FF2B5EF4-FFF2-40B4-BE49-F238E27FC236}">
-                <a16:creationId xmlns:a16="http://schemas.microsoft.com/office/drawing/2014/main" id="{DB27D74D-F45C-4C91-B82A-E0A4952D99BC}"/>
-              </a:ext>
-            </a:extLst>
-          </p:cNvPr>
+          <p:cNvPr id="2" name="Title Placeholder 1"/>
           <p:cNvSpPr>
             <a:spLocks noGrp="1"/>
           </p:cNvSpPr>
@@ -3045,8 +2710,8 @@
         </p:nvSpPr>
         <p:spPr>
           <a:xfrm>
-            <a:off x="628650" y="365126"/>
-            <a:ext cx="7886700" cy="1325563"/>
+            <a:off x="838200" y="365125"/>
+            <a:ext cx="10515600" cy="1325563"/>
           </a:xfrm>
           <a:prstGeom prst="rect">
             <a:avLst/>
@@ -3059,21 +2724,16 @@
           <a:lstStyle/>
           <a:p>
             <a:r>
-              <a:rPr kumimoji="1" lang="ja-JP" altLang="en-US"/>
+              <a:rPr lang="ja-JP" altLang="en-US"/>
               <a:t>マスター タイトルの書式設定</a:t>
             </a:r>
-          </a:p>
-        </p:txBody>
-      </p:sp>
-      <p:sp>
-        <p:nvSpPr>
-          <p:cNvPr id="3" name="テキスト プレースホルダー 2">
-            <a:extLst>
-              <a:ext uri="{FF2B5EF4-FFF2-40B4-BE49-F238E27FC236}">
-                <a16:creationId xmlns:a16="http://schemas.microsoft.com/office/drawing/2014/main" id="{C0B8D245-CCE6-404F-82D7-72BA357D8D7E}"/>
-              </a:ext>
-            </a:extLst>
-          </p:cNvPr>
+            <a:endParaRPr lang="en-US" dirty="0"/>
+          </a:p>
+        </p:txBody>
+      </p:sp>
+      <p:sp>
+        <p:nvSpPr>
+          <p:cNvPr id="3" name="Text Placeholder 2"/>
           <p:cNvSpPr>
             <a:spLocks noGrp="1"/>
           </p:cNvSpPr>
@@ -3083,8 +2743,8 @@
         </p:nvSpPr>
         <p:spPr>
           <a:xfrm>
-            <a:off x="628650" y="1825625"/>
-            <a:ext cx="7886700" cy="4351338"/>
+            <a:off x="838200" y="1825625"/>
+            <a:ext cx="10515600" cy="4351338"/>
           </a:xfrm>
           <a:prstGeom prst="rect">
             <a:avLst/>
@@ -3098,81 +2758,76 @@
           <a:p>
             <a:pPr lvl="0"/>
             <a:r>
-              <a:rPr kumimoji="1" lang="ja-JP" altLang="en-US"/>
+              <a:rPr lang="ja-JP" altLang="en-US"/>
               <a:t>マスター テキストの書式設定</a:t>
             </a:r>
           </a:p>
           <a:p>
             <a:pPr lvl="1"/>
             <a:r>
-              <a:rPr kumimoji="1" lang="ja-JP" altLang="en-US"/>
+              <a:rPr lang="ja-JP" altLang="en-US"/>
               <a:t>第 </a:t>
             </a:r>
             <a:r>
-              <a:rPr kumimoji="1" lang="en-US" altLang="ja-JP"/>
+              <a:rPr lang="en-US" altLang="ja-JP"/>
               <a:t>2 </a:t>
             </a:r>
             <a:r>
-              <a:rPr kumimoji="1" lang="ja-JP" altLang="en-US"/>
+              <a:rPr lang="ja-JP" altLang="en-US"/>
               <a:t>レベル</a:t>
             </a:r>
           </a:p>
           <a:p>
             <a:pPr lvl="2"/>
             <a:r>
-              <a:rPr kumimoji="1" lang="ja-JP" altLang="en-US"/>
+              <a:rPr lang="ja-JP" altLang="en-US"/>
               <a:t>第 </a:t>
             </a:r>
             <a:r>
-              <a:rPr kumimoji="1" lang="en-US" altLang="ja-JP"/>
+              <a:rPr lang="en-US" altLang="ja-JP"/>
               <a:t>3 </a:t>
             </a:r>
             <a:r>
-              <a:rPr kumimoji="1" lang="ja-JP" altLang="en-US"/>
+              <a:rPr lang="ja-JP" altLang="en-US"/>
               <a:t>レベル</a:t>
             </a:r>
           </a:p>
           <a:p>
             <a:pPr lvl="3"/>
             <a:r>
-              <a:rPr kumimoji="1" lang="ja-JP" altLang="en-US"/>
+              <a:rPr lang="ja-JP" altLang="en-US"/>
               <a:t>第 </a:t>
             </a:r>
             <a:r>
-              <a:rPr kumimoji="1" lang="en-US" altLang="ja-JP"/>
+              <a:rPr lang="en-US" altLang="ja-JP"/>
               <a:t>4 </a:t>
             </a:r>
             <a:r>
-              <a:rPr kumimoji="1" lang="ja-JP" altLang="en-US"/>
+              <a:rPr lang="ja-JP" altLang="en-US"/>
               <a:t>レベル</a:t>
             </a:r>
           </a:p>
           <a:p>
             <a:pPr lvl="4"/>
             <a:r>
-              <a:rPr kumimoji="1" lang="ja-JP" altLang="en-US"/>
+              <a:rPr lang="ja-JP" altLang="en-US"/>
               <a:t>第 </a:t>
             </a:r>
             <a:r>
-              <a:rPr kumimoji="1" lang="en-US" altLang="ja-JP"/>
+              <a:rPr lang="en-US" altLang="ja-JP"/>
               <a:t>5 </a:t>
             </a:r>
             <a:r>
-              <a:rPr kumimoji="1" lang="ja-JP" altLang="en-US"/>
+              <a:rPr lang="ja-JP" altLang="en-US"/>
               <a:t>レベル</a:t>
             </a:r>
-          </a:p>
-        </p:txBody>
-      </p:sp>
-      <p:sp>
-        <p:nvSpPr>
-          <p:cNvPr id="4" name="日付プレースホルダー 3">
-            <a:extLst>
-              <a:ext uri="{FF2B5EF4-FFF2-40B4-BE49-F238E27FC236}">
-                <a16:creationId xmlns:a16="http://schemas.microsoft.com/office/drawing/2014/main" id="{70295F89-3A91-48EB-9192-772ADF1B5864}"/>
-              </a:ext>
-            </a:extLst>
-          </p:cNvPr>
+            <a:endParaRPr lang="en-US" dirty="0"/>
+          </a:p>
+        </p:txBody>
+      </p:sp>
+      <p:sp>
+        <p:nvSpPr>
+          <p:cNvPr id="4" name="Date Placeholder 3"/>
           <p:cNvSpPr>
             <a:spLocks noGrp="1"/>
           </p:cNvSpPr>
@@ -3182,8 +2837,8 @@
         </p:nvSpPr>
         <p:spPr>
           <a:xfrm>
-            <a:off x="628650" y="6356351"/>
-            <a:ext cx="2057400" cy="365125"/>
+            <a:off x="838200" y="6356350"/>
+            <a:ext cx="2743200" cy="365125"/>
           </a:xfrm>
           <a:prstGeom prst="rect">
             <a:avLst/>
@@ -3205,7 +2860,7 @@
           <a:p>
             <a:fld id="{BCC3470B-979D-4AC3-9CEF-E2615858CE2E}" type="datetimeFigureOut">
               <a:rPr kumimoji="1" lang="ja-JP" altLang="en-US" smtClean="0"/>
-              <a:t>2017/8/31</a:t>
+              <a:t>2023/8/25</a:t>
             </a:fld>
             <a:endParaRPr kumimoji="1" lang="ja-JP" altLang="en-US"/>
           </a:p>
@@ -3213,13 +2868,7 @@
       </p:sp>
       <p:sp>
         <p:nvSpPr>
-          <p:cNvPr id="5" name="フッター プレースホルダー 4">
-            <a:extLst>
-              <a:ext uri="{FF2B5EF4-FFF2-40B4-BE49-F238E27FC236}">
-                <a16:creationId xmlns:a16="http://schemas.microsoft.com/office/drawing/2014/main" id="{E47E0B0A-84E7-454B-8F60-7C126E1EDC76}"/>
-              </a:ext>
-            </a:extLst>
-          </p:cNvPr>
+          <p:cNvPr id="5" name="Footer Placeholder 4"/>
           <p:cNvSpPr>
             <a:spLocks noGrp="1"/>
           </p:cNvSpPr>
@@ -3229,8 +2878,8 @@
         </p:nvSpPr>
         <p:spPr>
           <a:xfrm>
-            <a:off x="3028950" y="6356351"/>
-            <a:ext cx="3086100" cy="365125"/>
+            <a:off x="4038600" y="6356350"/>
+            <a:ext cx="4114800" cy="365125"/>
           </a:xfrm>
           <a:prstGeom prst="rect">
             <a:avLst/>
@@ -3256,13 +2905,7 @@
       </p:sp>
       <p:sp>
         <p:nvSpPr>
-          <p:cNvPr id="6" name="スライド番号プレースホルダー 5">
-            <a:extLst>
-              <a:ext uri="{FF2B5EF4-FFF2-40B4-BE49-F238E27FC236}">
-                <a16:creationId xmlns:a16="http://schemas.microsoft.com/office/drawing/2014/main" id="{84A3534F-9767-433C-9943-7509C1C58129}"/>
-              </a:ext>
-            </a:extLst>
-          </p:cNvPr>
+          <p:cNvPr id="6" name="Slide Number Placeholder 5"/>
           <p:cNvSpPr>
             <a:spLocks noGrp="1"/>
           </p:cNvSpPr>
@@ -3272,8 +2915,8 @@
         </p:nvSpPr>
         <p:spPr>
           <a:xfrm>
-            <a:off x="6457950" y="6356351"/>
-            <a:ext cx="2057400" cy="365125"/>
+            <a:off x="8610600" y="6356350"/>
+            <a:ext cx="2743200" cy="365125"/>
           </a:xfrm>
           <a:prstGeom prst="rect">
             <a:avLst/>
@@ -3304,23 +2947,23 @@
     </p:spTree>
     <p:extLst>
       <p:ext uri="{BB962C8B-B14F-4D97-AF65-F5344CB8AC3E}">
-        <p14:creationId xmlns:p14="http://schemas.microsoft.com/office/powerpoint/2010/main" val="554696255"/>
+        <p14:creationId xmlns:p14="http://schemas.microsoft.com/office/powerpoint/2010/main" val="1315902025"/>
       </p:ext>
     </p:extLst>
   </p:cSld>
   <p:clrMap bg1="lt1" tx1="dk1" bg2="lt2" tx2="dk2" accent1="accent1" accent2="accent2" accent3="accent3" accent4="accent4" accent5="accent5" accent6="accent6" hlink="hlink" folHlink="folHlink"/>
   <p:sldLayoutIdLst>
-    <p:sldLayoutId id="2147483649" r:id="rId1"/>
-    <p:sldLayoutId id="2147483650" r:id="rId2"/>
-    <p:sldLayoutId id="2147483651" r:id="rId3"/>
-    <p:sldLayoutId id="2147483652" r:id="rId4"/>
-    <p:sldLayoutId id="2147483653" r:id="rId5"/>
-    <p:sldLayoutId id="2147483654" r:id="rId6"/>
-    <p:sldLayoutId id="2147483655" r:id="rId7"/>
-    <p:sldLayoutId id="2147483656" r:id="rId8"/>
-    <p:sldLayoutId id="2147483657" r:id="rId9"/>
-    <p:sldLayoutId id="2147483658" r:id="rId10"/>
-    <p:sldLayoutId id="2147483659" r:id="rId11"/>
+    <p:sldLayoutId id="2147483661" r:id="rId1"/>
+    <p:sldLayoutId id="2147483662" r:id="rId2"/>
+    <p:sldLayoutId id="2147483663" r:id="rId3"/>
+    <p:sldLayoutId id="2147483664" r:id="rId4"/>
+    <p:sldLayoutId id="2147483665" r:id="rId5"/>
+    <p:sldLayoutId id="2147483666" r:id="rId6"/>
+    <p:sldLayoutId id="2147483667" r:id="rId7"/>
+    <p:sldLayoutId id="2147483668" r:id="rId8"/>
+    <p:sldLayoutId id="2147483669" r:id="rId9"/>
+    <p:sldLayoutId id="2147483670" r:id="rId10"/>
+    <p:sldLayoutId id="2147483671" r:id="rId11"/>
   </p:sldLayoutIdLst>
   <p:txStyles>
     <p:titleStyle>
@@ -3332,7 +2975,7 @@
           <a:spcPct val="0"/>
         </a:spcBef>
         <a:buNone/>
-        <a:defRPr kumimoji="1" sz="4400" kern="1200">
+        <a:defRPr sz="4400" kern="1200">
           <a:solidFill>
             <a:schemeClr val="tx1"/>
           </a:solidFill>
@@ -3352,7 +2995,7 @@
         </a:spcBef>
         <a:buFont typeface="Arial" panose="020B0604020202020204" pitchFamily="34" charset="0"/>
         <a:buChar char="•"/>
-        <a:defRPr kumimoji="1" sz="2800" kern="1200">
+        <a:defRPr sz="2800" kern="1200">
           <a:solidFill>
             <a:schemeClr val="tx1"/>
           </a:solidFill>
@@ -3370,7 +3013,7 @@
         </a:spcBef>
         <a:buFont typeface="Arial" panose="020B0604020202020204" pitchFamily="34" charset="0"/>
         <a:buChar char="•"/>
-        <a:defRPr kumimoji="1" sz="2400" kern="1200">
+        <a:defRPr sz="2400" kern="1200">
           <a:solidFill>
             <a:schemeClr val="tx1"/>
           </a:solidFill>
@@ -3388,7 +3031,7 @@
         </a:spcBef>
         <a:buFont typeface="Arial" panose="020B0604020202020204" pitchFamily="34" charset="0"/>
         <a:buChar char="•"/>
-        <a:defRPr kumimoji="1" sz="2000" kern="1200">
+        <a:defRPr sz="2000" kern="1200">
           <a:solidFill>
             <a:schemeClr val="tx1"/>
           </a:solidFill>
@@ -3406,7 +3049,7 @@
         </a:spcBef>
         <a:buFont typeface="Arial" panose="020B0604020202020204" pitchFamily="34" charset="0"/>
         <a:buChar char="•"/>
-        <a:defRPr kumimoji="1" sz="1800" kern="1200">
+        <a:defRPr sz="1800" kern="1200">
           <a:solidFill>
             <a:schemeClr val="tx1"/>
           </a:solidFill>
@@ -3424,7 +3067,7 @@
         </a:spcBef>
         <a:buFont typeface="Arial" panose="020B0604020202020204" pitchFamily="34" charset="0"/>
         <a:buChar char="•"/>
-        <a:defRPr kumimoji="1" sz="1800" kern="1200">
+        <a:defRPr sz="1800" kern="1200">
           <a:solidFill>
             <a:schemeClr val="tx1"/>
           </a:solidFill>
@@ -3442,7 +3085,7 @@
         </a:spcBef>
         <a:buFont typeface="Arial" panose="020B0604020202020204" pitchFamily="34" charset="0"/>
         <a:buChar char="•"/>
-        <a:defRPr kumimoji="1" sz="1800" kern="1200">
+        <a:defRPr sz="1800" kern="1200">
           <a:solidFill>
             <a:schemeClr val="tx1"/>
           </a:solidFill>
@@ -3460,7 +3103,7 @@
         </a:spcBef>
         <a:buFont typeface="Arial" panose="020B0604020202020204" pitchFamily="34" charset="0"/>
         <a:buChar char="•"/>
-        <a:defRPr kumimoji="1" sz="1800" kern="1200">
+        <a:defRPr sz="1800" kern="1200">
           <a:solidFill>
             <a:schemeClr val="tx1"/>
           </a:solidFill>
@@ -3478,7 +3121,7 @@
         </a:spcBef>
         <a:buFont typeface="Arial" panose="020B0604020202020204" pitchFamily="34" charset="0"/>
         <a:buChar char="•"/>
-        <a:defRPr kumimoji="1" sz="1800" kern="1200">
+        <a:defRPr sz="1800" kern="1200">
           <a:solidFill>
             <a:schemeClr val="tx1"/>
           </a:solidFill>
@@ -3496,7 +3139,7 @@
         </a:spcBef>
         <a:buFont typeface="Arial" panose="020B0604020202020204" pitchFamily="34" charset="0"/>
         <a:buChar char="•"/>
-        <a:defRPr kumimoji="1" sz="1800" kern="1200">
+        <a:defRPr sz="1800" kern="1200">
           <a:solidFill>
             <a:schemeClr val="tx1"/>
           </a:solidFill>
@@ -3508,10 +3151,10 @@
     </p:bodyStyle>
     <p:otherStyle>
       <a:defPPr>
-        <a:defRPr lang="ja-JP"/>
+        <a:defRPr lang="en-US"/>
       </a:defPPr>
       <a:lvl1pPr marL="0" algn="l" defTabSz="914400" rtl="0" eaLnBrk="1" latinLnBrk="0" hangingPunct="1">
-        <a:defRPr kumimoji="1" sz="1800" kern="1200">
+        <a:defRPr sz="1800" kern="1200">
           <a:solidFill>
             <a:schemeClr val="tx1"/>
           </a:solidFill>
@@ -3521,7 +3164,7 @@
         </a:defRPr>
       </a:lvl1pPr>
       <a:lvl2pPr marL="457200" algn="l" defTabSz="914400" rtl="0" eaLnBrk="1" latinLnBrk="0" hangingPunct="1">
-        <a:defRPr kumimoji="1" sz="1800" kern="1200">
+        <a:defRPr sz="1800" kern="1200">
           <a:solidFill>
             <a:schemeClr val="tx1"/>
           </a:solidFill>
@@ -3531,7 +3174,7 @@
         </a:defRPr>
       </a:lvl2pPr>
       <a:lvl3pPr marL="914400" algn="l" defTabSz="914400" rtl="0" eaLnBrk="1" latinLnBrk="0" hangingPunct="1">
-        <a:defRPr kumimoji="1" sz="1800" kern="1200">
+        <a:defRPr sz="1800" kern="1200">
           <a:solidFill>
             <a:schemeClr val="tx1"/>
           </a:solidFill>
@@ -3541,7 +3184,7 @@
         </a:defRPr>
       </a:lvl3pPr>
       <a:lvl4pPr marL="1371600" algn="l" defTabSz="914400" rtl="0" eaLnBrk="1" latinLnBrk="0" hangingPunct="1">
-        <a:defRPr kumimoji="1" sz="1800" kern="1200">
+        <a:defRPr sz="1800" kern="1200">
           <a:solidFill>
             <a:schemeClr val="tx1"/>
           </a:solidFill>
@@ -3551,7 +3194,7 @@
         </a:defRPr>
       </a:lvl4pPr>
       <a:lvl5pPr marL="1828800" algn="l" defTabSz="914400" rtl="0" eaLnBrk="1" latinLnBrk="0" hangingPunct="1">
-        <a:defRPr kumimoji="1" sz="1800" kern="1200">
+        <a:defRPr sz="1800" kern="1200">
           <a:solidFill>
             <a:schemeClr val="tx1"/>
           </a:solidFill>
@@ -3561,7 +3204,7 @@
         </a:defRPr>
       </a:lvl5pPr>
       <a:lvl6pPr marL="2286000" algn="l" defTabSz="914400" rtl="0" eaLnBrk="1" latinLnBrk="0" hangingPunct="1">
-        <a:defRPr kumimoji="1" sz="1800" kern="1200">
+        <a:defRPr sz="1800" kern="1200">
           <a:solidFill>
             <a:schemeClr val="tx1"/>
           </a:solidFill>
@@ -3571,7 +3214,7 @@
         </a:defRPr>
       </a:lvl6pPr>
       <a:lvl7pPr marL="2743200" algn="l" defTabSz="914400" rtl="0" eaLnBrk="1" latinLnBrk="0" hangingPunct="1">
-        <a:defRPr kumimoji="1" sz="1800" kern="1200">
+        <a:defRPr sz="1800" kern="1200">
           <a:solidFill>
             <a:schemeClr val="tx1"/>
           </a:solidFill>
@@ -3581,7 +3224,7 @@
         </a:defRPr>
       </a:lvl7pPr>
       <a:lvl8pPr marL="3200400" algn="l" defTabSz="914400" rtl="0" eaLnBrk="1" latinLnBrk="0" hangingPunct="1">
-        <a:defRPr kumimoji="1" sz="1800" kern="1200">
+        <a:defRPr sz="1800" kern="1200">
           <a:solidFill>
             <a:schemeClr val="tx1"/>
           </a:solidFill>
@@ -3591,7 +3234,7 @@
         </a:defRPr>
       </a:lvl8pPr>
       <a:lvl9pPr marL="3657600" algn="l" defTabSz="914400" rtl="0" eaLnBrk="1" latinLnBrk="0" hangingPunct="1">
-        <a:defRPr kumimoji="1" sz="1800" kern="1200">
+        <a:defRPr sz="1800" kern="1200">
           <a:solidFill>
             <a:schemeClr val="tx1"/>
           </a:solidFill>
@@ -3627,7 +3270,7 @@
           <p:cNvPr id="2" name="タイトル 1">
             <a:extLst>
               <a:ext uri="{FF2B5EF4-FFF2-40B4-BE49-F238E27FC236}">
-                <a16:creationId xmlns:a16="http://schemas.microsoft.com/office/drawing/2014/main" id="{5AB942C8-070B-41E8-9114-9C7CD1CCFE81}"/>
+                <a16:creationId xmlns:a16="http://schemas.microsoft.com/office/drawing/2014/main" id="{F9A1451B-504E-4EAC-B7E4-07A4B7A2A9F5}"/>
               </a:ext>
             </a:extLst>
           </p:cNvPr>
@@ -3638,7 +3281,12 @@
             <p:ph type="title"/>
           </p:nvPr>
         </p:nvSpPr>
-        <p:spPr/>
+        <p:spPr>
+          <a:xfrm>
+            <a:off x="384657" y="347011"/>
+            <a:ext cx="10515600" cy="829494"/>
+          </a:xfrm>
+        </p:spPr>
         <p:txBody>
           <a:bodyPr>
             <a:normAutofit/>
@@ -3646,7 +3294,7 @@
           <a:lstStyle/>
           <a:p>
             <a:r>
-              <a:rPr lang="en-US" altLang="ja-JP">
+              <a:rPr lang="en-US" altLang="ja-JP" sz="4000" dirty="0">
                 <a:solidFill>
                   <a:schemeClr val="accent1"/>
                 </a:solidFill>
@@ -3656,7 +3304,7 @@
               <a:t>14.</a:t>
             </a:r>
             <a:r>
-              <a:rPr lang="ja-JP" altLang="en-US">
+              <a:rPr lang="ja-JP" altLang="en-US" sz="4000" dirty="0">
                 <a:solidFill>
                   <a:schemeClr val="accent1"/>
                 </a:solidFill>
@@ -3665,65 +3313,224 @@
               </a:rPr>
               <a:t> おわりに</a:t>
             </a:r>
-            <a:endParaRPr kumimoji="1" lang="ja-JP" altLang="en-US">
-              <a:solidFill>
-                <a:schemeClr val="accent1"/>
-              </a:solidFill>
+          </a:p>
+        </p:txBody>
+      </p:sp>
+      <p:sp>
+        <p:nvSpPr>
+          <p:cNvPr id="5" name="テキスト ボックス 4">
+            <a:extLst>
+              <a:ext uri="{FF2B5EF4-FFF2-40B4-BE49-F238E27FC236}">
+                <a16:creationId xmlns:a16="http://schemas.microsoft.com/office/drawing/2014/main" id="{E979BD5E-4176-A88C-DBED-0029D8B05292}"/>
+              </a:ext>
+            </a:extLst>
+          </p:cNvPr>
+          <p:cNvSpPr txBox="1"/>
+          <p:nvPr/>
+        </p:nvSpPr>
+        <p:spPr>
+          <a:xfrm>
+            <a:off x="7453506" y="5211575"/>
+            <a:ext cx="4559053" cy="1077218"/>
+          </a:xfrm>
+          <a:prstGeom prst="rect">
+            <a:avLst/>
+          </a:prstGeom>
+          <a:noFill/>
+        </p:spPr>
+        <p:txBody>
+          <a:bodyPr wrap="square" rtlCol="0">
+            <a:spAutoFit/>
+          </a:bodyPr>
+          <a:lstStyle/>
+          <a:p>
+            <a:pPr marL="285750" indent="-285750">
+              <a:spcBef>
+                <a:spcPts val="600"/>
+              </a:spcBef>
+              <a:buFont typeface="Arial" panose="020B0604020202020204" pitchFamily="34" charset="0"/>
+              <a:buChar char="•"/>
+            </a:pPr>
+            <a:r>
+              <a:rPr lang="ja-JP" altLang="en-US" dirty="0"/>
+              <a:t>荒木雅弘</a:t>
+            </a:r>
+            <a:r>
+              <a:rPr lang="en-US" altLang="ja-JP" dirty="0"/>
+              <a:t> :『</a:t>
+            </a:r>
+            <a:r>
+              <a:rPr lang="ja-JP" altLang="en-US" dirty="0"/>
+              <a:t>イラストで学ぶ音声認識</a:t>
+            </a:r>
+            <a:r>
+              <a:rPr lang="en-US" altLang="ja-JP" dirty="0"/>
+              <a:t>』</a:t>
+            </a:r>
+          </a:p>
+          <a:p>
+            <a:pPr>
+              <a:spcBef>
+                <a:spcPts val="600"/>
+              </a:spcBef>
+            </a:pPr>
+            <a:r>
+              <a:rPr lang="ja-JP" altLang="en-US" dirty="0"/>
+              <a:t>　（講談社</a:t>
+            </a:r>
+            <a:r>
+              <a:rPr lang="en-US" altLang="ja-JP" dirty="0"/>
+              <a:t>,</a:t>
+            </a:r>
+            <a:r>
+              <a:rPr lang="ja-JP" altLang="en-US" dirty="0"/>
+              <a:t> </a:t>
+            </a:r>
+            <a:r>
+              <a:rPr lang="en-US" altLang="ja-JP" dirty="0"/>
+              <a:t>2015</a:t>
+            </a:r>
+            <a:r>
+              <a:rPr lang="ja-JP" altLang="en-US" dirty="0"/>
+              <a:t>年）</a:t>
+            </a:r>
+            <a:endParaRPr lang="en-US" altLang="ja-JP" dirty="0"/>
+          </a:p>
+          <a:p>
+            <a:pPr marL="285750" indent="-285750">
+              <a:spcBef>
+                <a:spcPts val="600"/>
+              </a:spcBef>
+              <a:buFont typeface="Arial" panose="020B0604020202020204" pitchFamily="34" charset="0"/>
+              <a:buChar char="•"/>
+            </a:pPr>
+            <a:r>
+              <a:rPr lang="ja-JP" altLang="en-US" dirty="0">
+                <a:hlinkClick r:id="rId2"/>
+              </a:rPr>
+              <a:t>サポートページ</a:t>
+            </a:r>
+            <a:endParaRPr lang="en-US" dirty="0"/>
+          </a:p>
+        </p:txBody>
+      </p:sp>
+      <p:pic>
+        <p:nvPicPr>
+          <p:cNvPr id="3" name="図 2">
+            <a:extLst>
+              <a:ext uri="{FF2B5EF4-FFF2-40B4-BE49-F238E27FC236}">
+                <a16:creationId xmlns:a16="http://schemas.microsoft.com/office/drawing/2014/main" id="{F7698FEA-6294-08A1-296D-5D1B60E2FCC4}"/>
+              </a:ext>
+            </a:extLst>
+          </p:cNvPr>
+          <p:cNvPicPr>
+            <a:picLocks noChangeAspect="1"/>
+          </p:cNvPicPr>
+          <p:nvPr/>
+        </p:nvPicPr>
+        <p:blipFill>
+          <a:blip r:embed="rId3">
+            <a:extLst>
+              <a:ext uri="{28A0092B-C50C-407E-A947-70E740481C1C}">
+                <a14:useLocalDpi xmlns:a14="http://schemas.microsoft.com/office/drawing/2010/main" val="0"/>
+              </a:ext>
+            </a:extLst>
+          </a:blip>
+          <a:stretch>
+            <a:fillRect/>
+          </a:stretch>
+        </p:blipFill>
+        <p:spPr>
+          <a:xfrm>
+            <a:off x="8366615" y="1053081"/>
+            <a:ext cx="2725188" cy="3867171"/>
+          </a:xfrm>
+          <a:prstGeom prst="rect">
+            <a:avLst/>
+          </a:prstGeom>
+        </p:spPr>
+      </p:pic>
+      <p:sp>
+        <p:nvSpPr>
+          <p:cNvPr id="7" name="コンテンツ プレースホルダー 2">
+            <a:extLst>
+              <a:ext uri="{FF2B5EF4-FFF2-40B4-BE49-F238E27FC236}">
+                <a16:creationId xmlns:a16="http://schemas.microsoft.com/office/drawing/2014/main" id="{1BBBF547-AFA4-E491-EC8F-36D566715F6A}"/>
+              </a:ext>
+            </a:extLst>
+          </p:cNvPr>
+          <p:cNvSpPr>
+            <a:spLocks noGrp="1"/>
+          </p:cNvSpPr>
+          <p:nvPr>
+            <p:ph idx="1"/>
+          </p:nvPr>
+        </p:nvSpPr>
+        <p:spPr>
+          <a:xfrm>
+            <a:off x="465124" y="4569123"/>
+            <a:ext cx="6934427" cy="1648798"/>
+          </a:xfrm>
+        </p:spPr>
+        <p:txBody>
+          <a:bodyPr>
+            <a:noAutofit/>
+          </a:bodyPr>
+          <a:lstStyle/>
+          <a:p>
+            <a:pPr marL="0" indent="0">
+              <a:buNone/>
+            </a:pPr>
+            <a:r>
+              <a:rPr kumimoji="1" lang="en-US" altLang="ja-JP" sz="2000" dirty="0">
+                <a:latin typeface="メイリオ" panose="020B0604030504040204" pitchFamily="50" charset="-128"/>
+                <a:ea typeface="メイリオ" panose="020B0604030504040204" pitchFamily="50" charset="-128"/>
+              </a:rPr>
+              <a:t>14.1 </a:t>
+            </a:r>
+            <a:r>
+              <a:rPr kumimoji="1" lang="ja-JP" altLang="en-US" sz="2000" dirty="0">
+                <a:latin typeface="メイリオ" panose="020B0604030504040204" pitchFamily="50" charset="-128"/>
+                <a:ea typeface="メイリオ" panose="020B0604030504040204" pitchFamily="50" charset="-128"/>
+              </a:rPr>
+              <a:t>音声分析ツール </a:t>
+            </a:r>
+            <a:r>
+              <a:rPr kumimoji="1" lang="en-US" altLang="ja-JP" sz="2000" dirty="0" err="1">
+                <a:latin typeface="メイリオ" panose="020B0604030504040204" pitchFamily="50" charset="-128"/>
+                <a:ea typeface="メイリオ" panose="020B0604030504040204" pitchFamily="50" charset="-128"/>
+              </a:rPr>
+              <a:t>wavesurfer</a:t>
+            </a:r>
+            <a:endParaRPr kumimoji="1" lang="en-US" altLang="ja-JP" sz="2000" dirty="0">
               <a:latin typeface="メイリオ" panose="020B0604030504040204" pitchFamily="50" charset="-128"/>
               <a:ea typeface="メイリオ" panose="020B0604030504040204" pitchFamily="50" charset="-128"/>
             </a:endParaRPr>
           </a:p>
-        </p:txBody>
-      </p:sp>
-      <p:sp>
-        <p:nvSpPr>
-          <p:cNvPr id="3" name="コンテンツ プレースホルダー 2">
-            <a:extLst>
-              <a:ext uri="{FF2B5EF4-FFF2-40B4-BE49-F238E27FC236}">
-                <a16:creationId xmlns:a16="http://schemas.microsoft.com/office/drawing/2014/main" id="{C0D176AB-4944-45AF-9216-C95D26E290EE}"/>
-              </a:ext>
-            </a:extLst>
-          </p:cNvPr>
-          <p:cNvSpPr>
-            <a:spLocks noGrp="1"/>
-          </p:cNvSpPr>
-          <p:nvPr>
-            <p:ph idx="1"/>
-          </p:nvPr>
-        </p:nvSpPr>
-        <p:spPr>
-          <a:xfrm>
-            <a:off x="628650" y="1825625"/>
-            <a:ext cx="7886700" cy="4351338"/>
-          </a:xfrm>
-        </p:spPr>
-        <p:txBody>
-          <a:bodyPr/>
-          <a:lstStyle/>
           <a:p>
             <a:pPr marL="0" indent="0">
               <a:buNone/>
             </a:pPr>
             <a:r>
-              <a:rPr kumimoji="1" lang="en-US" altLang="ja-JP">
-                <a:latin typeface="メイリオ" panose="020B0604030504040204" pitchFamily="50" charset="-128"/>
-                <a:ea typeface="メイリオ" panose="020B0604030504040204" pitchFamily="50" charset="-128"/>
-              </a:rPr>
-              <a:t>14.1 </a:t>
-            </a:r>
-            <a:r>
-              <a:rPr kumimoji="1" lang="ja-JP" altLang="en-US">
-                <a:latin typeface="メイリオ" panose="020B0604030504040204" pitchFamily="50" charset="-128"/>
-                <a:ea typeface="メイリオ" panose="020B0604030504040204" pitchFamily="50" charset="-128"/>
-              </a:rPr>
-              <a:t>音声分析ツール</a:t>
-            </a:r>
-            <a:r>
-              <a:rPr kumimoji="1" lang="en-US" altLang="ja-JP">
-                <a:latin typeface="メイリオ" panose="020B0604030504040204" pitchFamily="50" charset="-128"/>
-                <a:ea typeface="メイリオ" panose="020B0604030504040204" pitchFamily="50" charset="-128"/>
-              </a:rPr>
-              <a:t>wavesurfer</a:t>
+              <a:rPr kumimoji="1" lang="en-US" altLang="ja-JP" sz="2000" dirty="0">
+                <a:latin typeface="メイリオ" panose="020B0604030504040204" pitchFamily="50" charset="-128"/>
+                <a:ea typeface="メイリオ" panose="020B0604030504040204" pitchFamily="50" charset="-128"/>
+              </a:rPr>
+              <a:t>14.2 HMM </a:t>
+            </a:r>
+            <a:r>
+              <a:rPr kumimoji="1" lang="ja-JP" altLang="en-US" sz="2000" dirty="0">
+                <a:latin typeface="メイリオ" panose="020B0604030504040204" pitchFamily="50" charset="-128"/>
+                <a:ea typeface="メイリオ" panose="020B0604030504040204" pitchFamily="50" charset="-128"/>
+              </a:rPr>
+              <a:t>作成ツール </a:t>
+            </a:r>
+            <a:r>
+              <a:rPr kumimoji="1" lang="en-US" altLang="ja-JP" sz="2000" dirty="0">
+                <a:latin typeface="メイリオ" panose="020B0604030504040204" pitchFamily="50" charset="-128"/>
+                <a:ea typeface="メイリオ" panose="020B0604030504040204" pitchFamily="50" charset="-128"/>
+              </a:rPr>
+              <a:t>HTK</a:t>
             </a:r>
           </a:p>
           <a:p>
@@ -3731,25 +3538,25 @@
               <a:buNone/>
             </a:pPr>
             <a:r>
-              <a:rPr kumimoji="1" lang="en-US" altLang="ja-JP">
-                <a:latin typeface="メイリオ" panose="020B0604030504040204" pitchFamily="50" charset="-128"/>
-                <a:ea typeface="メイリオ" panose="020B0604030504040204" pitchFamily="50" charset="-128"/>
-              </a:rPr>
-              <a:t>14.2 HMM </a:t>
-            </a:r>
-            <a:r>
-              <a:rPr kumimoji="1" lang="ja-JP" altLang="en-US">
-                <a:latin typeface="メイリオ" panose="020B0604030504040204" pitchFamily="50" charset="-128"/>
-                <a:ea typeface="メイリオ" panose="020B0604030504040204" pitchFamily="50" charset="-128"/>
-              </a:rPr>
-              <a:t>作成ツール</a:t>
-            </a:r>
-            <a:r>
-              <a:rPr kumimoji="1" lang="en-US" altLang="ja-JP">
-                <a:latin typeface="メイリオ" panose="020B0604030504040204" pitchFamily="50" charset="-128"/>
-                <a:ea typeface="メイリオ" panose="020B0604030504040204" pitchFamily="50" charset="-128"/>
-              </a:rPr>
-              <a:t>HTK</a:t>
+              <a:rPr kumimoji="1" lang="en-US" altLang="ja-JP" sz="2000" dirty="0">
+                <a:latin typeface="メイリオ" panose="020B0604030504040204" pitchFamily="50" charset="-128"/>
+                <a:ea typeface="メイリオ" panose="020B0604030504040204" pitchFamily="50" charset="-128"/>
+              </a:rPr>
+              <a:t>14.3 </a:t>
+            </a:r>
+            <a:r>
+              <a:rPr kumimoji="1" lang="ja-JP" altLang="en-US" sz="2000" dirty="0">
+                <a:latin typeface="メイリオ" panose="020B0604030504040204" pitchFamily="50" charset="-128"/>
+                <a:ea typeface="メイリオ" panose="020B0604030504040204" pitchFamily="50" charset="-128"/>
+              </a:rPr>
+              <a:t>大語彙連続音声認識エンジン </a:t>
+            </a:r>
+            <a:r>
+              <a:rPr kumimoji="1" lang="en-US" altLang="ja-JP" sz="2000" dirty="0">
+                <a:latin typeface="メイリオ" panose="020B0604030504040204" pitchFamily="50" charset="-128"/>
+                <a:ea typeface="メイリオ" panose="020B0604030504040204" pitchFamily="50" charset="-128"/>
+              </a:rPr>
+              <a:t>Julius</a:t>
             </a:r>
           </a:p>
           <a:p>
@@ -3757,72 +3564,37 @@
               <a:buNone/>
             </a:pPr>
             <a:r>
-              <a:rPr kumimoji="1" lang="en-US" altLang="ja-JP">
-                <a:latin typeface="メイリオ" panose="020B0604030504040204" pitchFamily="50" charset="-128"/>
-                <a:ea typeface="メイリオ" panose="020B0604030504040204" pitchFamily="50" charset="-128"/>
-              </a:rPr>
-              <a:t>14.3 </a:t>
-            </a:r>
-            <a:r>
-              <a:rPr kumimoji="1" lang="ja-JP" altLang="en-US">
-                <a:latin typeface="メイリオ" panose="020B0604030504040204" pitchFamily="50" charset="-128"/>
-                <a:ea typeface="メイリオ" panose="020B0604030504040204" pitchFamily="50" charset="-128"/>
-              </a:rPr>
-              <a:t>大語彙連続音声認識エンジン</a:t>
-            </a:r>
-            <a:r>
-              <a:rPr kumimoji="1" lang="en-US" altLang="ja-JP">
-                <a:latin typeface="メイリオ" panose="020B0604030504040204" pitchFamily="50" charset="-128"/>
-                <a:ea typeface="メイリオ" panose="020B0604030504040204" pitchFamily="50" charset="-128"/>
-              </a:rPr>
-              <a:t>Julius</a:t>
-            </a:r>
-          </a:p>
-          <a:p>
-            <a:pPr marL="0" indent="0">
-              <a:buNone/>
-            </a:pPr>
-            <a:r>
-              <a:rPr kumimoji="1" lang="en-US" altLang="ja-JP">
+              <a:rPr kumimoji="1" lang="en-US" altLang="ja-JP" sz="2000" dirty="0">
                 <a:latin typeface="メイリオ" panose="020B0604030504040204" pitchFamily="50" charset="-128"/>
                 <a:ea typeface="メイリオ" panose="020B0604030504040204" pitchFamily="50" charset="-128"/>
               </a:rPr>
               <a:t>14.4 </a:t>
             </a:r>
             <a:r>
-              <a:rPr kumimoji="1" lang="ja-JP" altLang="en-US">
-                <a:latin typeface="メイリオ" panose="020B0604030504040204" pitchFamily="50" charset="-128"/>
-                <a:ea typeface="メイリオ" panose="020B0604030504040204" pitchFamily="50" charset="-128"/>
-              </a:rPr>
-              <a:t>バーチャルエージェント対話ツール</a:t>
-            </a:r>
-            <a:br>
-              <a:rPr lang="en-US" altLang="ja-JP">
-                <a:latin typeface="メイリオ" panose="020B0604030504040204" pitchFamily="50" charset="-128"/>
-                <a:ea typeface="メイリオ" panose="020B0604030504040204" pitchFamily="50" charset="-128"/>
-              </a:rPr>
-            </a:br>
-            <a:r>
-              <a:rPr lang="en-US" altLang="ja-JP">
-                <a:latin typeface="メイリオ" panose="020B0604030504040204" pitchFamily="50" charset="-128"/>
-                <a:ea typeface="メイリオ" panose="020B0604030504040204" pitchFamily="50" charset="-128"/>
-              </a:rPr>
-              <a:t>        </a:t>
-            </a:r>
-            <a:r>
-              <a:rPr kumimoji="1" lang="en-US" altLang="ja-JP">
+              <a:rPr kumimoji="1" lang="ja-JP" altLang="en-US" sz="2000" dirty="0">
+                <a:latin typeface="メイリオ" panose="020B0604030504040204" pitchFamily="50" charset="-128"/>
+                <a:ea typeface="メイリオ" panose="020B0604030504040204" pitchFamily="50" charset="-128"/>
+              </a:rPr>
+              <a:t>バーチャルエージェント対話ツール </a:t>
+            </a:r>
+            <a:r>
+              <a:rPr kumimoji="1" lang="en-US" altLang="ja-JP" sz="2000" dirty="0" err="1">
                 <a:latin typeface="メイリオ" panose="020B0604030504040204" pitchFamily="50" charset="-128"/>
                 <a:ea typeface="メイリオ" panose="020B0604030504040204" pitchFamily="50" charset="-128"/>
               </a:rPr>
               <a:t>MMDAgent</a:t>
             </a:r>
+            <a:endParaRPr kumimoji="1" lang="en-US" altLang="ja-JP" sz="2000" dirty="0">
+              <a:latin typeface="メイリオ" panose="020B0604030504040204" pitchFamily="50" charset="-128"/>
+              <a:ea typeface="メイリオ" panose="020B0604030504040204" pitchFamily="50" charset="-128"/>
+            </a:endParaRPr>
           </a:p>
         </p:txBody>
       </p:sp>
     </p:spTree>
     <p:extLst>
       <p:ext uri="{BB962C8B-B14F-4D97-AF65-F5344CB8AC3E}">
-        <p14:creationId xmlns:p14="http://schemas.microsoft.com/office/powerpoint/2010/main" val="53679052"/>
+        <p14:creationId xmlns:p14="http://schemas.microsoft.com/office/powerpoint/2010/main" val="144594472"/>
       </p:ext>
     </p:extLst>
   </p:cSld>
@@ -3867,8 +3639,8 @@
         </p:nvSpPr>
         <p:spPr>
           <a:xfrm>
-            <a:off x="472190" y="365126"/>
-            <a:ext cx="8043160" cy="1325563"/>
+            <a:off x="386846" y="416333"/>
+            <a:ext cx="8043160" cy="790675"/>
           </a:xfrm>
         </p:spPr>
         <p:txBody>
@@ -3878,7 +3650,7 @@
           <a:lstStyle/>
           <a:p>
             <a:r>
-              <a:rPr lang="en-US" altLang="ja-JP" sz="4000">
+              <a:rPr lang="en-US" altLang="ja-JP" sz="4000" dirty="0">
                 <a:solidFill>
                   <a:schemeClr val="accent1"/>
                 </a:solidFill>
@@ -3888,7 +3660,7 @@
               <a:t>14.1 </a:t>
             </a:r>
             <a:r>
-              <a:rPr lang="ja-JP" altLang="en-US" sz="4000">
+              <a:rPr lang="ja-JP" altLang="en-US" sz="4000" dirty="0">
                 <a:solidFill>
                   <a:schemeClr val="accent1"/>
                 </a:solidFill>
@@ -3898,7 +3670,7 @@
               <a:t>音声分析ツール </a:t>
             </a:r>
             <a:r>
-              <a:rPr lang="en-US" altLang="ja-JP" sz="4000">
+              <a:rPr lang="en-US" altLang="ja-JP" sz="4000" dirty="0" err="1">
                 <a:solidFill>
                   <a:schemeClr val="accent1"/>
                 </a:solidFill>
@@ -3907,7 +3679,7 @@
               </a:rPr>
               <a:t>wavesurfer</a:t>
             </a:r>
-            <a:endParaRPr kumimoji="1" lang="ja-JP" altLang="en-US" sz="4000">
+            <a:endParaRPr lang="ja-JP" altLang="en-US" sz="4000" dirty="0">
               <a:solidFill>
                 <a:schemeClr val="accent1"/>
               </a:solidFill>
@@ -3933,19 +3705,24 @@
             <p:ph idx="1"/>
           </p:nvPr>
         </p:nvSpPr>
-        <p:spPr/>
+        <p:spPr>
+          <a:xfrm>
+            <a:off x="560222" y="1415973"/>
+            <a:ext cx="10515600" cy="4351338"/>
+          </a:xfrm>
+        </p:spPr>
         <p:txBody>
           <a:bodyPr/>
           <a:lstStyle/>
           <a:p>
             <a:r>
-              <a:rPr lang="ja-JP" altLang="en-US">
+              <a:rPr lang="ja-JP" altLang="en-US" dirty="0">
                 <a:latin typeface="メイリオ" panose="020B0604030504040204" pitchFamily="50" charset="-128"/>
                 <a:ea typeface="メイリオ" panose="020B0604030504040204" pitchFamily="50" charset="-128"/>
               </a:rPr>
               <a:t>ダウンロードサイト</a:t>
             </a:r>
-            <a:endParaRPr lang="en-US" altLang="ja-JP">
+            <a:endParaRPr lang="en-US" altLang="ja-JP" dirty="0">
               <a:latin typeface="メイリオ" panose="020B0604030504040204" pitchFamily="50" charset="-128"/>
               <a:ea typeface="メイリオ" panose="020B0604030504040204" pitchFamily="50" charset="-128"/>
             </a:endParaRPr>
@@ -3955,46 +3732,46 @@
               <a:buNone/>
             </a:pPr>
             <a:r>
-              <a:rPr lang="en-US" altLang="ja-JP" sz="2400">
+              <a:rPr lang="en-US" altLang="ja-JP" sz="2400" dirty="0">
                 <a:latin typeface="メイリオ" panose="020B0604030504040204" pitchFamily="50" charset="-128"/>
                 <a:ea typeface="メイリオ" panose="020B0604030504040204" pitchFamily="50" charset="-128"/>
               </a:rPr>
               <a:t>https://sourceforge.net/projects/wavesurfer/</a:t>
             </a:r>
-            <a:endParaRPr kumimoji="1" lang="en-US" altLang="ja-JP">
+            <a:endParaRPr kumimoji="1" lang="en-US" altLang="ja-JP" dirty="0">
               <a:latin typeface="メイリオ" panose="020B0604030504040204" pitchFamily="50" charset="-128"/>
               <a:ea typeface="メイリオ" panose="020B0604030504040204" pitchFamily="50" charset="-128"/>
             </a:endParaRPr>
           </a:p>
           <a:p>
             <a:r>
-              <a:rPr kumimoji="1" lang="ja-JP" altLang="en-US">
+              <a:rPr kumimoji="1" lang="ja-JP" altLang="en-US" dirty="0">
                 <a:latin typeface="メイリオ" panose="020B0604030504040204" pitchFamily="50" charset="-128"/>
                 <a:ea typeface="メイリオ" panose="020B0604030504040204" pitchFamily="50" charset="-128"/>
               </a:rPr>
               <a:t>音声の録音・再生・分析を行うツール</a:t>
             </a:r>
-            <a:endParaRPr kumimoji="1" lang="en-US" altLang="ja-JP">
+            <a:endParaRPr kumimoji="1" lang="en-US" altLang="ja-JP" dirty="0">
               <a:latin typeface="メイリオ" panose="020B0604030504040204" pitchFamily="50" charset="-128"/>
               <a:ea typeface="メイリオ" panose="020B0604030504040204" pitchFamily="50" charset="-128"/>
             </a:endParaRPr>
           </a:p>
           <a:p>
             <a:r>
-              <a:rPr kumimoji="1" lang="ja-JP" altLang="en-US">
+              <a:rPr kumimoji="1" lang="ja-JP" altLang="en-US" dirty="0">
                 <a:latin typeface="メイリオ" panose="020B0604030504040204" pitchFamily="50" charset="-128"/>
                 <a:ea typeface="メイリオ" panose="020B0604030504040204" pitchFamily="50" charset="-128"/>
               </a:rPr>
               <a:t>音声波形・スペクトログラム・基本周波数などを表示することができる</a:t>
             </a:r>
-            <a:endParaRPr kumimoji="1" lang="en-US" altLang="ja-JP">
+            <a:endParaRPr kumimoji="1" lang="en-US" altLang="ja-JP" dirty="0">
               <a:latin typeface="メイリオ" panose="020B0604030504040204" pitchFamily="50" charset="-128"/>
               <a:ea typeface="メイリオ" panose="020B0604030504040204" pitchFamily="50" charset="-128"/>
             </a:endParaRPr>
           </a:p>
           <a:p>
             <a:r>
-              <a:rPr kumimoji="1" lang="ja-JP" altLang="en-US">
+              <a:rPr kumimoji="1" lang="ja-JP" altLang="en-US" dirty="0">
                 <a:latin typeface="メイリオ" panose="020B0604030504040204" pitchFamily="50" charset="-128"/>
                 <a:ea typeface="メイリオ" panose="020B0604030504040204" pitchFamily="50" charset="-128"/>
               </a:rPr>
@@ -4114,8 +3891,8 @@
         </p:nvSpPr>
         <p:spPr>
           <a:xfrm>
-            <a:off x="628649" y="1551482"/>
-            <a:ext cx="8148092" cy="4811843"/>
+            <a:off x="1111910" y="1551483"/>
+            <a:ext cx="9809684" cy="4811843"/>
           </a:xfrm>
         </p:spPr>
         <p:txBody>
@@ -4125,13 +3902,13 @@
           <a:lstStyle/>
           <a:p>
             <a:r>
-              <a:rPr lang="ja-JP" altLang="en-US">
+              <a:rPr lang="ja-JP" altLang="en-US" dirty="0">
                 <a:latin typeface="メイリオ" panose="020B0604030504040204" pitchFamily="50" charset="-128"/>
                 <a:ea typeface="メイリオ" panose="020B0604030504040204" pitchFamily="50" charset="-128"/>
               </a:rPr>
               <a:t>ダウンロードサイト</a:t>
             </a:r>
-            <a:endParaRPr lang="en-US" altLang="ja-JP">
+            <a:endParaRPr lang="en-US" altLang="ja-JP" dirty="0">
               <a:latin typeface="メイリオ" panose="020B0604030504040204" pitchFamily="50" charset="-128"/>
               <a:ea typeface="メイリオ" panose="020B0604030504040204" pitchFamily="50" charset="-128"/>
             </a:endParaRPr>
@@ -4141,41 +3918,41 @@
               <a:buNone/>
             </a:pPr>
             <a:r>
-              <a:rPr lang="en-US" altLang="ja-JP">
+              <a:rPr lang="en-US" altLang="ja-JP" dirty="0">
                 <a:latin typeface="メイリオ" panose="020B0604030504040204" pitchFamily="50" charset="-128"/>
                 <a:ea typeface="メイリオ" panose="020B0604030504040204" pitchFamily="50" charset="-128"/>
                 <a:hlinkClick r:id="rId2"/>
               </a:rPr>
               <a:t>http://htk.eng.cam.ac.uk/</a:t>
             </a:r>
-            <a:endParaRPr lang="en-US" altLang="ja-JP">
+            <a:endParaRPr lang="en-US" altLang="ja-JP" dirty="0">
               <a:latin typeface="メイリオ" panose="020B0604030504040204" pitchFamily="50" charset="-128"/>
               <a:ea typeface="メイリオ" panose="020B0604030504040204" pitchFamily="50" charset="-128"/>
             </a:endParaRPr>
           </a:p>
           <a:p>
             <a:r>
-              <a:rPr kumimoji="1" lang="ja-JP" altLang="en-US">
+              <a:rPr kumimoji="1" lang="ja-JP" altLang="en-US" dirty="0">
                 <a:latin typeface="メイリオ" panose="020B0604030504040204" pitchFamily="50" charset="-128"/>
                 <a:ea typeface="メイリオ" panose="020B0604030504040204" pitchFamily="50" charset="-128"/>
               </a:rPr>
               <a:t>音声認識用の</a:t>
             </a:r>
             <a:r>
-              <a:rPr kumimoji="1" lang="en-US" altLang="ja-JP">
+              <a:rPr kumimoji="1" lang="en-US" altLang="ja-JP" dirty="0">
                 <a:latin typeface="メイリオ" panose="020B0604030504040204" pitchFamily="50" charset="-128"/>
                 <a:ea typeface="メイリオ" panose="020B0604030504040204" pitchFamily="50" charset="-128"/>
               </a:rPr>
               <a:t>HMM</a:t>
             </a:r>
             <a:r>
-              <a:rPr kumimoji="1" lang="ja-JP" altLang="en-US">
+              <a:rPr kumimoji="1" lang="ja-JP" altLang="en-US" dirty="0">
                 <a:latin typeface="メイリオ" panose="020B0604030504040204" pitchFamily="50" charset="-128"/>
                 <a:ea typeface="メイリオ" panose="020B0604030504040204" pitchFamily="50" charset="-128"/>
               </a:rPr>
               <a:t>を作成し、評価するまでの一連のツール群</a:t>
             </a:r>
-            <a:endParaRPr kumimoji="1" lang="en-US" altLang="ja-JP">
+            <a:endParaRPr kumimoji="1" lang="en-US" altLang="ja-JP" dirty="0">
               <a:latin typeface="メイリオ" panose="020B0604030504040204" pitchFamily="50" charset="-128"/>
               <a:ea typeface="メイリオ" panose="020B0604030504040204" pitchFamily="50" charset="-128"/>
             </a:endParaRPr>
@@ -4183,20 +3960,27 @@
           <a:p>
             <a:pPr lvl="1"/>
             <a:r>
-              <a:rPr lang="en-US" altLang="ja-JP">
-                <a:latin typeface="メイリオ" panose="020B0604030504040204" pitchFamily="50" charset="-128"/>
-                <a:ea typeface="メイリオ" panose="020B0604030504040204" pitchFamily="50" charset="-128"/>
-              </a:rPr>
-              <a:t>HSLab: </a:t>
-            </a:r>
-            <a:r>
-              <a:rPr lang="ja-JP" altLang="en-US">
+              <a:rPr lang="en-US" altLang="ja-JP" dirty="0" err="1">
+                <a:latin typeface="メイリオ" panose="020B0604030504040204" pitchFamily="50" charset="-128"/>
+                <a:ea typeface="メイリオ" panose="020B0604030504040204" pitchFamily="50" charset="-128"/>
+              </a:rPr>
+              <a:t>HSLab</a:t>
+            </a:r>
+            <a:r>
+              <a:rPr lang="en-US" altLang="ja-JP" dirty="0">
+                <a:latin typeface="メイリオ" panose="020B0604030504040204" pitchFamily="50" charset="-128"/>
+                <a:ea typeface="メイリオ" panose="020B0604030504040204" pitchFamily="50" charset="-128"/>
+              </a:rPr>
+              <a:t>: </a:t>
+            </a:r>
+            <a:r>
+              <a:rPr lang="ja-JP" altLang="en-US" dirty="0">
                 <a:latin typeface="メイリオ" panose="020B0604030504040204" pitchFamily="50" charset="-128"/>
                 <a:ea typeface="メイリオ" panose="020B0604030504040204" pitchFamily="50" charset="-128"/>
               </a:rPr>
               <a:t>音声収録・ラベル付けツール</a:t>
             </a:r>
-            <a:endParaRPr lang="en-US" altLang="ja-JP">
+            <a:endParaRPr lang="en-US" altLang="ja-JP" dirty="0">
               <a:latin typeface="メイリオ" panose="020B0604030504040204" pitchFamily="50" charset="-128"/>
               <a:ea typeface="メイリオ" panose="020B0604030504040204" pitchFamily="50" charset="-128"/>
             </a:endParaRPr>
@@ -4204,20 +3988,27 @@
           <a:p>
             <a:pPr lvl="1"/>
             <a:r>
-              <a:rPr kumimoji="1" lang="en-US" altLang="ja-JP">
-                <a:latin typeface="メイリオ" panose="020B0604030504040204" pitchFamily="50" charset="-128"/>
-                <a:ea typeface="メイリオ" panose="020B0604030504040204" pitchFamily="50" charset="-128"/>
-              </a:rPr>
-              <a:t>HCopy: MFCC</a:t>
-            </a:r>
-            <a:r>
-              <a:rPr kumimoji="1" lang="ja-JP" altLang="en-US">
+              <a:rPr kumimoji="1" lang="en-US" altLang="ja-JP" dirty="0" err="1">
+                <a:latin typeface="メイリオ" panose="020B0604030504040204" pitchFamily="50" charset="-128"/>
+                <a:ea typeface="メイリオ" panose="020B0604030504040204" pitchFamily="50" charset="-128"/>
+              </a:rPr>
+              <a:t>HCopy</a:t>
+            </a:r>
+            <a:r>
+              <a:rPr kumimoji="1" lang="en-US" altLang="ja-JP" dirty="0">
+                <a:latin typeface="メイリオ" panose="020B0604030504040204" pitchFamily="50" charset="-128"/>
+                <a:ea typeface="メイリオ" panose="020B0604030504040204" pitchFamily="50" charset="-128"/>
+              </a:rPr>
+              <a:t>: MFCC</a:t>
+            </a:r>
+            <a:r>
+              <a:rPr kumimoji="1" lang="ja-JP" altLang="en-US" dirty="0">
                 <a:latin typeface="メイリオ" panose="020B0604030504040204" pitchFamily="50" charset="-128"/>
                 <a:ea typeface="メイリオ" panose="020B0604030504040204" pitchFamily="50" charset="-128"/>
               </a:rPr>
               <a:t>などの特徴量計算</a:t>
             </a:r>
-            <a:endParaRPr kumimoji="1" lang="en-US" altLang="ja-JP">
+            <a:endParaRPr kumimoji="1" lang="en-US" altLang="ja-JP" dirty="0">
               <a:latin typeface="メイリオ" panose="020B0604030504040204" pitchFamily="50" charset="-128"/>
               <a:ea typeface="メイリオ" panose="020B0604030504040204" pitchFamily="50" charset="-128"/>
             </a:endParaRPr>
@@ -4225,20 +4016,27 @@
           <a:p>
             <a:pPr lvl="1"/>
             <a:r>
-              <a:rPr lang="en-US" altLang="ja-JP">
-                <a:latin typeface="メイリオ" panose="020B0604030504040204" pitchFamily="50" charset="-128"/>
-                <a:ea typeface="メイリオ" panose="020B0604030504040204" pitchFamily="50" charset="-128"/>
-              </a:rPr>
-              <a:t>HInit: HMM</a:t>
-            </a:r>
-            <a:r>
-              <a:rPr lang="ja-JP" altLang="en-US">
+              <a:rPr lang="en-US" altLang="ja-JP" dirty="0" err="1">
+                <a:latin typeface="メイリオ" panose="020B0604030504040204" pitchFamily="50" charset="-128"/>
+                <a:ea typeface="メイリオ" panose="020B0604030504040204" pitchFamily="50" charset="-128"/>
+              </a:rPr>
+              <a:t>HInit</a:t>
+            </a:r>
+            <a:r>
+              <a:rPr lang="en-US" altLang="ja-JP" dirty="0">
+                <a:latin typeface="メイリオ" panose="020B0604030504040204" pitchFamily="50" charset="-128"/>
+                <a:ea typeface="メイリオ" panose="020B0604030504040204" pitchFamily="50" charset="-128"/>
+              </a:rPr>
+              <a:t>: HMM</a:t>
+            </a:r>
+            <a:r>
+              <a:rPr lang="ja-JP" altLang="en-US" dirty="0">
                 <a:latin typeface="メイリオ" panose="020B0604030504040204" pitchFamily="50" charset="-128"/>
                 <a:ea typeface="メイリオ" panose="020B0604030504040204" pitchFamily="50" charset="-128"/>
               </a:rPr>
               <a:t>を学習させる際の初期値計算</a:t>
             </a:r>
-            <a:endParaRPr lang="en-US" altLang="ja-JP">
+            <a:endParaRPr lang="en-US" altLang="ja-JP" dirty="0">
               <a:latin typeface="メイリオ" panose="020B0604030504040204" pitchFamily="50" charset="-128"/>
               <a:ea typeface="メイリオ" panose="020B0604030504040204" pitchFamily="50" charset="-128"/>
             </a:endParaRPr>
@@ -4246,34 +4044,41 @@
           <a:p>
             <a:pPr lvl="1"/>
             <a:r>
-              <a:rPr kumimoji="1" lang="en-US" altLang="ja-JP">
-                <a:latin typeface="メイリオ" panose="020B0604030504040204" pitchFamily="50" charset="-128"/>
-                <a:ea typeface="メイリオ" panose="020B0604030504040204" pitchFamily="50" charset="-128"/>
-              </a:rPr>
-              <a:t>HRest: </a:t>
-            </a:r>
-            <a:r>
-              <a:rPr kumimoji="1" lang="ja-JP" altLang="en-US">
+              <a:rPr kumimoji="1" lang="en-US" altLang="ja-JP" dirty="0" err="1">
+                <a:latin typeface="メイリオ" panose="020B0604030504040204" pitchFamily="50" charset="-128"/>
+                <a:ea typeface="メイリオ" panose="020B0604030504040204" pitchFamily="50" charset="-128"/>
+              </a:rPr>
+              <a:t>HRest</a:t>
+            </a:r>
+            <a:r>
+              <a:rPr kumimoji="1" lang="en-US" altLang="ja-JP" dirty="0">
+                <a:latin typeface="メイリオ" panose="020B0604030504040204" pitchFamily="50" charset="-128"/>
+                <a:ea typeface="メイリオ" panose="020B0604030504040204" pitchFamily="50" charset="-128"/>
+              </a:rPr>
+              <a:t>: </a:t>
+            </a:r>
+            <a:r>
+              <a:rPr kumimoji="1" lang="ja-JP" altLang="en-US" dirty="0">
                 <a:latin typeface="メイリオ" panose="020B0604030504040204" pitchFamily="50" charset="-128"/>
                 <a:ea typeface="メイリオ" panose="020B0604030504040204" pitchFamily="50" charset="-128"/>
               </a:rPr>
               <a:t>バウム・ウェルチアルゴリズムによる</a:t>
             </a:r>
             <a:r>
-              <a:rPr kumimoji="1" lang="en-US" altLang="ja-JP">
+              <a:rPr kumimoji="1" lang="en-US" altLang="ja-JP" dirty="0">
                 <a:latin typeface="メイリオ" panose="020B0604030504040204" pitchFamily="50" charset="-128"/>
                 <a:ea typeface="メイリオ" panose="020B0604030504040204" pitchFamily="50" charset="-128"/>
               </a:rPr>
               <a:t>HMM</a:t>
             </a:r>
             <a:r>
-              <a:rPr kumimoji="1" lang="ja-JP" altLang="en-US">
+              <a:rPr kumimoji="1" lang="ja-JP" altLang="en-US" dirty="0">
                 <a:latin typeface="メイリオ" panose="020B0604030504040204" pitchFamily="50" charset="-128"/>
                 <a:ea typeface="メイリオ" panose="020B0604030504040204" pitchFamily="50" charset="-128"/>
               </a:rPr>
               <a:t>の学習</a:t>
             </a:r>
-            <a:endParaRPr kumimoji="1" lang="en-US" altLang="ja-JP">
+            <a:endParaRPr kumimoji="1" lang="en-US" altLang="ja-JP" dirty="0">
               <a:latin typeface="メイリオ" panose="020B0604030504040204" pitchFamily="50" charset="-128"/>
               <a:ea typeface="メイリオ" panose="020B0604030504040204" pitchFamily="50" charset="-128"/>
             </a:endParaRPr>
@@ -4281,20 +4086,27 @@
           <a:p>
             <a:pPr lvl="1"/>
             <a:r>
-              <a:rPr lang="en-US" altLang="ja-JP">
-                <a:latin typeface="メイリオ" panose="020B0604030504040204" pitchFamily="50" charset="-128"/>
-                <a:ea typeface="メイリオ" panose="020B0604030504040204" pitchFamily="50" charset="-128"/>
-              </a:rPr>
-              <a:t>HParse: </a:t>
-            </a:r>
-            <a:r>
-              <a:rPr lang="ja-JP" altLang="en-US">
+              <a:rPr lang="en-US" altLang="ja-JP" dirty="0" err="1">
+                <a:latin typeface="メイリオ" panose="020B0604030504040204" pitchFamily="50" charset="-128"/>
+                <a:ea typeface="メイリオ" panose="020B0604030504040204" pitchFamily="50" charset="-128"/>
+              </a:rPr>
+              <a:t>HParse</a:t>
+            </a:r>
+            <a:r>
+              <a:rPr lang="en-US" altLang="ja-JP" dirty="0">
+                <a:latin typeface="メイリオ" panose="020B0604030504040204" pitchFamily="50" charset="-128"/>
+                <a:ea typeface="メイリオ" panose="020B0604030504040204" pitchFamily="50" charset="-128"/>
+              </a:rPr>
+              <a:t>: </a:t>
+            </a:r>
+            <a:r>
+              <a:rPr lang="ja-JP" altLang="en-US" dirty="0">
                 <a:latin typeface="メイリオ" panose="020B0604030504040204" pitchFamily="50" charset="-128"/>
                 <a:ea typeface="メイリオ" panose="020B0604030504040204" pitchFamily="50" charset="-128"/>
               </a:rPr>
               <a:t>正規文法をネットワーク文法に変換</a:t>
             </a:r>
-            <a:endParaRPr lang="en-US" altLang="ja-JP">
+            <a:endParaRPr lang="en-US" altLang="ja-JP" dirty="0">
               <a:latin typeface="メイリオ" panose="020B0604030504040204" pitchFamily="50" charset="-128"/>
               <a:ea typeface="メイリオ" panose="020B0604030504040204" pitchFamily="50" charset="-128"/>
             </a:endParaRPr>
@@ -4302,20 +4114,27 @@
           <a:p>
             <a:pPr lvl="1"/>
             <a:r>
-              <a:rPr kumimoji="1" lang="en-US" altLang="ja-JP">
-                <a:latin typeface="メイリオ" panose="020B0604030504040204" pitchFamily="50" charset="-128"/>
-                <a:ea typeface="メイリオ" panose="020B0604030504040204" pitchFamily="50" charset="-128"/>
-              </a:rPr>
-              <a:t>HVite: </a:t>
-            </a:r>
-            <a:r>
-              <a:rPr kumimoji="1" lang="ja-JP" altLang="en-US">
+              <a:rPr kumimoji="1" lang="en-US" altLang="ja-JP" dirty="0" err="1">
+                <a:latin typeface="メイリオ" panose="020B0604030504040204" pitchFamily="50" charset="-128"/>
+                <a:ea typeface="メイリオ" panose="020B0604030504040204" pitchFamily="50" charset="-128"/>
+              </a:rPr>
+              <a:t>HVite</a:t>
+            </a:r>
+            <a:r>
+              <a:rPr kumimoji="1" lang="en-US" altLang="ja-JP" dirty="0">
+                <a:latin typeface="メイリオ" panose="020B0604030504040204" pitchFamily="50" charset="-128"/>
+                <a:ea typeface="メイリオ" panose="020B0604030504040204" pitchFamily="50" charset="-128"/>
+              </a:rPr>
+              <a:t>: </a:t>
+            </a:r>
+            <a:r>
+              <a:rPr kumimoji="1" lang="ja-JP" altLang="en-US" dirty="0">
                 <a:latin typeface="メイリオ" panose="020B0604030504040204" pitchFamily="50" charset="-128"/>
                 <a:ea typeface="メイリオ" panose="020B0604030504040204" pitchFamily="50" charset="-128"/>
               </a:rPr>
               <a:t>ビタビアルゴリズムで認識結果を求める</a:t>
             </a:r>
-            <a:endParaRPr kumimoji="1" lang="en-US" altLang="ja-JP">
+            <a:endParaRPr kumimoji="1" lang="en-US" altLang="ja-JP" dirty="0">
               <a:latin typeface="メイリオ" panose="020B0604030504040204" pitchFamily="50" charset="-128"/>
               <a:ea typeface="メイリオ" panose="020B0604030504040204" pitchFamily="50" charset="-128"/>
             </a:endParaRPr>
@@ -4323,75 +4142,82 @@
           <a:p>
             <a:pPr lvl="1"/>
             <a:r>
-              <a:rPr lang="en-US" altLang="ja-JP">
-                <a:latin typeface="メイリオ" panose="020B0604030504040204" pitchFamily="50" charset="-128"/>
-                <a:ea typeface="メイリオ" panose="020B0604030504040204" pitchFamily="50" charset="-128"/>
-              </a:rPr>
-              <a:t>HResult: </a:t>
-            </a:r>
-            <a:r>
-              <a:rPr lang="ja-JP" altLang="en-US">
+              <a:rPr lang="en-US" altLang="ja-JP" dirty="0" err="1">
+                <a:latin typeface="メイリオ" panose="020B0604030504040204" pitchFamily="50" charset="-128"/>
+                <a:ea typeface="メイリオ" panose="020B0604030504040204" pitchFamily="50" charset="-128"/>
+              </a:rPr>
+              <a:t>HResult</a:t>
+            </a:r>
+            <a:r>
+              <a:rPr lang="en-US" altLang="ja-JP" dirty="0">
+                <a:latin typeface="メイリオ" panose="020B0604030504040204" pitchFamily="50" charset="-128"/>
+                <a:ea typeface="メイリオ" panose="020B0604030504040204" pitchFamily="50" charset="-128"/>
+              </a:rPr>
+              <a:t>: </a:t>
+            </a:r>
+            <a:r>
+              <a:rPr lang="ja-JP" altLang="en-US" dirty="0">
                 <a:latin typeface="メイリオ" panose="020B0604030504040204" pitchFamily="50" charset="-128"/>
                 <a:ea typeface="メイリオ" panose="020B0604030504040204" pitchFamily="50" charset="-128"/>
               </a:rPr>
               <a:t>作成した</a:t>
             </a:r>
             <a:r>
-              <a:rPr lang="en-US" altLang="ja-JP">
+              <a:rPr lang="en-US" altLang="ja-JP" dirty="0">
                 <a:latin typeface="メイリオ" panose="020B0604030504040204" pitchFamily="50" charset="-128"/>
                 <a:ea typeface="メイリオ" panose="020B0604030504040204" pitchFamily="50" charset="-128"/>
               </a:rPr>
               <a:t>HMM</a:t>
             </a:r>
             <a:r>
-              <a:rPr lang="ja-JP" altLang="en-US">
+              <a:rPr lang="ja-JP" altLang="en-US" dirty="0">
                 <a:latin typeface="メイリオ" panose="020B0604030504040204" pitchFamily="50" charset="-128"/>
                 <a:ea typeface="メイリオ" panose="020B0604030504040204" pitchFamily="50" charset="-128"/>
               </a:rPr>
               <a:t>の評価コマンド</a:t>
             </a:r>
-            <a:endParaRPr lang="en-US" altLang="ja-JP">
+            <a:endParaRPr lang="en-US" altLang="ja-JP" dirty="0">
               <a:latin typeface="メイリオ" panose="020B0604030504040204" pitchFamily="50" charset="-128"/>
               <a:ea typeface="メイリオ" panose="020B0604030504040204" pitchFamily="50" charset="-128"/>
             </a:endParaRPr>
           </a:p>
           <a:p>
             <a:r>
-              <a:rPr lang="en-US" altLang="ja-JP">
+              <a:rPr lang="en-US" altLang="ja-JP" dirty="0">
                 <a:latin typeface="メイリオ" panose="020B0604030504040204" pitchFamily="50" charset="-128"/>
                 <a:ea typeface="メイリオ" panose="020B0604030504040204" pitchFamily="50" charset="-128"/>
               </a:rPr>
               <a:t>v</a:t>
             </a:r>
             <a:r>
-              <a:rPr kumimoji="1" lang="en-US" altLang="ja-JP">
+              <a:rPr kumimoji="1" lang="en-US" altLang="ja-JP" dirty="0">
                 <a:latin typeface="メイリオ" panose="020B0604030504040204" pitchFamily="50" charset="-128"/>
                 <a:ea typeface="メイリオ" panose="020B0604030504040204" pitchFamily="50" charset="-128"/>
               </a:rPr>
               <a:t>er3.5</a:t>
             </a:r>
             <a:r>
-              <a:rPr kumimoji="1" lang="ja-JP" altLang="en-US">
+              <a:rPr kumimoji="1" lang="ja-JP" altLang="en-US" dirty="0">
                 <a:latin typeface="メイリオ" panose="020B0604030504040204" pitchFamily="50" charset="-128"/>
                 <a:ea typeface="メイリオ" panose="020B0604030504040204" pitchFamily="50" charset="-128"/>
               </a:rPr>
               <a:t>では</a:t>
             </a:r>
             <a:r>
-              <a:rPr kumimoji="1" lang="en-US" altLang="ja-JP">
+              <a:rPr kumimoji="1" lang="en-US" altLang="ja-JP" dirty="0">
                 <a:latin typeface="メイリオ" panose="020B0604030504040204" pitchFamily="50" charset="-128"/>
                 <a:ea typeface="メイリオ" panose="020B0604030504040204" pitchFamily="50" charset="-128"/>
               </a:rPr>
               <a:t>DNN</a:t>
             </a:r>
             <a:r>
-              <a:rPr kumimoji="1" lang="ja-JP" altLang="en-US">
+              <a:rPr kumimoji="1" lang="ja-JP" altLang="en-US" dirty="0">
                 <a:latin typeface="メイリオ" panose="020B0604030504040204" pitchFamily="50" charset="-128"/>
                 <a:ea typeface="メイリオ" panose="020B0604030504040204" pitchFamily="50" charset="-128"/>
               </a:rPr>
               <a:t>に対応</a:t>
             </a:r>
-            <a:endParaRPr kumimoji="1" lang="en-US" altLang="ja-JP">
+            <a:endParaRPr kumimoji="1" lang="en-US" altLang="ja-JP" dirty="0">
               <a:latin typeface="メイリオ" panose="020B0604030504040204" pitchFamily="50" charset="-128"/>
               <a:ea typeface="メイリオ" panose="020B0604030504040204" pitchFamily="50" charset="-128"/>
             </a:endParaRPr>
@@ -4446,8 +4272,8 @@
         </p:nvSpPr>
         <p:spPr>
           <a:xfrm>
-            <a:off x="628650" y="365126"/>
-            <a:ext cx="8013180" cy="1325563"/>
+            <a:off x="601827" y="379758"/>
+            <a:ext cx="8013180" cy="893087"/>
           </a:xfrm>
         </p:spPr>
         <p:txBody>
@@ -4457,7 +4283,7 @@
           <a:lstStyle/>
           <a:p>
             <a:r>
-              <a:rPr lang="en-US" altLang="ja-JP" sz="3200">
+              <a:rPr lang="en-US" altLang="ja-JP" sz="3200" dirty="0">
                 <a:solidFill>
                   <a:schemeClr val="accent1"/>
                 </a:solidFill>
@@ -4467,7 +4293,7 @@
               <a:t>14.3 </a:t>
             </a:r>
             <a:r>
-              <a:rPr lang="ja-JP" altLang="en-US" sz="3200">
+              <a:rPr lang="ja-JP" altLang="en-US" sz="3200" dirty="0">
                 <a:solidFill>
                   <a:schemeClr val="accent1"/>
                 </a:solidFill>
@@ -4477,7 +4303,7 @@
               <a:t>大語彙連続音声認識エンジン </a:t>
             </a:r>
             <a:r>
-              <a:rPr lang="en-US" altLang="ja-JP" sz="3200">
+              <a:rPr lang="en-US" altLang="ja-JP" sz="3200" dirty="0">
                 <a:solidFill>
                   <a:schemeClr val="accent1"/>
                 </a:solidFill>
@@ -4486,7 +4312,7 @@
               </a:rPr>
               <a:t>Julius</a:t>
             </a:r>
-            <a:endParaRPr kumimoji="1" lang="ja-JP" altLang="en-US" sz="3200">
+            <a:endParaRPr lang="ja-JP" altLang="en-US" sz="3200" dirty="0">
               <a:solidFill>
                 <a:schemeClr val="accent1"/>
               </a:solidFill>
@@ -4512,7 +4338,12 @@
             <p:ph idx="1"/>
           </p:nvPr>
         </p:nvSpPr>
-        <p:spPr/>
+        <p:spPr>
+          <a:xfrm>
+            <a:off x="750417" y="1357452"/>
+            <a:ext cx="10515600" cy="4351338"/>
+          </a:xfrm>
+        </p:spPr>
         <p:txBody>
           <a:bodyPr>
             <a:normAutofit/>
@@ -4520,13 +4351,13 @@
           <a:lstStyle/>
           <a:p>
             <a:r>
-              <a:rPr lang="ja-JP" altLang="en-US">
+              <a:rPr lang="ja-JP" altLang="en-US" dirty="0">
                 <a:latin typeface="メイリオ" panose="020B0604030504040204" pitchFamily="50" charset="-128"/>
                 <a:ea typeface="メイリオ" panose="020B0604030504040204" pitchFamily="50" charset="-128"/>
               </a:rPr>
               <a:t>ダウンロードサイト</a:t>
             </a:r>
-            <a:endParaRPr lang="en-US" altLang="ja-JP">
+            <a:endParaRPr lang="en-US" altLang="ja-JP" dirty="0">
               <a:latin typeface="メイリオ" panose="020B0604030504040204" pitchFamily="50" charset="-128"/>
               <a:ea typeface="メイリオ" panose="020B0604030504040204" pitchFamily="50" charset="-128"/>
             </a:endParaRPr>
@@ -4536,101 +4367,101 @@
               <a:buNone/>
             </a:pPr>
             <a:r>
-              <a:rPr lang="en-US" altLang="ja-JP">
+              <a:rPr lang="en-US" altLang="ja-JP" dirty="0">
                 <a:latin typeface="メイリオ" panose="020B0604030504040204" pitchFamily="50" charset="-128"/>
                 <a:ea typeface="メイリオ" panose="020B0604030504040204" pitchFamily="50" charset="-128"/>
                 <a:hlinkClick r:id="rId2"/>
               </a:rPr>
               <a:t>https://github.com/julius-speech/julius</a:t>
             </a:r>
-            <a:endParaRPr lang="en-US" altLang="ja-JP">
+            <a:endParaRPr lang="en-US" altLang="ja-JP" dirty="0">
               <a:latin typeface="メイリオ" panose="020B0604030504040204" pitchFamily="50" charset="-128"/>
               <a:ea typeface="メイリオ" panose="020B0604030504040204" pitchFamily="50" charset="-128"/>
             </a:endParaRPr>
           </a:p>
           <a:p>
             <a:r>
-              <a:rPr kumimoji="1" lang="ja-JP" altLang="en-US">
+              <a:rPr kumimoji="1" lang="ja-JP" altLang="en-US" dirty="0">
                 <a:latin typeface="メイリオ" panose="020B0604030504040204" pitchFamily="50" charset="-128"/>
                 <a:ea typeface="メイリオ" panose="020B0604030504040204" pitchFamily="50" charset="-128"/>
               </a:rPr>
               <a:t>フリーの音声認識用汎用デコーダ</a:t>
             </a:r>
-            <a:endParaRPr kumimoji="1" lang="en-US" altLang="ja-JP">
+            <a:endParaRPr kumimoji="1" lang="en-US" altLang="ja-JP" dirty="0">
               <a:latin typeface="メイリオ" panose="020B0604030504040204" pitchFamily="50" charset="-128"/>
               <a:ea typeface="メイリオ" panose="020B0604030504040204" pitchFamily="50" charset="-128"/>
             </a:endParaRPr>
           </a:p>
           <a:p>
             <a:r>
-              <a:rPr kumimoji="1" lang="en-US" altLang="ja-JP">
+              <a:rPr kumimoji="1" lang="en-US" altLang="ja-JP" dirty="0">
                 <a:latin typeface="メイリオ" panose="020B0604030504040204" pitchFamily="50" charset="-128"/>
                 <a:ea typeface="メイリオ" panose="020B0604030504040204" pitchFamily="50" charset="-128"/>
               </a:rPr>
               <a:t>ver4.4</a:t>
             </a:r>
             <a:r>
-              <a:rPr kumimoji="1" lang="ja-JP" altLang="en-US">
+              <a:rPr kumimoji="1" lang="ja-JP" altLang="en-US" dirty="0">
                 <a:latin typeface="メイリオ" panose="020B0604030504040204" pitchFamily="50" charset="-128"/>
                 <a:ea typeface="メイリオ" panose="020B0604030504040204" pitchFamily="50" charset="-128"/>
               </a:rPr>
               <a:t>以降では、</a:t>
             </a:r>
             <a:r>
-              <a:rPr kumimoji="1" lang="en-US" altLang="ja-JP">
+              <a:rPr kumimoji="1" lang="en-US" altLang="ja-JP" dirty="0">
                 <a:latin typeface="メイリオ" panose="020B0604030504040204" pitchFamily="50" charset="-128"/>
                 <a:ea typeface="メイリオ" panose="020B0604030504040204" pitchFamily="50" charset="-128"/>
               </a:rPr>
               <a:t>GMM-HMM</a:t>
             </a:r>
             <a:r>
-              <a:rPr kumimoji="1" lang="ja-JP" altLang="en-US">
+              <a:rPr kumimoji="1" lang="ja-JP" altLang="en-US" dirty="0">
                 <a:latin typeface="メイリオ" panose="020B0604030504040204" pitchFamily="50" charset="-128"/>
                 <a:ea typeface="メイリオ" panose="020B0604030504040204" pitchFamily="50" charset="-128"/>
               </a:rPr>
               <a:t>と</a:t>
             </a:r>
             <a:r>
-              <a:rPr kumimoji="1" lang="en-US" altLang="ja-JP">
+              <a:rPr kumimoji="1" lang="en-US" altLang="ja-JP" dirty="0">
                 <a:latin typeface="メイリオ" panose="020B0604030504040204" pitchFamily="50" charset="-128"/>
                 <a:ea typeface="メイリオ" panose="020B0604030504040204" pitchFamily="50" charset="-128"/>
               </a:rPr>
               <a:t>DNN-HMM</a:t>
             </a:r>
             <a:r>
-              <a:rPr kumimoji="1" lang="ja-JP" altLang="en-US">
+              <a:rPr kumimoji="1" lang="ja-JP" altLang="en-US" dirty="0">
                 <a:latin typeface="メイリオ" panose="020B0604030504040204" pitchFamily="50" charset="-128"/>
                 <a:ea typeface="メイリオ" panose="020B0604030504040204" pitchFamily="50" charset="-128"/>
               </a:rPr>
               <a:t>を切り替えて使用することが可能</a:t>
             </a:r>
-            <a:endParaRPr kumimoji="1" lang="en-US" altLang="ja-JP">
+            <a:endParaRPr kumimoji="1" lang="en-US" altLang="ja-JP" dirty="0">
               <a:latin typeface="メイリオ" panose="020B0604030504040204" pitchFamily="50" charset="-128"/>
               <a:ea typeface="メイリオ" panose="020B0604030504040204" pitchFamily="50" charset="-128"/>
             </a:endParaRPr>
           </a:p>
           <a:p>
             <a:r>
-              <a:rPr kumimoji="1" lang="ja-JP" altLang="en-US">
+              <a:rPr kumimoji="1" lang="ja-JP" altLang="en-US" dirty="0">
                 <a:latin typeface="メイリオ" panose="020B0604030504040204" pitchFamily="50" charset="-128"/>
                 <a:ea typeface="メイリオ" panose="020B0604030504040204" pitchFamily="50" charset="-128"/>
               </a:rPr>
               <a:t>ディクテーションを行うためのキット（音響モデル・言語モデル込み）も配布されている</a:t>
             </a:r>
-            <a:endParaRPr kumimoji="1" lang="en-US" altLang="ja-JP">
+            <a:endParaRPr kumimoji="1" lang="en-US" altLang="ja-JP" dirty="0">
               <a:latin typeface="メイリオ" panose="020B0604030504040204" pitchFamily="50" charset="-128"/>
               <a:ea typeface="メイリオ" panose="020B0604030504040204" pitchFamily="50" charset="-128"/>
             </a:endParaRPr>
           </a:p>
           <a:p>
             <a:r>
-              <a:rPr kumimoji="1" lang="ja-JP" altLang="en-US">
+              <a:rPr kumimoji="1" lang="ja-JP" altLang="en-US" dirty="0">
                 <a:latin typeface="メイリオ" panose="020B0604030504040204" pitchFamily="50" charset="-128"/>
                 <a:ea typeface="メイリオ" panose="020B0604030504040204" pitchFamily="50" charset="-128"/>
               </a:rPr>
               <a:t>文法を用いた認識を行うためのキット（サンプル文法込み）も配布されている</a:t>
             </a:r>
-            <a:endParaRPr kumimoji="1" lang="en-US" altLang="ja-JP">
+            <a:endParaRPr kumimoji="1" lang="en-US" altLang="ja-JP" dirty="0">
               <a:latin typeface="メイリオ" panose="020B0604030504040204" pitchFamily="50" charset="-128"/>
               <a:ea typeface="メイリオ" panose="020B0604030504040204" pitchFamily="50" charset="-128"/>
             </a:endParaRPr>
@@ -4683,7 +4514,12 @@
             <p:ph type="title"/>
           </p:nvPr>
         </p:nvSpPr>
-        <p:spPr/>
+        <p:spPr>
+          <a:xfrm>
+            <a:off x="838200" y="365125"/>
+            <a:ext cx="10778338" cy="827253"/>
+          </a:xfrm>
+        </p:spPr>
         <p:txBody>
           <a:bodyPr>
             <a:normAutofit/>
@@ -4691,7 +4527,7 @@
           <a:lstStyle/>
           <a:p>
             <a:r>
-              <a:rPr lang="en-US" altLang="ja-JP" sz="3200">
+              <a:rPr lang="en-US" altLang="ja-JP" sz="3200" dirty="0">
                 <a:solidFill>
                   <a:schemeClr val="accent1"/>
                 </a:solidFill>
@@ -4701,7 +4537,7 @@
               <a:t>14.4 </a:t>
             </a:r>
             <a:r>
-              <a:rPr lang="ja-JP" altLang="en-US" sz="3200">
+              <a:rPr lang="ja-JP" altLang="en-US" sz="3200" dirty="0">
                 <a:solidFill>
                   <a:schemeClr val="accent1"/>
                 </a:solidFill>
@@ -4710,26 +4546,27 @@
               </a:rPr>
               <a:t>バーチャルエージェント対話ツール</a:t>
             </a:r>
-            <a:br>
-              <a:rPr lang="en-US" altLang="ja-JP" sz="3200">
+            <a:r>
+              <a:rPr lang="en-US" altLang="ja-JP" sz="3200" dirty="0">
                 <a:solidFill>
                   <a:schemeClr val="accent1"/>
                 </a:solidFill>
                 <a:latin typeface="メイリオ" panose="020B0604030504040204" pitchFamily="50" charset="-128"/>
                 <a:ea typeface="メイリオ" panose="020B0604030504040204" pitchFamily="50" charset="-128"/>
               </a:rPr>
-            </a:br>
-            <a:r>
-              <a:rPr lang="en-US" altLang="ja-JP" sz="3200">
+              <a:t> </a:t>
+            </a:r>
+            <a:r>
+              <a:rPr lang="en-US" altLang="ja-JP" sz="3200" dirty="0" err="1">
                 <a:solidFill>
                   <a:schemeClr val="accent1"/>
                 </a:solidFill>
                 <a:latin typeface="メイリオ" panose="020B0604030504040204" pitchFamily="50" charset="-128"/>
                 <a:ea typeface="メイリオ" panose="020B0604030504040204" pitchFamily="50" charset="-128"/>
               </a:rPr>
-              <a:t>        MMDAgent</a:t>
-            </a:r>
-            <a:endParaRPr kumimoji="1" lang="ja-JP" altLang="en-US" sz="3200">
+              <a:t>MMDAgent</a:t>
+            </a:r>
+            <a:endParaRPr lang="ja-JP" altLang="en-US" sz="3200" dirty="0">
               <a:solidFill>
                 <a:schemeClr val="accent1"/>
               </a:solidFill>
@@ -4755,19 +4592,24 @@
             <p:ph idx="1"/>
           </p:nvPr>
         </p:nvSpPr>
-        <p:spPr/>
+        <p:spPr>
+          <a:xfrm>
+            <a:off x="838200" y="1192378"/>
+            <a:ext cx="10515600" cy="4984585"/>
+          </a:xfrm>
+        </p:spPr>
         <p:txBody>
           <a:bodyPr/>
           <a:lstStyle/>
           <a:p>
             <a:r>
-              <a:rPr lang="ja-JP" altLang="en-US">
+              <a:rPr lang="ja-JP" altLang="en-US" dirty="0">
                 <a:latin typeface="メイリオ" panose="020B0604030504040204" pitchFamily="50" charset="-128"/>
                 <a:ea typeface="メイリオ" panose="020B0604030504040204" pitchFamily="50" charset="-128"/>
               </a:rPr>
               <a:t>ダウンロードサイト</a:t>
             </a:r>
-            <a:endParaRPr lang="en-US" altLang="ja-JP">
+            <a:endParaRPr lang="en-US" altLang="ja-JP" dirty="0">
               <a:latin typeface="メイリオ" panose="020B0604030504040204" pitchFamily="50" charset="-128"/>
               <a:ea typeface="メイリオ" panose="020B0604030504040204" pitchFamily="50" charset="-128"/>
             </a:endParaRPr>
@@ -4777,60 +4619,60 @@
               <a:buNone/>
             </a:pPr>
             <a:r>
-              <a:rPr lang="en-US" altLang="ja-JP">
+              <a:rPr lang="en-US" altLang="ja-JP" dirty="0">
                 <a:latin typeface="メイリオ" panose="020B0604030504040204" pitchFamily="50" charset="-128"/>
                 <a:ea typeface="メイリオ" panose="020B0604030504040204" pitchFamily="50" charset="-128"/>
                 <a:hlinkClick r:id="rId2"/>
               </a:rPr>
               <a:t>http://mmdagent.jp/</a:t>
             </a:r>
-            <a:endParaRPr lang="en-US" altLang="ja-JP">
+            <a:endParaRPr lang="en-US" altLang="ja-JP" dirty="0">
               <a:latin typeface="メイリオ" panose="020B0604030504040204" pitchFamily="50" charset="-128"/>
               <a:ea typeface="メイリオ" panose="020B0604030504040204" pitchFamily="50" charset="-128"/>
             </a:endParaRPr>
           </a:p>
           <a:p>
             <a:r>
-              <a:rPr kumimoji="1" lang="ja-JP" altLang="en-US">
+              <a:rPr kumimoji="1" lang="ja-JP" altLang="en-US" dirty="0">
                 <a:latin typeface="メイリオ" panose="020B0604030504040204" pitchFamily="50" charset="-128"/>
                 <a:ea typeface="メイリオ" panose="020B0604030504040204" pitchFamily="50" charset="-128"/>
               </a:rPr>
               <a:t>音声認識・音声合成・バーチャルエージェントを組み合わせた対話システム開発キット</a:t>
             </a:r>
-            <a:endParaRPr kumimoji="1" lang="en-US" altLang="ja-JP">
+            <a:endParaRPr kumimoji="1" lang="en-US" altLang="ja-JP" dirty="0">
               <a:latin typeface="メイリオ" panose="020B0604030504040204" pitchFamily="50" charset="-128"/>
               <a:ea typeface="メイリオ" panose="020B0604030504040204" pitchFamily="50" charset="-128"/>
             </a:endParaRPr>
           </a:p>
           <a:p>
             <a:r>
-              <a:rPr lang="en-US" altLang="ja-JP">
+              <a:rPr lang="en-US" altLang="ja-JP" dirty="0">
                 <a:latin typeface="メイリオ" panose="020B0604030504040204" pitchFamily="50" charset="-128"/>
                 <a:ea typeface="メイリオ" panose="020B0604030504040204" pitchFamily="50" charset="-128"/>
               </a:rPr>
               <a:t>FST</a:t>
             </a:r>
             <a:r>
-              <a:rPr lang="ja-JP" altLang="en-US">
+              <a:rPr lang="ja-JP" altLang="en-US" dirty="0">
                 <a:latin typeface="メイリオ" panose="020B0604030504040204" pitchFamily="50" charset="-128"/>
                 <a:ea typeface="メイリオ" panose="020B0604030504040204" pitchFamily="50" charset="-128"/>
               </a:rPr>
               <a:t>で対話パターンを記述する</a:t>
             </a:r>
-            <a:endParaRPr lang="en-US" altLang="ja-JP">
+            <a:endParaRPr lang="en-US" altLang="ja-JP" dirty="0">
               <a:latin typeface="メイリオ" panose="020B0604030504040204" pitchFamily="50" charset="-128"/>
               <a:ea typeface="メイリオ" panose="020B0604030504040204" pitchFamily="50" charset="-128"/>
             </a:endParaRPr>
           </a:p>
           <a:p>
             <a:r>
-              <a:rPr kumimoji="1" lang="ja-JP" altLang="en-US">
+              <a:rPr kumimoji="1" lang="ja-JP" altLang="en-US" dirty="0">
                 <a:latin typeface="メイリオ" panose="020B0604030504040204" pitchFamily="50" charset="-128"/>
                 <a:ea typeface="メイリオ" panose="020B0604030504040204" pitchFamily="50" charset="-128"/>
               </a:rPr>
               <a:t>マニュアル・講習会資料等</a:t>
             </a:r>
-            <a:endParaRPr kumimoji="1" lang="en-US" altLang="ja-JP">
+            <a:endParaRPr kumimoji="1" lang="en-US" altLang="ja-JP" dirty="0">
               <a:latin typeface="メイリオ" panose="020B0604030504040204" pitchFamily="50" charset="-128"/>
               <a:ea typeface="メイリオ" panose="020B0604030504040204" pitchFamily="50" charset="-128"/>
             </a:endParaRPr>
@@ -4840,14 +4682,14 @@
               <a:buNone/>
             </a:pPr>
             <a:r>
-              <a:rPr lang="en-US" altLang="ja-JP" sz="2400">
+              <a:rPr lang="en-US" altLang="ja-JP" sz="2400" dirty="0">
                 <a:latin typeface="メイリオ" panose="020B0604030504040204" pitchFamily="50" charset="-128"/>
                 <a:ea typeface="メイリオ" panose="020B0604030504040204" pitchFamily="50" charset="-128"/>
                 <a:hlinkClick r:id="rId3"/>
               </a:rPr>
               <a:t>http://www.udialogue.org/ja/encyclopedia-ja</a:t>
             </a:r>
-            <a:endParaRPr lang="en-US" altLang="ja-JP" sz="2400">
+            <a:endParaRPr lang="en-US" altLang="ja-JP" sz="2400" dirty="0">
               <a:latin typeface="メイリオ" panose="020B0604030504040204" pitchFamily="50" charset="-128"/>
               <a:ea typeface="メイリオ" panose="020B0604030504040204" pitchFamily="50" charset="-128"/>
             </a:endParaRPr>
@@ -4856,7 +4698,7 @@
             <a:pPr marL="0" indent="0">
               <a:buNone/>
             </a:pPr>
-            <a:endParaRPr kumimoji="1" lang="ja-JP" altLang="en-US" sz="2400">
+            <a:endParaRPr lang="ja-JP" altLang="en-US" sz="2400" dirty="0">
               <a:latin typeface="メイリオ" panose="020B0604030504040204" pitchFamily="50" charset="-128"/>
               <a:ea typeface="メイリオ" panose="020B0604030504040204" pitchFamily="50" charset="-128"/>
             </a:endParaRPr>
@@ -4879,7 +4721,7 @@
 <file path=ppt/theme/theme1.xml><?xml version="1.0" encoding="utf-8"?>
 <a:theme xmlns:a="http://schemas.openxmlformats.org/drawingml/2006/main" name="Office テーマ">
   <a:themeElements>
-    <a:clrScheme name="Office">
+    <a:clrScheme name="Office テーマ">
       <a:dk1>
         <a:sysClr val="windowText" lastClr="000000"/>
       </a:dk1>
@@ -4917,9 +4759,9 @@
         <a:srgbClr val="954F72"/>
       </a:folHlink>
     </a:clrScheme>
-    <a:fontScheme name="Office">
+    <a:fontScheme name="Office テーマ">
       <a:majorFont>
-        <a:latin typeface="游ゴシック Light" panose="020F0302020204030204"/>
+        <a:latin typeface="Calibri Light" panose="020F0302020204030204"/>
         <a:ea typeface=""/>
         <a:cs typeface=""/>
         <a:font script="Jpan" typeface="游ゴシック Light"/>
@@ -4952,26 +4794,9 @@
         <a:font script="Viet" typeface="Times New Roman"/>
         <a:font script="Uigh" typeface="Microsoft Uighur"/>
         <a:font script="Geor" typeface="Sylfaen"/>
-        <a:font script="Armn" typeface="Arial"/>
-        <a:font script="Bugi" typeface="Leelawadee UI"/>
-        <a:font script="Bopo" typeface="Microsoft JhengHei"/>
-        <a:font script="Java" typeface="Javanese Text"/>
-        <a:font script="Lisu" typeface="Segoe UI"/>
-        <a:font script="Mymr" typeface="Myanmar Text"/>
-        <a:font script="Nkoo" typeface="Ebrima"/>
-        <a:font script="Olck" typeface="Nirmala UI"/>
-        <a:font script="Osma" typeface="Ebrima"/>
-        <a:font script="Phag" typeface="Phagspa"/>
-        <a:font script="Syrn" typeface="Estrangelo Edessa"/>
-        <a:font script="Syrj" typeface="Estrangelo Edessa"/>
-        <a:font script="Syre" typeface="Estrangelo Edessa"/>
-        <a:font script="Sora" typeface="Nirmala UI"/>
-        <a:font script="Tale" typeface="Microsoft Tai Le"/>
-        <a:font script="Talu" typeface="Microsoft New Tai Lue"/>
-        <a:font script="Tfng" typeface="Ebrima"/>
       </a:majorFont>
       <a:minorFont>
-        <a:latin typeface="游ゴシック" panose="020F0502020204030204"/>
+        <a:latin typeface="Calibri" panose="020F0502020204030204"/>
         <a:ea typeface=""/>
         <a:cs typeface=""/>
         <a:font script="Jpan" typeface="游ゴシック"/>
@@ -5004,26 +4829,9 @@
         <a:font script="Viet" typeface="Arial"/>
         <a:font script="Uigh" typeface="Microsoft Uighur"/>
         <a:font script="Geor" typeface="Sylfaen"/>
-        <a:font script="Armn" typeface="Arial"/>
-        <a:font script="Bugi" typeface="Leelawadee UI"/>
-        <a:font script="Bopo" typeface="Microsoft JhengHei"/>
-        <a:font script="Java" typeface="Javanese Text"/>
-        <a:font script="Lisu" typeface="Segoe UI"/>
-        <a:font script="Mymr" typeface="Myanmar Text"/>
-        <a:font script="Nkoo" typeface="Ebrima"/>
-        <a:font script="Olck" typeface="Nirmala UI"/>
-        <a:font script="Osma" typeface="Ebrima"/>
-        <a:font script="Phag" typeface="Phagspa"/>
-        <a:font script="Syrn" typeface="Estrangelo Edessa"/>
-        <a:font script="Syrj" typeface="Estrangelo Edessa"/>
-        <a:font script="Syre" typeface="Estrangelo Edessa"/>
-        <a:font script="Sora" typeface="Nirmala UI"/>
-        <a:font script="Tale" typeface="Microsoft Tai Le"/>
-        <a:font script="Talu" typeface="Microsoft New Tai Lue"/>
-        <a:font script="Tfng" typeface="Ebrima"/>
       </a:minorFont>
     </a:fontScheme>
-    <a:fmtScheme name="Office">
+    <a:fmtScheme name="Office テーマ">
       <a:fillStyleLst>
         <a:solidFill>
           <a:schemeClr val="phClr"/>
@@ -5165,7 +4973,7 @@
   <a:extraClrSchemeLst/>
   <a:extLst>
     <a:ext uri="{05A4C25C-085E-4340-85A3-A5531E510DB2}">
-      <thm15:themeFamily xmlns:thm15="http://schemas.microsoft.com/office/thememl/2012/main" name="Office Theme" id="{62F939B6-93AF-4DB8-9C6B-D6C7DFDC589F}" vid="{4A3C46E8-61CC-4603-A589-7422A47A8E4A}"/>
+      <thm15:themeFamily xmlns:thm15="http://schemas.microsoft.com/office/thememl/2012/main" name="Office Theme 2013 - 2022" id="{62F939B6-93AF-4DB8-9C6B-D6C7DFDC589F}" vid="{4A3C46E8-61CC-4603-A589-7422A47A8E4A}"/>
     </a:ext>
   </a:extLst>
 </a:theme>

--- a/pptx/chap14.pptx
+++ b/pptx/chap14.pptx
@@ -247,7 +247,7 @@
           <a:p>
             <a:fld id="{BCC3470B-979D-4AC3-9CEF-E2615858CE2E}" type="datetimeFigureOut">
               <a:rPr kumimoji="1" lang="ja-JP" altLang="en-US" smtClean="0"/>
-              <a:t>2023/8/25</a:t>
+              <a:t>2023/8/26</a:t>
             </a:fld>
             <a:endParaRPr kumimoji="1" lang="ja-JP" altLang="en-US"/>
           </a:p>
@@ -449,7 +449,7 @@
           <a:p>
             <a:fld id="{BCC3470B-979D-4AC3-9CEF-E2615858CE2E}" type="datetimeFigureOut">
               <a:rPr kumimoji="1" lang="ja-JP" altLang="en-US" smtClean="0"/>
-              <a:t>2023/8/25</a:t>
+              <a:t>2023/8/26</a:t>
             </a:fld>
             <a:endParaRPr kumimoji="1" lang="ja-JP" altLang="en-US"/>
           </a:p>
@@ -661,7 +661,7 @@
           <a:p>
             <a:fld id="{BCC3470B-979D-4AC3-9CEF-E2615858CE2E}" type="datetimeFigureOut">
               <a:rPr kumimoji="1" lang="ja-JP" altLang="en-US" smtClean="0"/>
-              <a:t>2023/8/25</a:t>
+              <a:t>2023/8/26</a:t>
             </a:fld>
             <a:endParaRPr kumimoji="1" lang="ja-JP" altLang="en-US"/>
           </a:p>
@@ -863,7 +863,7 @@
           <a:p>
             <a:fld id="{BCC3470B-979D-4AC3-9CEF-E2615858CE2E}" type="datetimeFigureOut">
               <a:rPr kumimoji="1" lang="ja-JP" altLang="en-US" smtClean="0"/>
-              <a:t>2023/8/25</a:t>
+              <a:t>2023/8/26</a:t>
             </a:fld>
             <a:endParaRPr kumimoji="1" lang="ja-JP" altLang="en-US"/>
           </a:p>
@@ -1109,7 +1109,7 @@
           <a:p>
             <a:fld id="{BCC3470B-979D-4AC3-9CEF-E2615858CE2E}" type="datetimeFigureOut">
               <a:rPr kumimoji="1" lang="ja-JP" altLang="en-US" smtClean="0"/>
-              <a:t>2023/8/25</a:t>
+              <a:t>2023/8/26</a:t>
             </a:fld>
             <a:endParaRPr kumimoji="1" lang="ja-JP" altLang="en-US"/>
           </a:p>
@@ -1405,7 +1405,7 @@
           <a:p>
             <a:fld id="{BCC3470B-979D-4AC3-9CEF-E2615858CE2E}" type="datetimeFigureOut">
               <a:rPr kumimoji="1" lang="ja-JP" altLang="en-US" smtClean="0"/>
-              <a:t>2023/8/25</a:t>
+              <a:t>2023/8/26</a:t>
             </a:fld>
             <a:endParaRPr kumimoji="1" lang="ja-JP" altLang="en-US"/>
           </a:p>
@@ -1836,7 +1836,7 @@
           <a:p>
             <a:fld id="{BCC3470B-979D-4AC3-9CEF-E2615858CE2E}" type="datetimeFigureOut">
               <a:rPr kumimoji="1" lang="ja-JP" altLang="en-US" smtClean="0"/>
-              <a:t>2023/8/25</a:t>
+              <a:t>2023/8/26</a:t>
             </a:fld>
             <a:endParaRPr kumimoji="1" lang="ja-JP" altLang="en-US"/>
           </a:p>
@@ -1954,7 +1954,7 @@
           <a:p>
             <a:fld id="{BCC3470B-979D-4AC3-9CEF-E2615858CE2E}" type="datetimeFigureOut">
               <a:rPr kumimoji="1" lang="ja-JP" altLang="en-US" smtClean="0"/>
-              <a:t>2023/8/25</a:t>
+              <a:t>2023/8/26</a:t>
             </a:fld>
             <a:endParaRPr kumimoji="1" lang="ja-JP" altLang="en-US"/>
           </a:p>
@@ -2049,7 +2049,7 @@
           <a:p>
             <a:fld id="{BCC3470B-979D-4AC3-9CEF-E2615858CE2E}" type="datetimeFigureOut">
               <a:rPr kumimoji="1" lang="ja-JP" altLang="en-US" smtClean="0"/>
-              <a:t>2023/8/25</a:t>
+              <a:t>2023/8/26</a:t>
             </a:fld>
             <a:endParaRPr kumimoji="1" lang="ja-JP" altLang="en-US"/>
           </a:p>
@@ -2358,7 +2358,7 @@
           <a:p>
             <a:fld id="{BCC3470B-979D-4AC3-9CEF-E2615858CE2E}" type="datetimeFigureOut">
               <a:rPr kumimoji="1" lang="ja-JP" altLang="en-US" smtClean="0"/>
-              <a:t>2023/8/25</a:t>
+              <a:t>2023/8/26</a:t>
             </a:fld>
             <a:endParaRPr kumimoji="1" lang="ja-JP" altLang="en-US"/>
           </a:p>
@@ -2615,7 +2615,7 @@
           <a:p>
             <a:fld id="{BCC3470B-979D-4AC3-9CEF-E2615858CE2E}" type="datetimeFigureOut">
               <a:rPr kumimoji="1" lang="ja-JP" altLang="en-US" smtClean="0"/>
-              <a:t>2023/8/25</a:t>
+              <a:t>2023/8/26</a:t>
             </a:fld>
             <a:endParaRPr kumimoji="1" lang="ja-JP" altLang="en-US"/>
           </a:p>
@@ -2860,7 +2860,7 @@
           <a:p>
             <a:fld id="{BCC3470B-979D-4AC3-9CEF-E2615858CE2E}" type="datetimeFigureOut">
               <a:rPr kumimoji="1" lang="ja-JP" altLang="en-US" smtClean="0"/>
-              <a:t>2023/8/25</a:t>
+              <a:t>2023/8/26</a:t>
             </a:fld>
             <a:endParaRPr kumimoji="1" lang="ja-JP" altLang="en-US"/>
           </a:p>
@@ -3591,6 +3591,155 @@
           </a:p>
         </p:txBody>
       </p:sp>
+      <p:sp>
+        <p:nvSpPr>
+          <p:cNvPr id="4" name="正方形/長方形 3">
+            <a:extLst>
+              <a:ext uri="{FF2B5EF4-FFF2-40B4-BE49-F238E27FC236}">
+                <a16:creationId xmlns:a16="http://schemas.microsoft.com/office/drawing/2014/main" id="{A70D5B56-E2FD-337F-0444-00C5A6D55601}"/>
+              </a:ext>
+            </a:extLst>
+          </p:cNvPr>
+          <p:cNvSpPr/>
+          <p:nvPr/>
+        </p:nvSpPr>
+        <p:spPr>
+          <a:xfrm>
+            <a:off x="666071" y="2063336"/>
+            <a:ext cx="6787435" cy="923330"/>
+          </a:xfrm>
+          <a:prstGeom prst="rect">
+            <a:avLst/>
+          </a:prstGeom>
+          <a:noFill/>
+        </p:spPr>
+        <p:txBody>
+          <a:bodyPr wrap="none" lIns="91440" tIns="45720" rIns="91440" bIns="45720">
+            <a:spAutoFit/>
+            <a:scene3d>
+              <a:camera prst="orthographicFront"/>
+              <a:lightRig rig="soft" dir="t">
+                <a:rot lat="0" lon="0" rev="15600000"/>
+              </a:lightRig>
+            </a:scene3d>
+            <a:sp3d extrusionH="57150" prstMaterial="softEdge">
+              <a:bevelT w="25400" h="38100"/>
+            </a:sp3d>
+          </a:bodyPr>
+          <a:lstStyle/>
+          <a:p>
+            <a:pPr algn="ctr"/>
+            <a:r>
+              <a:rPr lang="en-US" altLang="ja-JP" sz="5400" b="1" dirty="0">
+                <a:ln w="12700">
+                  <a:solidFill>
+                    <a:schemeClr val="accent1"/>
+                  </a:solidFill>
+                  <a:prstDash val="solid"/>
+                </a:ln>
+                <a:pattFill prst="pct50">
+                  <a:fgClr>
+                    <a:schemeClr val="accent1"/>
+                  </a:fgClr>
+                  <a:bgClr>
+                    <a:schemeClr val="accent1">
+                      <a:lumMod val="20000"/>
+                      <a:lumOff val="80000"/>
+                    </a:schemeClr>
+                  </a:bgClr>
+                </a:pattFill>
+                <a:effectLst>
+                  <a:outerShdw dist="38100" dir="2640000" algn="bl" rotWithShape="0">
+                    <a:schemeClr val="accent1"/>
+                  </a:outerShdw>
+                </a:effectLst>
+              </a:rPr>
+              <a:t>2023</a:t>
+            </a:r>
+            <a:r>
+              <a:rPr lang="ja-JP" altLang="en-US" sz="5400" b="1" dirty="0">
+                <a:ln w="12700">
+                  <a:solidFill>
+                    <a:schemeClr val="accent1"/>
+                  </a:solidFill>
+                  <a:prstDash val="solid"/>
+                </a:ln>
+                <a:pattFill prst="pct50">
+                  <a:fgClr>
+                    <a:schemeClr val="accent1"/>
+                  </a:fgClr>
+                  <a:bgClr>
+                    <a:schemeClr val="accent1">
+                      <a:lumMod val="20000"/>
+                      <a:lumOff val="80000"/>
+                    </a:schemeClr>
+                  </a:bgClr>
+                </a:pattFill>
+                <a:effectLst>
+                  <a:outerShdw dist="38100" dir="2640000" algn="bl" rotWithShape="0">
+                    <a:schemeClr val="accent1"/>
+                  </a:outerShdw>
+                </a:effectLst>
+              </a:rPr>
+              <a:t>年</a:t>
+            </a:r>
+            <a:r>
+              <a:rPr lang="en-US" altLang="ja-JP" sz="5400" b="1" dirty="0">
+                <a:ln w="12700">
+                  <a:solidFill>
+                    <a:schemeClr val="accent1"/>
+                  </a:solidFill>
+                  <a:prstDash val="solid"/>
+                </a:ln>
+                <a:pattFill prst="pct50">
+                  <a:fgClr>
+                    <a:schemeClr val="accent1"/>
+                  </a:fgClr>
+                  <a:bgClr>
+                    <a:schemeClr val="accent1">
+                      <a:lumMod val="20000"/>
+                      <a:lumOff val="80000"/>
+                    </a:schemeClr>
+                  </a:bgClr>
+                </a:pattFill>
+                <a:effectLst>
+                  <a:outerShdw dist="38100" dir="2640000" algn="bl" rotWithShape="0">
+                    <a:schemeClr val="accent1"/>
+                  </a:outerShdw>
+                </a:effectLst>
+              </a:rPr>
+              <a:t>8</a:t>
+            </a:r>
+            <a:r>
+              <a:rPr lang="ja-JP" altLang="en-US" sz="5400" b="1" dirty="0">
+                <a:ln w="12700">
+                  <a:solidFill>
+                    <a:schemeClr val="accent1"/>
+                  </a:solidFill>
+                  <a:prstDash val="solid"/>
+                </a:ln>
+                <a:pattFill prst="pct50">
+                  <a:fgClr>
+                    <a:schemeClr val="accent1"/>
+                  </a:fgClr>
+                  <a:bgClr>
+                    <a:schemeClr val="accent1">
+                      <a:lumMod val="20000"/>
+                      <a:lumOff val="80000"/>
+                    </a:schemeClr>
+                  </a:bgClr>
+                </a:pattFill>
+                <a:effectLst>
+                  <a:outerShdw dist="38100" dir="2640000" algn="bl" rotWithShape="0">
+                    <a:schemeClr val="accent1"/>
+                  </a:outerShdw>
+                </a:effectLst>
+              </a:rPr>
+              <a:t>月現在の情報</a:t>
+            </a:r>
+          </a:p>
+        </p:txBody>
+      </p:sp>
     </p:spTree>
     <p:extLst>
       <p:ext uri="{BB962C8B-B14F-4D97-AF65-F5344CB8AC3E}">
@@ -3735,8 +3884,16 @@
               <a:rPr lang="en-US" altLang="ja-JP" sz="2400" dirty="0">
                 <a:latin typeface="メイリオ" panose="020B0604030504040204" pitchFamily="50" charset="-128"/>
                 <a:ea typeface="メイリオ" panose="020B0604030504040204" pitchFamily="50" charset="-128"/>
+                <a:hlinkClick r:id="rId2"/>
               </a:rPr>
               <a:t>https://sourceforge.net/projects/wavesurfer/</a:t>
+            </a:r>
+            <a:r>
+              <a:rPr lang="en-US" altLang="ja-JP" sz="2400" dirty="0">
+                <a:latin typeface="メイリオ" panose="020B0604030504040204" pitchFamily="50" charset="-128"/>
+                <a:ea typeface="メイリオ" panose="020B0604030504040204" pitchFamily="50" charset="-128"/>
+              </a:rPr>
+              <a:t> </a:t>
             </a:r>
             <a:endParaRPr kumimoji="1" lang="en-US" altLang="ja-JP" dirty="0">
               <a:latin typeface="メイリオ" panose="020B0604030504040204" pitchFamily="50" charset="-128"/>
@@ -3777,6 +3934,60 @@
               </a:rPr>
               <a:t>特定区間の周波数分析結果も表示可能</a:t>
             </a:r>
+            <a:endParaRPr kumimoji="1" lang="en-US" altLang="ja-JP" dirty="0">
+              <a:latin typeface="メイリオ" panose="020B0604030504040204" pitchFamily="50" charset="-128"/>
+              <a:ea typeface="メイリオ" panose="020B0604030504040204" pitchFamily="50" charset="-128"/>
+            </a:endParaRPr>
+          </a:p>
+          <a:p>
+            <a:pPr marL="0" indent="0">
+              <a:buNone/>
+            </a:pPr>
+            <a:endParaRPr kumimoji="1" lang="en-US" altLang="ja-JP" dirty="0">
+              <a:latin typeface="メイリオ" panose="020B0604030504040204" pitchFamily="50" charset="-128"/>
+              <a:ea typeface="メイリオ" panose="020B0604030504040204" pitchFamily="50" charset="-128"/>
+            </a:endParaRPr>
+          </a:p>
+          <a:p>
+            <a:r>
+              <a:rPr lang="ja-JP" altLang="en-US" sz="2800" dirty="0">
+                <a:latin typeface="メイリオ" panose="020B0604030504040204" pitchFamily="50" charset="-128"/>
+                <a:ea typeface="メイリオ" panose="020B0604030504040204" pitchFamily="50" charset="-128"/>
+              </a:rPr>
+              <a:t>最新版</a:t>
+            </a:r>
+            <a:r>
+              <a:rPr lang="en-US" altLang="ja-JP" sz="2800" dirty="0">
+                <a:latin typeface="メイリオ" panose="020B0604030504040204" pitchFamily="50" charset="-128"/>
+                <a:ea typeface="メイリオ" panose="020B0604030504040204" pitchFamily="50" charset="-128"/>
+              </a:rPr>
+              <a:t>: 2020</a:t>
+            </a:r>
+            <a:r>
+              <a:rPr lang="ja-JP" altLang="en-US" sz="2800" dirty="0">
+                <a:latin typeface="メイリオ" panose="020B0604030504040204" pitchFamily="50" charset="-128"/>
+                <a:ea typeface="メイリオ" panose="020B0604030504040204" pitchFamily="50" charset="-128"/>
+              </a:rPr>
+              <a:t>年</a:t>
+            </a:r>
+            <a:r>
+              <a:rPr lang="en-US" altLang="ja-JP" dirty="0">
+                <a:latin typeface="メイリオ" panose="020B0604030504040204" pitchFamily="50" charset="-128"/>
+                <a:ea typeface="メイリオ" panose="020B0604030504040204" pitchFamily="50" charset="-128"/>
+              </a:rPr>
+              <a:t>5</a:t>
+            </a:r>
+            <a:r>
+              <a:rPr lang="ja-JP" altLang="en-US" sz="2800" dirty="0">
+                <a:latin typeface="メイリオ" panose="020B0604030504040204" pitchFamily="50" charset="-128"/>
+                <a:ea typeface="メイリオ" panose="020B0604030504040204" pitchFamily="50" charset="-128"/>
+              </a:rPr>
+              <a:t>月公開</a:t>
+            </a:r>
+            <a:endParaRPr lang="en-US" altLang="ja-JP" sz="2800" dirty="0">
+              <a:latin typeface="メイリオ" panose="020B0604030504040204" pitchFamily="50" charset="-128"/>
+              <a:ea typeface="メイリオ" panose="020B0604030504040204" pitchFamily="50" charset="-128"/>
+            </a:endParaRPr>
           </a:p>
         </p:txBody>
       </p:sp>
@@ -4222,6 +4433,53 @@
               <a:ea typeface="メイリオ" panose="020B0604030504040204" pitchFamily="50" charset="-128"/>
             </a:endParaRPr>
           </a:p>
+          <a:p>
+            <a:endParaRPr kumimoji="1" lang="en-US" altLang="ja-JP" dirty="0">
+              <a:latin typeface="メイリオ" panose="020B0604030504040204" pitchFamily="50" charset="-128"/>
+              <a:ea typeface="メイリオ" panose="020B0604030504040204" pitchFamily="50" charset="-128"/>
+            </a:endParaRPr>
+          </a:p>
+          <a:p>
+            <a:r>
+              <a:rPr lang="ja-JP" altLang="en-US" sz="2800" dirty="0">
+                <a:latin typeface="メイリオ" panose="020B0604030504040204" pitchFamily="50" charset="-128"/>
+                <a:ea typeface="メイリオ" panose="020B0604030504040204" pitchFamily="50" charset="-128"/>
+              </a:rPr>
+              <a:t>最新版</a:t>
+            </a:r>
+            <a:r>
+              <a:rPr lang="en-US" altLang="ja-JP" sz="2800" dirty="0">
+                <a:latin typeface="メイリオ" panose="020B0604030504040204" pitchFamily="50" charset="-128"/>
+                <a:ea typeface="メイリオ" panose="020B0604030504040204" pitchFamily="50" charset="-128"/>
+              </a:rPr>
+              <a:t>: 2016</a:t>
+            </a:r>
+            <a:r>
+              <a:rPr lang="ja-JP" altLang="en-US" sz="2800" dirty="0">
+                <a:latin typeface="メイリオ" panose="020B0604030504040204" pitchFamily="50" charset="-128"/>
+                <a:ea typeface="メイリオ" panose="020B0604030504040204" pitchFamily="50" charset="-128"/>
+              </a:rPr>
+              <a:t>年</a:t>
+            </a:r>
+            <a:r>
+              <a:rPr lang="en-US" altLang="ja-JP" sz="2800" dirty="0">
+                <a:latin typeface="メイリオ" panose="020B0604030504040204" pitchFamily="50" charset="-128"/>
+                <a:ea typeface="メイリオ" panose="020B0604030504040204" pitchFamily="50" charset="-128"/>
+              </a:rPr>
+              <a:t>6</a:t>
+            </a:r>
+            <a:r>
+              <a:rPr lang="ja-JP" altLang="en-US" sz="2800" dirty="0">
+                <a:latin typeface="メイリオ" panose="020B0604030504040204" pitchFamily="50" charset="-128"/>
+                <a:ea typeface="メイリオ" panose="020B0604030504040204" pitchFamily="50" charset="-128"/>
+              </a:rPr>
+              <a:t>月公開</a:t>
+            </a:r>
+            <a:endParaRPr lang="en-US" altLang="ja-JP" sz="2800" dirty="0">
+              <a:latin typeface="メイリオ" panose="020B0604030504040204" pitchFamily="50" charset="-128"/>
+              <a:ea typeface="メイリオ" panose="020B0604030504040204" pitchFamily="50" charset="-128"/>
+            </a:endParaRPr>
+          </a:p>
         </p:txBody>
       </p:sp>
     </p:spTree>
@@ -4340,7 +4598,7 @@
         </p:nvSpPr>
         <p:spPr>
           <a:xfrm>
-            <a:off x="750417" y="1357452"/>
+            <a:off x="750417" y="1180471"/>
             <a:ext cx="10515600" cy="4351338"/>
           </a:xfrm>
         </p:spPr>
@@ -4462,6 +4720,53 @@
               <a:t>文法を用いた認識を行うためのキット（サンプル文法込み）も配布されている</a:t>
             </a:r>
             <a:endParaRPr kumimoji="1" lang="en-US" altLang="ja-JP" dirty="0">
+              <a:latin typeface="メイリオ" panose="020B0604030504040204" pitchFamily="50" charset="-128"/>
+              <a:ea typeface="メイリオ" panose="020B0604030504040204" pitchFamily="50" charset="-128"/>
+            </a:endParaRPr>
+          </a:p>
+          <a:p>
+            <a:endParaRPr kumimoji="1" lang="en-US" altLang="ja-JP" dirty="0">
+              <a:latin typeface="メイリオ" panose="020B0604030504040204" pitchFamily="50" charset="-128"/>
+              <a:ea typeface="メイリオ" panose="020B0604030504040204" pitchFamily="50" charset="-128"/>
+            </a:endParaRPr>
+          </a:p>
+          <a:p>
+            <a:r>
+              <a:rPr lang="ja-JP" altLang="en-US" sz="2800" dirty="0">
+                <a:latin typeface="メイリオ" panose="020B0604030504040204" pitchFamily="50" charset="-128"/>
+                <a:ea typeface="メイリオ" panose="020B0604030504040204" pitchFamily="50" charset="-128"/>
+              </a:rPr>
+              <a:t>最新版</a:t>
+            </a:r>
+            <a:r>
+              <a:rPr lang="en-US" altLang="ja-JP" sz="2800" dirty="0">
+                <a:latin typeface="メイリオ" panose="020B0604030504040204" pitchFamily="50" charset="-128"/>
+                <a:ea typeface="メイリオ" panose="020B0604030504040204" pitchFamily="50" charset="-128"/>
+              </a:rPr>
+              <a:t>: 2020</a:t>
+            </a:r>
+            <a:r>
+              <a:rPr lang="ja-JP" altLang="en-US" sz="2800" dirty="0">
+                <a:latin typeface="メイリオ" panose="020B0604030504040204" pitchFamily="50" charset="-128"/>
+                <a:ea typeface="メイリオ" panose="020B0604030504040204" pitchFamily="50" charset="-128"/>
+              </a:rPr>
+              <a:t>年</a:t>
+            </a:r>
+            <a:r>
+              <a:rPr lang="en-US" altLang="ja-JP" sz="2800" dirty="0">
+                <a:latin typeface="メイリオ" panose="020B0604030504040204" pitchFamily="50" charset="-128"/>
+                <a:ea typeface="メイリオ" panose="020B0604030504040204" pitchFamily="50" charset="-128"/>
+              </a:rPr>
+              <a:t>9</a:t>
+            </a:r>
+            <a:r>
+              <a:rPr lang="ja-JP" altLang="en-US" sz="2800" dirty="0">
+                <a:latin typeface="メイリオ" panose="020B0604030504040204" pitchFamily="50" charset="-128"/>
+                <a:ea typeface="メイリオ" panose="020B0604030504040204" pitchFamily="50" charset="-128"/>
+              </a:rPr>
+              <a:t>月公開</a:t>
+            </a:r>
+            <a:endParaRPr lang="en-US" altLang="ja-JP" sz="2800" dirty="0">
               <a:latin typeface="メイリオ" panose="020B0604030504040204" pitchFamily="50" charset="-128"/>
               <a:ea typeface="メイリオ" panose="020B0604030504040204" pitchFamily="50" charset="-128"/>
             </a:endParaRPr>
@@ -4698,6 +5003,76 @@
             <a:pPr marL="0" indent="0">
               <a:buNone/>
             </a:pPr>
+            <a:endParaRPr lang="en-US" altLang="ja-JP" sz="2400" dirty="0">
+              <a:latin typeface="メイリオ" panose="020B0604030504040204" pitchFamily="50" charset="-128"/>
+              <a:ea typeface="メイリオ" panose="020B0604030504040204" pitchFamily="50" charset="-128"/>
+            </a:endParaRPr>
+          </a:p>
+          <a:p>
+            <a:r>
+              <a:rPr lang="ja-JP" altLang="en-US" sz="2400" dirty="0">
+                <a:latin typeface="メイリオ" panose="020B0604030504040204" pitchFamily="50" charset="-128"/>
+                <a:ea typeface="メイリオ" panose="020B0604030504040204" pitchFamily="50" charset="-128"/>
+              </a:rPr>
+              <a:t>最新版</a:t>
+            </a:r>
+            <a:r>
+              <a:rPr lang="en-US" altLang="ja-JP" sz="2400" dirty="0">
+                <a:latin typeface="メイリオ" panose="020B0604030504040204" pitchFamily="50" charset="-128"/>
+                <a:ea typeface="メイリオ" panose="020B0604030504040204" pitchFamily="50" charset="-128"/>
+              </a:rPr>
+              <a:t>: 2021</a:t>
+            </a:r>
+            <a:r>
+              <a:rPr lang="ja-JP" altLang="en-US" sz="2400" dirty="0">
+                <a:latin typeface="メイリオ" panose="020B0604030504040204" pitchFamily="50" charset="-128"/>
+                <a:ea typeface="メイリオ" panose="020B0604030504040204" pitchFamily="50" charset="-128"/>
+              </a:rPr>
+              <a:t>年</a:t>
+            </a:r>
+            <a:r>
+              <a:rPr lang="en-US" altLang="ja-JP" sz="2400" dirty="0">
+                <a:latin typeface="メイリオ" panose="020B0604030504040204" pitchFamily="50" charset="-128"/>
+                <a:ea typeface="メイリオ" panose="020B0604030504040204" pitchFamily="50" charset="-128"/>
+              </a:rPr>
+              <a:t>10</a:t>
+            </a:r>
+            <a:r>
+              <a:rPr lang="ja-JP" altLang="en-US" sz="2400" dirty="0">
+                <a:latin typeface="メイリオ" panose="020B0604030504040204" pitchFamily="50" charset="-128"/>
+                <a:ea typeface="メイリオ" panose="020B0604030504040204" pitchFamily="50" charset="-128"/>
+              </a:rPr>
+              <a:t>月公開</a:t>
+            </a:r>
+            <a:endParaRPr lang="en-US" altLang="ja-JP" sz="2400" dirty="0">
+              <a:latin typeface="メイリオ" panose="020B0604030504040204" pitchFamily="50" charset="-128"/>
+              <a:ea typeface="メイリオ" panose="020B0604030504040204" pitchFamily="50" charset="-128"/>
+            </a:endParaRPr>
+          </a:p>
+          <a:p>
+            <a:pPr marL="0" indent="0">
+              <a:buNone/>
+            </a:pPr>
+            <a:r>
+              <a:rPr lang="en-US" altLang="ja-JP" sz="2400" dirty="0">
+                <a:latin typeface="メイリオ" panose="020B0604030504040204" pitchFamily="50" charset="-128"/>
+                <a:ea typeface="メイリオ" panose="020B0604030504040204" pitchFamily="50" charset="-128"/>
+                <a:hlinkClick r:id="rId4"/>
+              </a:rPr>
+              <a:t>https://mmdagent-ex.dev/ja/</a:t>
+            </a:r>
+            <a:r>
+              <a:rPr lang="en-US" altLang="ja-JP" sz="2400" dirty="0">
+                <a:latin typeface="メイリオ" panose="020B0604030504040204" pitchFamily="50" charset="-128"/>
+                <a:ea typeface="メイリオ" panose="020B0604030504040204" pitchFamily="50" charset="-128"/>
+              </a:rPr>
+              <a:t> </a:t>
+            </a:r>
+          </a:p>
+          <a:p>
+            <a:pPr marL="0" indent="0">
+              <a:buNone/>
+            </a:pPr>
             <a:endParaRPr lang="ja-JP" altLang="en-US" sz="2400" dirty="0">
               <a:latin typeface="メイリオ" panose="020B0604030504040204" pitchFamily="50" charset="-128"/>
               <a:ea typeface="メイリオ" panose="020B0604030504040204" pitchFamily="50" charset="-128"/>
@@ -4721,7 +5096,7 @@
 <file path=ppt/theme/theme1.xml><?xml version="1.0" encoding="utf-8"?>
 <a:theme xmlns:a="http://schemas.openxmlformats.org/drawingml/2006/main" name="Office テーマ">
   <a:themeElements>
-    <a:clrScheme name="Office テーマ">
+    <a:clrScheme name="ユーザー定義 5">
       <a:dk1>
         <a:sysClr val="windowText" lastClr="000000"/>
       </a:dk1>
@@ -4756,7 +5131,7 @@
         <a:srgbClr val="0563C1"/>
       </a:hlink>
       <a:folHlink>
-        <a:srgbClr val="954F72"/>
+        <a:srgbClr val="0563C1"/>
       </a:folHlink>
     </a:clrScheme>
     <a:fontScheme name="Office テーマ">
